--- a/tests/testresults/script_IQSlidedeck_IQobjects_IQ_4_3.pptx
+++ b/tests/testresults/script_IQSlidedeck_IQobjects_IQ_4_3.pptx
@@ -1,50 +1,53 @@
 
 <file path=ppt/presentation.xml><?xml version="1.0" encoding="utf-8"?>
-<p:presentation xmlns:a="http://schemas.openxmlformats.org/drawingml/2006/main" xmlns:r="http://schemas.openxmlformats.org/officeDocument/2006/relationships" xmlns:p="http://schemas.openxmlformats.org/presentationml/2006/main" embedTrueTypeFonts="1">
+<p:presentation xmlns:a="http://schemas.openxmlformats.org/drawingml/2006/main" xmlns:r="http://schemas.openxmlformats.org/officeDocument/2006/relationships" xmlns:p="http://schemas.openxmlformats.org/presentationml/2006/main" showSpecialPlsOnTitleSld="0" embedTrueTypeFonts="1">
   <p:sldMasterIdLst>
     <p:sldMasterId id="2147483648" r:id="rId1"/>
   </p:sldMasterIdLst>
+  <p:notesMasterIdLst>
+    <p:notesMasterId r:id="rId2"/>
+  </p:notesMasterIdLst>
   <p:sldIdLst xmlns:a="http://schemas.openxmlformats.org/drawingml/2006/main" xmlns:r="http://schemas.openxmlformats.org/officeDocument/2006/relationships" xmlns:p="http://schemas.openxmlformats.org/presentationml/2006/main">
-    <p:sldId id="256" r:id="rId13"/>
-    <p:sldId id="257" r:id="rId14"/>
-    <p:sldId id="258" r:id="rId15"/>
-    <p:sldId id="259" r:id="rId16"/>
-    <p:sldId id="260" r:id="rId17"/>
-    <p:sldId id="261" r:id="rId18"/>
-    <p:sldId id="262" r:id="rId19"/>
-    <p:sldId id="263" r:id="rId20"/>
-    <p:sldId id="264" r:id="rId21"/>
-    <p:sldId id="265" r:id="rId22"/>
-    <p:sldId id="266" r:id="rId23"/>
-    <p:sldId id="267" r:id="rId24"/>
-    <p:sldId id="268" r:id="rId25"/>
-    <p:sldId id="269" r:id="rId26"/>
-    <p:sldId id="270" r:id="rId27"/>
-    <p:sldId id="271" r:id="rId28"/>
-    <p:sldId id="272" r:id="rId29"/>
-    <p:sldId id="273" r:id="rId30"/>
+    <p:sldId id="256" r:id="rId14"/>
+    <p:sldId id="257" r:id="rId15"/>
+    <p:sldId id="258" r:id="rId16"/>
+    <p:sldId id="259" r:id="rId17"/>
+    <p:sldId id="260" r:id="rId18"/>
+    <p:sldId id="261" r:id="rId19"/>
+    <p:sldId id="262" r:id="rId20"/>
+    <p:sldId id="263" r:id="rId21"/>
+    <p:sldId id="264" r:id="rId22"/>
+    <p:sldId id="265" r:id="rId23"/>
+    <p:sldId id="266" r:id="rId24"/>
+    <p:sldId id="267" r:id="rId25"/>
+    <p:sldId id="268" r:id="rId26"/>
+    <p:sldId id="269" r:id="rId27"/>
+    <p:sldId id="270" r:id="rId28"/>
+    <p:sldId id="271" r:id="rId29"/>
+    <p:sldId id="272" r:id="rId30"/>
+    <p:sldId id="273" r:id="rId31"/>
   </p:sldIdLst>
   <p:sldSz cx="9144000" cy="6858000" type="screen4x3"/>
   <p:notesSz cx="6858000" cy="9144000"/>
   <p:embeddedFontLst>
     <p:embeddedFont>
       <p:font typeface="Calibri" panose="020F0502020204030204" pitchFamily="34" charset="0"/>
-      <p:regular r:id="rId2"/>
-      <p:bold r:id="rId3"/>
-      <p:italic r:id="rId4"/>
-      <p:boldItalic r:id="rId5"/>
+      <p:regular r:id="rId3"/>
+      <p:bold r:id="rId4"/>
+      <p:italic r:id="rId5"/>
+      <p:boldItalic r:id="rId6"/>
     </p:embeddedFont>
     <p:embeddedFont>
-      <p:font typeface="Mont Heavy" panose="00000A00000000000000" charset="0"/>
-      <p:bold r:id="rId6"/>
+      <p:font typeface="Mont Heavy" panose="00000A00000000000000" pitchFamily="50" charset="0"/>
+      <p:bold r:id="rId7"/>
     </p:embeddedFont>
     <p:embeddedFont>
       <p:font typeface="Mont Light" panose="00000500000000000000" pitchFamily="50" charset="0"/>
-      <p:regular r:id="rId7"/>
+      <p:regular r:id="rId8"/>
     </p:embeddedFont>
     <p:embeddedFont>
       <p:font typeface="Open Sans" panose="020B0606030504020204" pitchFamily="34" charset="0"/>
-      <p:regular r:id="rId8"/>
+      <p:regular r:id="rId9"/>
     </p:embeddedFont>
   </p:embeddedFontLst>
   <p:defaultTextStyle>
@@ -150,6 +153,356 @@
 </p:presentation>
 </file>
 
+<file path=ppt/notesMasters/notesMaster1.xml><?xml version="1.0" encoding="utf-8"?>
+<p:notesMaster xmlns:a="http://schemas.openxmlformats.org/drawingml/2006/main" xmlns:r="http://schemas.openxmlformats.org/officeDocument/2006/relationships" xmlns:p="http://schemas.openxmlformats.org/presentationml/2006/main">
+  <p:cSld>
+    <p:bg>
+      <p:bgRef idx="1001">
+        <a:schemeClr val="bg1"/>
+      </p:bgRef>
+    </p:bg>
+    <p:spTree>
+      <p:nvGrpSpPr>
+        <p:cNvPr id="1" name=""/>
+        <p:cNvGrpSpPr/>
+        <p:nvPr/>
+      </p:nvGrpSpPr>
+      <p:grpSpPr>
+        <a:xfrm>
+          <a:off x="0" y="0"/>
+          <a:ext cx="0" cy="0"/>
+          <a:chOff x="0" y="0"/>
+          <a:chExt cx="0" cy="0"/>
+        </a:xfrm>
+      </p:grpSpPr>
+      <p:sp>
+        <p:nvSpPr>
+          <p:cNvPr id="2" name="Header Placeholder 1"/>
+          <p:cNvSpPr>
+            <a:spLocks noGrp="1"/>
+          </p:cNvSpPr>
+          <p:nvPr>
+            <p:ph type="hdr" sz="quarter"/>
+          </p:nvPr>
+        </p:nvSpPr>
+        <p:spPr>
+          <a:xfrm>
+            <a:off x="0" y="0"/>
+            <a:ext cx="2971800" cy="458788"/>
+          </a:xfrm>
+          <a:prstGeom prst="rect">
+            <a:avLst/>
+          </a:prstGeom>
+        </p:spPr>
+        <p:txBody>
+          <a:bodyPr vert="horz" lIns="91440" tIns="45720" rIns="91440" bIns="45720" rtlCol="0"/>
+          <a:lstStyle>
+            <a:lvl1pPr algn="l">
+              <a:defRPr sz="1200"/>
+            </a:lvl1pPr>
+          </a:lstStyle>
+          <a:p>
+            <a:endParaRPr lang="en-CH"/>
+          </a:p>
+        </p:txBody>
+      </p:sp>
+      <p:sp>
+        <p:nvSpPr>
+          <p:cNvPr id="3" name="Date Placeholder 2"/>
+          <p:cNvSpPr>
+            <a:spLocks noGrp="1"/>
+          </p:cNvSpPr>
+          <p:nvPr>
+            <p:ph type="dt" idx="1"/>
+          </p:nvPr>
+        </p:nvSpPr>
+        <p:spPr>
+          <a:xfrm>
+            <a:off x="3884613" y="0"/>
+            <a:ext cx="2971800" cy="458788"/>
+          </a:xfrm>
+          <a:prstGeom prst="rect">
+            <a:avLst/>
+          </a:prstGeom>
+        </p:spPr>
+        <p:txBody>
+          <a:bodyPr vert="horz" lIns="91440" tIns="45720" rIns="91440" bIns="45720" rtlCol="0"/>
+          <a:lstStyle>
+            <a:lvl1pPr algn="r">
+              <a:defRPr sz="1200"/>
+            </a:lvl1pPr>
+          </a:lstStyle>
+          <a:p>
+            <a:fld id="{DDCCD2A6-B5E6-46A1-BEAE-67E2B354F048}" type="datetimeFigureOut">
+              <a:rPr lang="en-CH" smtClean="0"/>
+              <a:t>11/01/2021</a:t>
+            </a:fld>
+            <a:endParaRPr lang="en-CH"/>
+          </a:p>
+        </p:txBody>
+      </p:sp>
+      <p:sp>
+        <p:nvSpPr>
+          <p:cNvPr id="4" name="Slide Image Placeholder 3"/>
+          <p:cNvSpPr>
+            <a:spLocks noGrp="1" noRot="1" noChangeAspect="1"/>
+          </p:cNvSpPr>
+          <p:nvPr>
+            <p:ph type="sldImg" idx="2"/>
+          </p:nvPr>
+        </p:nvSpPr>
+        <p:spPr>
+          <a:xfrm>
+            <a:off x="1371600" y="1143000"/>
+            <a:ext cx="4114800" cy="3086100"/>
+          </a:xfrm>
+          <a:prstGeom prst="rect">
+            <a:avLst/>
+          </a:prstGeom>
+          <a:noFill/>
+          <a:ln w="12700">
+            <a:solidFill>
+              <a:prstClr val="black"/>
+            </a:solidFill>
+          </a:ln>
+        </p:spPr>
+        <p:txBody>
+          <a:bodyPr vert="horz" lIns="91440" tIns="45720" rIns="91440" bIns="45720" rtlCol="0" anchor="ctr"/>
+          <a:lstStyle/>
+          <a:p>
+            <a:endParaRPr lang="en-CH"/>
+          </a:p>
+        </p:txBody>
+      </p:sp>
+      <p:sp>
+        <p:nvSpPr>
+          <p:cNvPr id="5" name="Notes Placeholder 4"/>
+          <p:cNvSpPr>
+            <a:spLocks noGrp="1"/>
+          </p:cNvSpPr>
+          <p:nvPr>
+            <p:ph type="body" sz="quarter" idx="3"/>
+          </p:nvPr>
+        </p:nvSpPr>
+        <p:spPr>
+          <a:xfrm>
+            <a:off x="685800" y="4400550"/>
+            <a:ext cx="5486400" cy="3600450"/>
+          </a:xfrm>
+          <a:prstGeom prst="rect">
+            <a:avLst/>
+          </a:prstGeom>
+        </p:spPr>
+        <p:txBody>
+          <a:bodyPr vert="horz" lIns="91440" tIns="45720" rIns="91440" bIns="45720" rtlCol="0"/>
+          <a:lstStyle/>
+          <a:p>
+            <a:pPr lvl="0"/>
+            <a:r>
+              <a:rPr lang="en-US"/>
+              <a:t>Click to edit Master text styles</a:t>
+            </a:r>
+          </a:p>
+          <a:p>
+            <a:pPr lvl="1"/>
+            <a:r>
+              <a:rPr lang="en-US"/>
+              <a:t>Second level</a:t>
+            </a:r>
+          </a:p>
+          <a:p>
+            <a:pPr lvl="2"/>
+            <a:r>
+              <a:rPr lang="en-US"/>
+              <a:t>Third level</a:t>
+            </a:r>
+          </a:p>
+          <a:p>
+            <a:pPr lvl="3"/>
+            <a:r>
+              <a:rPr lang="en-US"/>
+              <a:t>Fourth level</a:t>
+            </a:r>
+          </a:p>
+          <a:p>
+            <a:pPr lvl="4"/>
+            <a:r>
+              <a:rPr lang="en-US"/>
+              <a:t>Fifth level</a:t>
+            </a:r>
+            <a:endParaRPr lang="en-CH"/>
+          </a:p>
+        </p:txBody>
+      </p:sp>
+      <p:sp>
+        <p:nvSpPr>
+          <p:cNvPr id="6" name="Footer Placeholder 5"/>
+          <p:cNvSpPr>
+            <a:spLocks noGrp="1"/>
+          </p:cNvSpPr>
+          <p:nvPr>
+            <p:ph type="ftr" sz="quarter" idx="4"/>
+          </p:nvPr>
+        </p:nvSpPr>
+        <p:spPr>
+          <a:xfrm>
+            <a:off x="0" y="8685213"/>
+            <a:ext cx="2971800" cy="458787"/>
+          </a:xfrm>
+          <a:prstGeom prst="rect">
+            <a:avLst/>
+          </a:prstGeom>
+        </p:spPr>
+        <p:txBody>
+          <a:bodyPr vert="horz" lIns="91440" tIns="45720" rIns="91440" bIns="45720" rtlCol="0" anchor="b"/>
+          <a:lstStyle>
+            <a:lvl1pPr algn="l">
+              <a:defRPr sz="1200"/>
+            </a:lvl1pPr>
+          </a:lstStyle>
+          <a:p>
+            <a:endParaRPr lang="en-CH"/>
+          </a:p>
+        </p:txBody>
+      </p:sp>
+      <p:sp>
+        <p:nvSpPr>
+          <p:cNvPr id="7" name="Slide Number Placeholder 6"/>
+          <p:cNvSpPr>
+            <a:spLocks noGrp="1"/>
+          </p:cNvSpPr>
+          <p:nvPr>
+            <p:ph type="sldNum" sz="quarter" idx="5"/>
+          </p:nvPr>
+        </p:nvSpPr>
+        <p:spPr>
+          <a:xfrm>
+            <a:off x="3884613" y="8685213"/>
+            <a:ext cx="2971800" cy="458787"/>
+          </a:xfrm>
+          <a:prstGeom prst="rect">
+            <a:avLst/>
+          </a:prstGeom>
+        </p:spPr>
+        <p:txBody>
+          <a:bodyPr vert="horz" lIns="91440" tIns="45720" rIns="91440" bIns="45720" rtlCol="0" anchor="b"/>
+          <a:lstStyle>
+            <a:lvl1pPr algn="r">
+              <a:defRPr sz="1200"/>
+            </a:lvl1pPr>
+          </a:lstStyle>
+          <a:p>
+            <a:fld id="{D5D5CB61-BFF4-4594-A2CF-F8FEA013FECB}" type="slidenum">
+              <a:rPr lang="en-CH" smtClean="0"/>
+              <a:t>‹#›</a:t>
+            </a:fld>
+            <a:endParaRPr lang="en-CH"/>
+          </a:p>
+        </p:txBody>
+      </p:sp>
+    </p:spTree>
+    <p:extLst>
+      <p:ext uri="{BB962C8B-B14F-4D97-AF65-F5344CB8AC3E}">
+        <p14:creationId xmlns:p14="http://schemas.microsoft.com/office/powerpoint/2010/main" val="961586538"/>
+      </p:ext>
+    </p:extLst>
+  </p:cSld>
+  <p:clrMap bg1="lt1" tx1="dk1" bg2="lt2" tx2="dk2" accent1="accent1" accent2="accent2" accent3="accent3" accent4="accent4" accent5="accent5" accent6="accent6" hlink="hlink" folHlink="folHlink"/>
+  <p:notesStyle>
+    <a:lvl1pPr marL="0" algn="l" defTabSz="914400" rtl="0" eaLnBrk="1" latinLnBrk="0" hangingPunct="1">
+      <a:defRPr sz="1200" kern="1200">
+        <a:solidFill>
+          <a:schemeClr val="tx1"/>
+        </a:solidFill>
+        <a:latin typeface="+mn-lt"/>
+        <a:ea typeface="+mn-ea"/>
+        <a:cs typeface="+mn-cs"/>
+      </a:defRPr>
+    </a:lvl1pPr>
+    <a:lvl2pPr marL="457200" algn="l" defTabSz="914400" rtl="0" eaLnBrk="1" latinLnBrk="0" hangingPunct="1">
+      <a:defRPr sz="1200" kern="1200">
+        <a:solidFill>
+          <a:schemeClr val="tx1"/>
+        </a:solidFill>
+        <a:latin typeface="+mn-lt"/>
+        <a:ea typeface="+mn-ea"/>
+        <a:cs typeface="+mn-cs"/>
+      </a:defRPr>
+    </a:lvl2pPr>
+    <a:lvl3pPr marL="914400" algn="l" defTabSz="914400" rtl="0" eaLnBrk="1" latinLnBrk="0" hangingPunct="1">
+      <a:defRPr sz="1200" kern="1200">
+        <a:solidFill>
+          <a:schemeClr val="tx1"/>
+        </a:solidFill>
+        <a:latin typeface="+mn-lt"/>
+        <a:ea typeface="+mn-ea"/>
+        <a:cs typeface="+mn-cs"/>
+      </a:defRPr>
+    </a:lvl3pPr>
+    <a:lvl4pPr marL="1371600" algn="l" defTabSz="914400" rtl="0" eaLnBrk="1" latinLnBrk="0" hangingPunct="1">
+      <a:defRPr sz="1200" kern="1200">
+        <a:solidFill>
+          <a:schemeClr val="tx1"/>
+        </a:solidFill>
+        <a:latin typeface="+mn-lt"/>
+        <a:ea typeface="+mn-ea"/>
+        <a:cs typeface="+mn-cs"/>
+      </a:defRPr>
+    </a:lvl4pPr>
+    <a:lvl5pPr marL="1828800" algn="l" defTabSz="914400" rtl="0" eaLnBrk="1" latinLnBrk="0" hangingPunct="1">
+      <a:defRPr sz="1200" kern="1200">
+        <a:solidFill>
+          <a:schemeClr val="tx1"/>
+        </a:solidFill>
+        <a:latin typeface="+mn-lt"/>
+        <a:ea typeface="+mn-ea"/>
+        <a:cs typeface="+mn-cs"/>
+      </a:defRPr>
+    </a:lvl5pPr>
+    <a:lvl6pPr marL="2286000" algn="l" defTabSz="914400" rtl="0" eaLnBrk="1" latinLnBrk="0" hangingPunct="1">
+      <a:defRPr sz="1200" kern="1200">
+        <a:solidFill>
+          <a:schemeClr val="tx1"/>
+        </a:solidFill>
+        <a:latin typeface="+mn-lt"/>
+        <a:ea typeface="+mn-ea"/>
+        <a:cs typeface="+mn-cs"/>
+      </a:defRPr>
+    </a:lvl6pPr>
+    <a:lvl7pPr marL="2743200" algn="l" defTabSz="914400" rtl="0" eaLnBrk="1" latinLnBrk="0" hangingPunct="1">
+      <a:defRPr sz="1200" kern="1200">
+        <a:solidFill>
+          <a:schemeClr val="tx1"/>
+        </a:solidFill>
+        <a:latin typeface="+mn-lt"/>
+        <a:ea typeface="+mn-ea"/>
+        <a:cs typeface="+mn-cs"/>
+      </a:defRPr>
+    </a:lvl7pPr>
+    <a:lvl8pPr marL="3200400" algn="l" defTabSz="914400" rtl="0" eaLnBrk="1" latinLnBrk="0" hangingPunct="1">
+      <a:defRPr sz="1200" kern="1200">
+        <a:solidFill>
+          <a:schemeClr val="tx1"/>
+        </a:solidFill>
+        <a:latin typeface="+mn-lt"/>
+        <a:ea typeface="+mn-ea"/>
+        <a:cs typeface="+mn-cs"/>
+      </a:defRPr>
+    </a:lvl8pPr>
+    <a:lvl9pPr marL="3657600" algn="l" defTabSz="914400" rtl="0" eaLnBrk="1" latinLnBrk="0" hangingPunct="1">
+      <a:defRPr sz="1200" kern="1200">
+        <a:solidFill>
+          <a:schemeClr val="tx1"/>
+        </a:solidFill>
+        <a:latin typeface="+mn-lt"/>
+        <a:ea typeface="+mn-ea"/>
+        <a:cs typeface="+mn-cs"/>
+      </a:defRPr>
+    </a:lvl9pPr>
+  </p:notesStyle>
+</p:notesMaster>
+</file>
+
 <file path=ppt/slideLayouts/slideLayout1.xml><?xml version="1.0" encoding="utf-8"?>
 <p:sldLayout xmlns:a="http://schemas.openxmlformats.org/drawingml/2006/main" xmlns:r="http://schemas.openxmlformats.org/officeDocument/2006/relationships" xmlns:p="http://schemas.openxmlformats.org/presentationml/2006/main" type="title" preserve="1">
   <p:cSld name="Title Slide">
@@ -338,12 +691,20 @@
             <p:ph type="dt" sz="half" idx="10"/>
           </p:nvPr>
         </p:nvSpPr>
-        <p:spPr/>
-        <p:txBody>
-          <a:bodyPr/>
-          <a:lstStyle/>
-          <a:p>
-            <a:fld id="{7B272C57-2FA0-4A9D-99A4-6F756B65018B}" type="datetimeFigureOut">
+        <p:spPr>
+          <a:xfrm>
+            <a:off x="692434" y="6356350"/>
+            <a:ext cx="1174141" cy="365125"/>
+          </a:xfrm>
+          <a:prstGeom prst="rect">
+            <a:avLst/>
+          </a:prstGeom>
+        </p:spPr>
+        <p:txBody>
+          <a:bodyPr/>
+          <a:lstStyle/>
+          <a:p>
+            <a:fld id="{90E8E99B-7987-4216-A653-2289E721DDD1}" type="datetime1">
               <a:rPr lang="en-US" smtClean="0"/>
               <a:t>1/11/2021</a:t>
             </a:fld>
@@ -401,7 +762,7 @@
               <a:rPr lang="en-US" smtClean="0"/>
               <a:t>‹#›</a:t>
             </a:fld>
-            <a:endParaRPr lang="en-US"/>
+            <a:endParaRPr lang="en-US" dirty="0"/>
           </a:p>
         </p:txBody>
       </p:sp>
@@ -630,12 +991,20 @@
             <p:ph type="dt" sz="half" idx="10"/>
           </p:nvPr>
         </p:nvSpPr>
-        <p:spPr/>
-        <p:txBody>
-          <a:bodyPr/>
-          <a:lstStyle/>
-          <a:p>
-            <a:fld id="{7B272C57-2FA0-4A9D-99A4-6F756B65018B}" type="datetimeFigureOut">
+        <p:spPr>
+          <a:xfrm>
+            <a:off x="692434" y="6356350"/>
+            <a:ext cx="1174141" cy="365125"/>
+          </a:xfrm>
+          <a:prstGeom prst="rect">
+            <a:avLst/>
+          </a:prstGeom>
+        </p:spPr>
+        <p:txBody>
+          <a:bodyPr/>
+          <a:lstStyle/>
+          <a:p>
+            <a:fld id="{FE4BCB95-AB5B-4A5C-9110-200EF78E4778}" type="datetime1">
               <a:rPr lang="en-US" smtClean="0"/>
               <a:t>1/11/2021</a:t>
             </a:fld>
@@ -743,12 +1112,20 @@
             <p:ph type="dt" sz="half" idx="10"/>
           </p:nvPr>
         </p:nvSpPr>
-        <p:spPr/>
-        <p:txBody>
-          <a:bodyPr/>
-          <a:lstStyle/>
-          <a:p>
-            <a:fld id="{7B272C57-2FA0-4A9D-99A4-6F756B65018B}" type="datetimeFigureOut">
+        <p:spPr>
+          <a:xfrm>
+            <a:off x="692434" y="6356350"/>
+            <a:ext cx="1174141" cy="365125"/>
+          </a:xfrm>
+          <a:prstGeom prst="rect">
+            <a:avLst/>
+          </a:prstGeom>
+        </p:spPr>
+        <p:txBody>
+          <a:bodyPr/>
+          <a:lstStyle/>
+          <a:p>
+            <a:fld id="{17E66974-7B4A-4094-B0D5-4B350890C16B}" type="datetime1">
               <a:rPr lang="en-US" smtClean="0"/>
               <a:t>1/11/2021</a:t>
             </a:fld>
@@ -1054,12 +1431,20 @@
             <p:ph type="dt" sz="half" idx="10"/>
           </p:nvPr>
         </p:nvSpPr>
-        <p:spPr/>
-        <p:txBody>
-          <a:bodyPr/>
-          <a:lstStyle/>
-          <a:p>
-            <a:fld id="{7B272C57-2FA0-4A9D-99A4-6F756B65018B}" type="datetimeFigureOut">
+        <p:spPr>
+          <a:xfrm>
+            <a:off x="692434" y="6356350"/>
+            <a:ext cx="1174141" cy="365125"/>
+          </a:xfrm>
+          <a:prstGeom prst="rect">
+            <a:avLst/>
+          </a:prstGeom>
+        </p:spPr>
+        <p:txBody>
+          <a:bodyPr/>
+          <a:lstStyle/>
+          <a:p>
+            <a:fld id="{4736CA40-B21E-4BC1-BF1D-883E6BE6094B}" type="datetime1">
               <a:rPr lang="en-US" smtClean="0"/>
               <a:t>1/11/2021</a:t>
             </a:fld>
@@ -1342,12 +1727,20 @@
             <p:ph type="dt" sz="half" idx="10"/>
           </p:nvPr>
         </p:nvSpPr>
-        <p:spPr/>
-        <p:txBody>
-          <a:bodyPr/>
-          <a:lstStyle/>
-          <a:p>
-            <a:fld id="{7B272C57-2FA0-4A9D-99A4-6F756B65018B}" type="datetimeFigureOut">
+        <p:spPr>
+          <a:xfrm>
+            <a:off x="692434" y="6356350"/>
+            <a:ext cx="1174141" cy="365125"/>
+          </a:xfrm>
+          <a:prstGeom prst="rect">
+            <a:avLst/>
+          </a:prstGeom>
+        </p:spPr>
+        <p:txBody>
+          <a:bodyPr/>
+          <a:lstStyle/>
+          <a:p>
+            <a:fld id="{06D10DB8-659B-4958-A792-DE05210DF328}" type="datetime1">
               <a:rPr lang="en-US" smtClean="0"/>
               <a:t>1/11/2021</a:t>
             </a:fld>
@@ -1540,12 +1933,20 @@
             <p:ph type="dt" sz="half" idx="10"/>
           </p:nvPr>
         </p:nvSpPr>
-        <p:spPr/>
-        <p:txBody>
-          <a:bodyPr/>
-          <a:lstStyle/>
-          <a:p>
-            <a:fld id="{7B272C57-2FA0-4A9D-99A4-6F756B65018B}" type="datetimeFigureOut">
+        <p:spPr>
+          <a:xfrm>
+            <a:off x="692434" y="6356350"/>
+            <a:ext cx="1174141" cy="365125"/>
+          </a:xfrm>
+          <a:prstGeom prst="rect">
+            <a:avLst/>
+          </a:prstGeom>
+        </p:spPr>
+        <p:txBody>
+          <a:bodyPr/>
+          <a:lstStyle/>
+          <a:p>
+            <a:fld id="{E7CF5876-4B3B-4A39-B999-95B42A2340FE}" type="datetime1">
               <a:rPr lang="en-US" smtClean="0"/>
               <a:t>1/11/2021</a:t>
             </a:fld>
@@ -1748,12 +2149,20 @@
             <p:ph type="dt" sz="half" idx="10"/>
           </p:nvPr>
         </p:nvSpPr>
-        <p:spPr/>
-        <p:txBody>
-          <a:bodyPr/>
-          <a:lstStyle/>
-          <a:p>
-            <a:fld id="{7B272C57-2FA0-4A9D-99A4-6F756B65018B}" type="datetimeFigureOut">
+        <p:spPr>
+          <a:xfrm>
+            <a:off x="692434" y="6356350"/>
+            <a:ext cx="1174141" cy="365125"/>
+          </a:xfrm>
+          <a:prstGeom prst="rect">
+            <a:avLst/>
+          </a:prstGeom>
+        </p:spPr>
+        <p:txBody>
+          <a:bodyPr/>
+          <a:lstStyle/>
+          <a:p>
+            <a:fld id="{88D61156-842F-4F67-B06A-C4646596C268}" type="datetime1">
               <a:rPr lang="en-US" smtClean="0"/>
               <a:t>1/11/2021</a:t>
             </a:fld>
@@ -1951,12 +2360,20 @@
             <p:ph type="dt" sz="half" idx="10"/>
           </p:nvPr>
         </p:nvSpPr>
-        <p:spPr/>
-        <p:txBody>
-          <a:bodyPr/>
-          <a:lstStyle/>
-          <a:p>
-            <a:fld id="{7B272C57-2FA0-4A9D-99A4-6F756B65018B}" type="datetimeFigureOut">
+        <p:spPr>
+          <a:xfrm>
+            <a:off x="692434" y="6356350"/>
+            <a:ext cx="1174141" cy="365125"/>
+          </a:xfrm>
+          <a:prstGeom prst="rect">
+            <a:avLst/>
+          </a:prstGeom>
+        </p:spPr>
+        <p:txBody>
+          <a:bodyPr/>
+          <a:lstStyle/>
+          <a:p>
+            <a:fld id="{4A448851-F1FF-4B89-82AB-47C2886C2712}" type="datetime1">
               <a:rPr lang="en-US" smtClean="0"/>
               <a:t>1/11/2021</a:t>
             </a:fld>
@@ -2159,12 +2576,20 @@
             <p:ph type="dt" sz="half" idx="10"/>
           </p:nvPr>
         </p:nvSpPr>
-        <p:spPr/>
-        <p:txBody>
-          <a:bodyPr/>
-          <a:lstStyle/>
-          <a:p>
-            <a:fld id="{7B272C57-2FA0-4A9D-99A4-6F756B65018B}" type="datetimeFigureOut">
+        <p:spPr>
+          <a:xfrm>
+            <a:off x="692434" y="6356350"/>
+            <a:ext cx="1174141" cy="365125"/>
+          </a:xfrm>
+          <a:prstGeom prst="rect">
+            <a:avLst/>
+          </a:prstGeom>
+        </p:spPr>
+        <p:txBody>
+          <a:bodyPr/>
+          <a:lstStyle/>
+          <a:p>
+            <a:fld id="{9FC0DEDD-AAD6-481E-BA52-3D7C9DFC702B}" type="datetime1">
               <a:rPr lang="en-US" smtClean="0"/>
               <a:t>1/11/2021</a:t>
             </a:fld>
@@ -2520,12 +2945,20 @@
             <p:ph type="dt" sz="half" idx="10"/>
           </p:nvPr>
         </p:nvSpPr>
-        <p:spPr/>
-        <p:txBody>
-          <a:bodyPr/>
-          <a:lstStyle/>
-          <a:p>
-            <a:fld id="{7B272C57-2FA0-4A9D-99A4-6F756B65018B}" type="datetimeFigureOut">
+        <p:spPr>
+          <a:xfrm>
+            <a:off x="692434" y="6356350"/>
+            <a:ext cx="1174141" cy="365125"/>
+          </a:xfrm>
+          <a:prstGeom prst="rect">
+            <a:avLst/>
+          </a:prstGeom>
+        </p:spPr>
+        <p:txBody>
+          <a:bodyPr/>
+          <a:lstStyle/>
+          <a:p>
+            <a:fld id="{EC5C82F9-F59C-4CE5-9289-1898459AF428}" type="datetime1">
               <a:rPr lang="en-US" smtClean="0"/>
               <a:t>1/11/2021</a:t>
             </a:fld>
@@ -2641,12 +3074,20 @@
             <p:ph type="dt" sz="half" idx="10"/>
           </p:nvPr>
         </p:nvSpPr>
-        <p:spPr/>
-        <p:txBody>
-          <a:bodyPr/>
-          <a:lstStyle/>
-          <a:p>
-            <a:fld id="{7B272C57-2FA0-4A9D-99A4-6F756B65018B}" type="datetimeFigureOut">
+        <p:spPr>
+          <a:xfrm>
+            <a:off x="692434" y="6356350"/>
+            <a:ext cx="1174141" cy="365125"/>
+          </a:xfrm>
+          <a:prstGeom prst="rect">
+            <a:avLst/>
+          </a:prstGeom>
+        </p:spPr>
+        <p:txBody>
+          <a:bodyPr/>
+          <a:lstStyle/>
+          <a:p>
+            <a:fld id="{DA0CDD85-E753-4251-B347-F1BEE1D272E1}" type="datetime1">
               <a:rPr lang="en-US" smtClean="0"/>
               <a:t>1/11/2021</a:t>
             </a:fld>
@@ -2926,12 +3367,20 @@
             <p:ph type="dt" sz="half" idx="10"/>
           </p:nvPr>
         </p:nvSpPr>
-        <p:spPr/>
-        <p:txBody>
-          <a:bodyPr/>
-          <a:lstStyle/>
-          <a:p>
-            <a:fld id="{7B272C57-2FA0-4A9D-99A4-6F756B65018B}" type="datetimeFigureOut">
+        <p:spPr>
+          <a:xfrm>
+            <a:off x="692434" y="6356350"/>
+            <a:ext cx="1174141" cy="365125"/>
+          </a:xfrm>
+          <a:prstGeom prst="rect">
+            <a:avLst/>
+          </a:prstGeom>
+        </p:spPr>
+        <p:txBody>
+          <a:bodyPr/>
+          <a:lstStyle/>
+          <a:p>
+            <a:fld id="{57B4F576-FC99-4961-BD4C-E8B281EB9C39}" type="datetime1">
               <a:rPr lang="en-US" smtClean="0"/>
               <a:t>1/11/2021</a:t>
             </a:fld>
@@ -3300,12 +3749,20 @@
             <p:ph type="dt" sz="half" idx="10"/>
           </p:nvPr>
         </p:nvSpPr>
-        <p:spPr/>
-        <p:txBody>
-          <a:bodyPr/>
-          <a:lstStyle/>
-          <a:p>
-            <a:fld id="{7B272C57-2FA0-4A9D-99A4-6F756B65018B}" type="datetimeFigureOut">
+        <p:spPr>
+          <a:xfrm>
+            <a:off x="692434" y="6356350"/>
+            <a:ext cx="1174141" cy="365125"/>
+          </a:xfrm>
+          <a:prstGeom prst="rect">
+            <a:avLst/>
+          </a:prstGeom>
+        </p:spPr>
+        <p:txBody>
+          <a:bodyPr/>
+          <a:lstStyle/>
+          <a:p>
+            <a:fld id="{F55EAF3D-9CFA-4FC9-AA0C-DF7E220E11CA}" type="datetime1">
               <a:rPr lang="en-US" smtClean="0"/>
               <a:t>1/11/2021</a:t>
             </a:fld>
@@ -3674,12 +4131,20 @@
             <p:ph type="dt" sz="half" idx="10"/>
           </p:nvPr>
         </p:nvSpPr>
-        <p:spPr/>
-        <p:txBody>
-          <a:bodyPr/>
-          <a:lstStyle/>
-          <a:p>
-            <a:fld id="{7B272C57-2FA0-4A9D-99A4-6F756B65018B}" type="datetimeFigureOut">
+        <p:spPr>
+          <a:xfrm>
+            <a:off x="692434" y="6356350"/>
+            <a:ext cx="1174141" cy="365125"/>
+          </a:xfrm>
+          <a:prstGeom prst="rect">
+            <a:avLst/>
+          </a:prstGeom>
+        </p:spPr>
+        <p:txBody>
+          <a:bodyPr/>
+          <a:lstStyle/>
+          <a:p>
+            <a:fld id="{89BFF260-1674-4B54-A3A6-8BD99D2AA53F}" type="datetime1">
               <a:rPr lang="en-US" smtClean="0"/>
               <a:t>1/11/2021</a:t>
             </a:fld>
@@ -4430,12 +4895,20 @@
             <p:ph type="dt" sz="half" idx="10"/>
           </p:nvPr>
         </p:nvSpPr>
-        <p:spPr/>
-        <p:txBody>
-          <a:bodyPr/>
-          <a:lstStyle/>
-          <a:p>
-            <a:fld id="{7B272C57-2FA0-4A9D-99A4-6F756B65018B}" type="datetimeFigureOut">
+        <p:spPr>
+          <a:xfrm>
+            <a:off x="692434" y="6356350"/>
+            <a:ext cx="1174141" cy="365125"/>
+          </a:xfrm>
+          <a:prstGeom prst="rect">
+            <a:avLst/>
+          </a:prstGeom>
+        </p:spPr>
+        <p:txBody>
+          <a:bodyPr/>
+          <a:lstStyle/>
+          <a:p>
+            <a:fld id="{50B48069-9BF5-4AAA-976B-ABC4BE64C868}" type="datetime1">
               <a:rPr lang="en-US" smtClean="0"/>
               <a:t>1/11/2021</a:t>
             </a:fld>
@@ -4682,7 +5155,7 @@
             </a:lvl1pPr>
           </a:lstStyle>
           <a:p>
-            <a:fld id="{7B272C57-2FA0-4A9D-99A4-6F756B65018B}" type="datetimeFigureOut">
+            <a:fld id="{D937D606-FB15-40D5-BE50-B99102433FE5}" type="datetime1">
               <a:rPr lang="en-US" smtClean="0"/>
               <a:t>1/11/2021</a:t>
             </a:fld>
@@ -4776,7 +5249,7 @@
               <a:rPr lang="en-US" smtClean="0"/>
               <a:t>‹#›</a:t>
             </a:fld>
-            <a:endParaRPr lang="en-US"/>
+            <a:endParaRPr lang="en-US" dirty="0"/>
           </a:p>
         </p:txBody>
       </p:sp>
@@ -4834,6 +5307,7 @@
     <p:sldLayoutId id="2147483658" r:id="rId14"/>
     <p:sldLayoutId id="2147483659" r:id="rId15"/>
   </p:sldLayoutIdLst>
+  <p:hf hdr="0" dt="0"/>
   <p:txStyles>
     <p:titleStyle>
       <a:lvl1pPr algn="l" defTabSz="685800" rtl="0" eaLnBrk="1" latinLnBrk="0" hangingPunct="1">
@@ -4846,7 +5320,7 @@
         <a:buNone/>
         <a:defRPr sz="2400" b="0" i="0" kern="1200" cap="none" baseline="0">
           <a:solidFill>
-            <a:schemeClr val="bg2"/>
+            <a:schemeClr val="bg1"/>
           </a:solidFill>
           <a:latin typeface="Mont light" panose="00000500000000000000" pitchFamily="50" charset="0"/>
           <a:ea typeface="+mj-ea"/>
@@ -5343,7 +5817,7 @@
           <a:p>
             <a:r>
               <a:rPr/>
-              <a:t>script_IQSlidedeck.R | Date: 2021-01-11 16:15:44</a:t>
+              <a:t>script_IQSlidedeck.R | Date: 2021-01-11 16:38:10</a:t>
             </a:r>
           </a:p>
         </p:txBody>
@@ -5679,7 +6153,7 @@
           <a:p>
             <a:r>
               <a:rPr/>
-              <a:t>script_IQSlidedeck.R | Date: 2021-01-11 16:15:45</a:t>
+              <a:t>script_IQSlidedeck.R | Date: 2021-01-11 16:38:12</a:t>
             </a:r>
           </a:p>
         </p:txBody>
@@ -6015,7 +6489,7 @@
           <a:p>
             <a:r>
               <a:rPr/>
-              <a:t>script_IQSlidedeck.R | Date: 2021-01-11 16:15:46</a:t>
+              <a:t>script_IQSlidedeck.R | Date: 2021-01-11 16:38:13</a:t>
             </a:r>
           </a:p>
         </p:txBody>
@@ -6421,7 +6895,7 @@
           <a:p>
             <a:r>
               <a:rPr/>
-              <a:t>IQSlidedeck_IQRobjects.R | Date: 2021-01-11 16:16:11</a:t>
+              <a:t>IQSlidedeck_IQRobjects.R | Date: 2021-01-11 16:38:41</a:t>
             </a:r>
           </a:p>
         </p:txBody>
@@ -6775,7 +7249,7 @@
           <a:p>
             <a:r>
               <a:rPr/>
-              <a:t>IQSlidedeck_IQRobjects.R | Date: 2021-01-11 16:16:11</a:t>
+              <a:t>IQSlidedeck_IQRobjects.R | Date: 2021-01-11 16:38:41</a:t>
             </a:r>
           </a:p>
         </p:txBody>
@@ -7129,7 +7603,7 @@
           <a:p>
             <a:r>
               <a:rPr/>
-              <a:t>IQSlidedeck_IQRobjects.R | Date: 2021-01-11 16:16:12</a:t>
+              <a:t>IQSlidedeck_IQRobjects.R | Date: 2021-01-11 16:38:41</a:t>
             </a:r>
           </a:p>
         </p:txBody>
@@ -7448,7 +7922,7 @@
           <a:p>
             <a:r>
               <a:rPr/>
-              <a:t>IQSlidedeck_IQRobjects.R | Date: 2021-01-11 16:16:13</a:t>
+              <a:t>IQSlidedeck_IQRobjects.R | Date: 2021-01-11 16:38:42</a:t>
             </a:r>
           </a:p>
         </p:txBody>
@@ -7580,7 +8054,7 @@
           <a:p>
             <a:r>
               <a:rPr/>
-              <a:t>IQSlidedeck_IQRobjects.R | Date: 2021-01-11 16:16:14</a:t>
+              <a:t>IQSlidedeck_IQRobjects.R | Date: 2021-01-11 16:38:43</a:t>
             </a:r>
           </a:p>
         </p:txBody>
@@ -7744,7 +8218,7 @@
           <a:p>
             <a:r>
               <a:rPr/>
-              <a:t>script_IQSlidedeck.R | Date: 2021-01-11 16:15:43</a:t>
+              <a:t>script_IQSlidedeck.R | Date: 2021-01-11 16:38:09</a:t>
             </a:r>
           </a:p>
         </p:txBody>
@@ -7961,7 +8435,7 @@
           <a:p>
             <a:r>
               <a:rPr/>
-              <a:t>script_IQSlidedeck.R | Date: 2021-01-11 16:15:43</a:t>
+              <a:t>script_IQSlidedeck.R | Date: 2021-01-11 16:38:10</a:t>
             </a:r>
           </a:p>
         </p:txBody>
@@ -8066,7 +8540,7 @@
           <a:p>
             <a:r>
               <a:rPr/>
-              <a:t>script_IQSlidedeck.R | Date: 2021-01-11 16:15:47</a:t>
+              <a:t>script_IQSlidedeck.R | Date: 2021-01-11 16:38:13</a:t>
             </a:r>
           </a:p>
         </p:txBody>
@@ -8171,7 +8645,7 @@
           <a:p>
             <a:r>
               <a:rPr/>
-              <a:t>script_IQSlidedeck.R | Date: 2021-01-11 16:15:48</a:t>
+              <a:t>script_IQSlidedeck.R | Date: 2021-01-11 16:38:14</a:t>
             </a:r>
           </a:p>
         </p:txBody>
@@ -8276,7 +8750,7 @@
           <a:p>
             <a:r>
               <a:rPr/>
-              <a:t>script_IQSlidedeck.R | Date: 2021-01-11 16:15:54</a:t>
+              <a:t>script_IQSlidedeck.R | Date: 2021-01-11 16:38:21</a:t>
             </a:r>
           </a:p>
         </p:txBody>
@@ -8634,4 +9108,299 @@
     </a:ext>
   </a:extLst>
 </a:theme>
+</file>
+
+<file path=ppt/theme/theme2.xml><?xml version="1.0" encoding="utf-8"?>
+<a:theme xmlns:a="http://schemas.openxmlformats.org/drawingml/2006/main" name="Office Theme">
+  <a:themeElements>
+    <a:clrScheme name="Office">
+      <a:dk1>
+        <a:sysClr val="windowText" lastClr="000000"/>
+      </a:dk1>
+      <a:lt1>
+        <a:sysClr val="window" lastClr="FFFFFF"/>
+      </a:lt1>
+      <a:dk2>
+        <a:srgbClr val="44546A"/>
+      </a:dk2>
+      <a:lt2>
+        <a:srgbClr val="E7E6E6"/>
+      </a:lt2>
+      <a:accent1>
+        <a:srgbClr val="4472C4"/>
+      </a:accent1>
+      <a:accent2>
+        <a:srgbClr val="ED7D31"/>
+      </a:accent2>
+      <a:accent3>
+        <a:srgbClr val="A5A5A5"/>
+      </a:accent3>
+      <a:accent4>
+        <a:srgbClr val="FFC000"/>
+      </a:accent4>
+      <a:accent5>
+        <a:srgbClr val="5B9BD5"/>
+      </a:accent5>
+      <a:accent6>
+        <a:srgbClr val="70AD47"/>
+      </a:accent6>
+      <a:hlink>
+        <a:srgbClr val="0563C1"/>
+      </a:hlink>
+      <a:folHlink>
+        <a:srgbClr val="954F72"/>
+      </a:folHlink>
+    </a:clrScheme>
+    <a:fontScheme name="Office">
+      <a:majorFont>
+        <a:latin typeface="Calibri Light" panose="020F0302020204030204"/>
+        <a:ea typeface=""/>
+        <a:cs typeface=""/>
+        <a:font script="Jpan" typeface="游ゴシック Light"/>
+        <a:font script="Hang" typeface="맑은 고딕"/>
+        <a:font script="Hans" typeface="等线 Light"/>
+        <a:font script="Hant" typeface="新細明體"/>
+        <a:font script="Arab" typeface="Times New Roman"/>
+        <a:font script="Hebr" typeface="Times New Roman"/>
+        <a:font script="Thai" typeface="Angsana New"/>
+        <a:font script="Ethi" typeface="Nyala"/>
+        <a:font script="Beng" typeface="Vrinda"/>
+        <a:font script="Gujr" typeface="Shruti"/>
+        <a:font script="Khmr" typeface="MoolBoran"/>
+        <a:font script="Knda" typeface="Tunga"/>
+        <a:font script="Guru" typeface="Raavi"/>
+        <a:font script="Cans" typeface="Euphemia"/>
+        <a:font script="Cher" typeface="Plantagenet Cherokee"/>
+        <a:font script="Yiii" typeface="Microsoft Yi Baiti"/>
+        <a:font script="Tibt" typeface="Microsoft Himalaya"/>
+        <a:font script="Thaa" typeface="MV Boli"/>
+        <a:font script="Deva" typeface="Mangal"/>
+        <a:font script="Telu" typeface="Gautami"/>
+        <a:font script="Taml" typeface="Latha"/>
+        <a:font script="Syrc" typeface="Estrangelo Edessa"/>
+        <a:font script="Orya" typeface="Kalinga"/>
+        <a:font script="Mlym" typeface="Kartika"/>
+        <a:font script="Laoo" typeface="DokChampa"/>
+        <a:font script="Sinh" typeface="Iskoola Pota"/>
+        <a:font script="Mong" typeface="Mongolian Baiti"/>
+        <a:font script="Viet" typeface="Times New Roman"/>
+        <a:font script="Uigh" typeface="Microsoft Uighur"/>
+        <a:font script="Geor" typeface="Sylfaen"/>
+        <a:font script="Armn" typeface="Arial"/>
+        <a:font script="Bugi" typeface="Leelawadee UI"/>
+        <a:font script="Bopo" typeface="Microsoft JhengHei"/>
+        <a:font script="Java" typeface="Javanese Text"/>
+        <a:font script="Lisu" typeface="Segoe UI"/>
+        <a:font script="Mymr" typeface="Myanmar Text"/>
+        <a:font script="Nkoo" typeface="Ebrima"/>
+        <a:font script="Olck" typeface="Nirmala UI"/>
+        <a:font script="Osma" typeface="Ebrima"/>
+        <a:font script="Phag" typeface="Phagspa"/>
+        <a:font script="Syrn" typeface="Estrangelo Edessa"/>
+        <a:font script="Syrj" typeface="Estrangelo Edessa"/>
+        <a:font script="Syre" typeface="Estrangelo Edessa"/>
+        <a:font script="Sora" typeface="Nirmala UI"/>
+        <a:font script="Tale" typeface="Microsoft Tai Le"/>
+        <a:font script="Talu" typeface="Microsoft New Tai Lue"/>
+        <a:font script="Tfng" typeface="Ebrima"/>
+      </a:majorFont>
+      <a:minorFont>
+        <a:latin typeface="Calibri" panose="020F0502020204030204"/>
+        <a:ea typeface=""/>
+        <a:cs typeface=""/>
+        <a:font script="Jpan" typeface="游ゴシック"/>
+        <a:font script="Hang" typeface="맑은 고딕"/>
+        <a:font script="Hans" typeface="等线"/>
+        <a:font script="Hant" typeface="新細明體"/>
+        <a:font script="Arab" typeface="Arial"/>
+        <a:font script="Hebr" typeface="Arial"/>
+        <a:font script="Thai" typeface="Cordia New"/>
+        <a:font script="Ethi" typeface="Nyala"/>
+        <a:font script="Beng" typeface="Vrinda"/>
+        <a:font script="Gujr" typeface="Shruti"/>
+        <a:font script="Khmr" typeface="DaunPenh"/>
+        <a:font script="Knda" typeface="Tunga"/>
+        <a:font script="Guru" typeface="Raavi"/>
+        <a:font script="Cans" typeface="Euphemia"/>
+        <a:font script="Cher" typeface="Plantagenet Cherokee"/>
+        <a:font script="Yiii" typeface="Microsoft Yi Baiti"/>
+        <a:font script="Tibt" typeface="Microsoft Himalaya"/>
+        <a:font script="Thaa" typeface="MV Boli"/>
+        <a:font script="Deva" typeface="Mangal"/>
+        <a:font script="Telu" typeface="Gautami"/>
+        <a:font script="Taml" typeface="Latha"/>
+        <a:font script="Syrc" typeface="Estrangelo Edessa"/>
+        <a:font script="Orya" typeface="Kalinga"/>
+        <a:font script="Mlym" typeface="Kartika"/>
+        <a:font script="Laoo" typeface="DokChampa"/>
+        <a:font script="Sinh" typeface="Iskoola Pota"/>
+        <a:font script="Mong" typeface="Mongolian Baiti"/>
+        <a:font script="Viet" typeface="Arial"/>
+        <a:font script="Uigh" typeface="Microsoft Uighur"/>
+        <a:font script="Geor" typeface="Sylfaen"/>
+        <a:font script="Armn" typeface="Arial"/>
+        <a:font script="Bugi" typeface="Leelawadee UI"/>
+        <a:font script="Bopo" typeface="Microsoft JhengHei"/>
+        <a:font script="Java" typeface="Javanese Text"/>
+        <a:font script="Lisu" typeface="Segoe UI"/>
+        <a:font script="Mymr" typeface="Myanmar Text"/>
+        <a:font script="Nkoo" typeface="Ebrima"/>
+        <a:font script="Olck" typeface="Nirmala UI"/>
+        <a:font script="Osma" typeface="Ebrima"/>
+        <a:font script="Phag" typeface="Phagspa"/>
+        <a:font script="Syrn" typeface="Estrangelo Edessa"/>
+        <a:font script="Syrj" typeface="Estrangelo Edessa"/>
+        <a:font script="Syre" typeface="Estrangelo Edessa"/>
+        <a:font script="Sora" typeface="Nirmala UI"/>
+        <a:font script="Tale" typeface="Microsoft Tai Le"/>
+        <a:font script="Talu" typeface="Microsoft New Tai Lue"/>
+        <a:font script="Tfng" typeface="Ebrima"/>
+      </a:minorFont>
+    </a:fontScheme>
+    <a:fmtScheme name="Office">
+      <a:fillStyleLst>
+        <a:solidFill>
+          <a:schemeClr val="phClr"/>
+        </a:solidFill>
+        <a:gradFill rotWithShape="1">
+          <a:gsLst>
+            <a:gs pos="0">
+              <a:schemeClr val="phClr">
+                <a:lumMod val="110000"/>
+                <a:satMod val="105000"/>
+                <a:tint val="67000"/>
+              </a:schemeClr>
+            </a:gs>
+            <a:gs pos="50000">
+              <a:schemeClr val="phClr">
+                <a:lumMod val="105000"/>
+                <a:satMod val="103000"/>
+                <a:tint val="73000"/>
+              </a:schemeClr>
+            </a:gs>
+            <a:gs pos="100000">
+              <a:schemeClr val="phClr">
+                <a:lumMod val="105000"/>
+                <a:satMod val="109000"/>
+                <a:tint val="81000"/>
+              </a:schemeClr>
+            </a:gs>
+          </a:gsLst>
+          <a:lin ang="5400000" scaled="0"/>
+        </a:gradFill>
+        <a:gradFill rotWithShape="1">
+          <a:gsLst>
+            <a:gs pos="0">
+              <a:schemeClr val="phClr">
+                <a:satMod val="103000"/>
+                <a:lumMod val="102000"/>
+                <a:tint val="94000"/>
+              </a:schemeClr>
+            </a:gs>
+            <a:gs pos="50000">
+              <a:schemeClr val="phClr">
+                <a:satMod val="110000"/>
+                <a:lumMod val="100000"/>
+                <a:shade val="100000"/>
+              </a:schemeClr>
+            </a:gs>
+            <a:gs pos="100000">
+              <a:schemeClr val="phClr">
+                <a:lumMod val="99000"/>
+                <a:satMod val="120000"/>
+                <a:shade val="78000"/>
+              </a:schemeClr>
+            </a:gs>
+          </a:gsLst>
+          <a:lin ang="5400000" scaled="0"/>
+        </a:gradFill>
+      </a:fillStyleLst>
+      <a:lnStyleLst>
+        <a:ln w="6350" cap="flat" cmpd="sng" algn="ctr">
+          <a:solidFill>
+            <a:schemeClr val="phClr"/>
+          </a:solidFill>
+          <a:prstDash val="solid"/>
+          <a:miter lim="800000"/>
+        </a:ln>
+        <a:ln w="12700" cap="flat" cmpd="sng" algn="ctr">
+          <a:solidFill>
+            <a:schemeClr val="phClr"/>
+          </a:solidFill>
+          <a:prstDash val="solid"/>
+          <a:miter lim="800000"/>
+        </a:ln>
+        <a:ln w="19050" cap="flat" cmpd="sng" algn="ctr">
+          <a:solidFill>
+            <a:schemeClr val="phClr"/>
+          </a:solidFill>
+          <a:prstDash val="solid"/>
+          <a:miter lim="800000"/>
+        </a:ln>
+      </a:lnStyleLst>
+      <a:effectStyleLst>
+        <a:effectStyle>
+          <a:effectLst/>
+        </a:effectStyle>
+        <a:effectStyle>
+          <a:effectLst/>
+        </a:effectStyle>
+        <a:effectStyle>
+          <a:effectLst>
+            <a:outerShdw blurRad="57150" dist="19050" dir="5400000" algn="ctr" rotWithShape="0">
+              <a:srgbClr val="000000">
+                <a:alpha val="63000"/>
+              </a:srgbClr>
+            </a:outerShdw>
+          </a:effectLst>
+        </a:effectStyle>
+      </a:effectStyleLst>
+      <a:bgFillStyleLst>
+        <a:solidFill>
+          <a:schemeClr val="phClr"/>
+        </a:solidFill>
+        <a:solidFill>
+          <a:schemeClr val="phClr">
+            <a:tint val="95000"/>
+            <a:satMod val="170000"/>
+          </a:schemeClr>
+        </a:solidFill>
+        <a:gradFill rotWithShape="1">
+          <a:gsLst>
+            <a:gs pos="0">
+              <a:schemeClr val="phClr">
+                <a:tint val="93000"/>
+                <a:satMod val="150000"/>
+                <a:shade val="98000"/>
+                <a:lumMod val="102000"/>
+              </a:schemeClr>
+            </a:gs>
+            <a:gs pos="50000">
+              <a:schemeClr val="phClr">
+                <a:tint val="98000"/>
+                <a:satMod val="130000"/>
+                <a:shade val="90000"/>
+                <a:lumMod val="103000"/>
+              </a:schemeClr>
+            </a:gs>
+            <a:gs pos="100000">
+              <a:schemeClr val="phClr">
+                <a:shade val="63000"/>
+                <a:satMod val="120000"/>
+              </a:schemeClr>
+            </a:gs>
+          </a:gsLst>
+          <a:lin ang="5400000" scaled="0"/>
+        </a:gradFill>
+      </a:bgFillStyleLst>
+    </a:fmtScheme>
+  </a:themeElements>
+  <a:objectDefaults/>
+  <a:extraClrSchemeLst/>
+  <a:extLst>
+    <a:ext uri="{05A4C25C-085E-4340-85A3-A5531E510DB2}">
+      <thm15:themeFamily xmlns:thm15="http://schemas.microsoft.com/office/thememl/2012/main" name="Office Theme" id="{62F939B6-93AF-4DB8-9C6B-D6C7DFDC589F}" vid="{4A3C46E8-61CC-4603-A589-7422A47A8E4A}"/>
+    </a:ext>
+  </a:extLst>
+</a:theme>
 </file>
--- a/tests/testresults/script_IQSlidedeck_IQobjects_IQ_4_3.pptx
+++ b/tests/testresults/script_IQSlidedeck_IQobjects_IQ_4_3.pptx
@@ -573,8 +573,8 @@
         </p:nvSpPr>
         <p:spPr>
           <a:xfrm>
-            <a:off x="282782" y="1587658"/>
-            <a:ext cx="8727509" cy="1752600"/>
+            <a:off x="282782" y="1044195"/>
+            <a:ext cx="8727509" cy="1129663"/>
           </a:xfrm>
           <a:noFill/>
         </p:spPr>
@@ -618,7 +618,7 @@
         </p:nvSpPr>
         <p:spPr>
           <a:xfrm>
-            <a:off x="282161" y="3498819"/>
+            <a:off x="282161" y="2273875"/>
             <a:ext cx="8727509" cy="644842"/>
           </a:xfrm>
         </p:spPr>
@@ -5337,7 +5337,7 @@
           <a:spcPts val="750"/>
         </a:spcBef>
         <a:buClr>
-          <a:schemeClr val="accent1"/>
+          <a:srgbClr val="0070C0"/>
         </a:buClr>
         <a:buSzPct val="110000"/>
         <a:buFont typeface="Wingdings" panose="05000000000000000000" pitchFamily="2" charset="2"/>
@@ -5359,7 +5359,7 @@
           <a:spcPts val="375"/>
         </a:spcBef>
         <a:buClr>
-          <a:schemeClr val="accent1"/>
+          <a:srgbClr val="0070C0"/>
         </a:buClr>
         <a:buSzPct val="110000"/>
         <a:buFont typeface="Wingdings" panose="05000000000000000000" pitchFamily="2" charset="2"/>
@@ -5381,7 +5381,7 @@
           <a:spcPts val="375"/>
         </a:spcBef>
         <a:buClr>
-          <a:schemeClr val="accent1"/>
+          <a:srgbClr val="0070C0"/>
         </a:buClr>
         <a:buSzPct val="110000"/>
         <a:buFont typeface="Wingdings" panose="05000000000000000000" pitchFamily="2" charset="2"/>
@@ -5403,7 +5403,7 @@
           <a:spcPts val="375"/>
         </a:spcBef>
         <a:buClr>
-          <a:schemeClr val="accent1"/>
+          <a:srgbClr val="0070C0"/>
         </a:buClr>
         <a:buSzPct val="110000"/>
         <a:buFont typeface="Wingdings" panose="05000000000000000000" pitchFamily="2" charset="2"/>
@@ -5425,7 +5425,7 @@
           <a:spcPts val="375"/>
         </a:spcBef>
         <a:buClr>
-          <a:schemeClr val="accent1"/>
+          <a:srgbClr val="0070C0"/>
         </a:buClr>
         <a:buSzPct val="110000"/>
         <a:buFont typeface="Wingdings" panose="05000000000000000000" pitchFamily="2" charset="2"/>
@@ -5640,8 +5640,8 @@
         </p:nvSpPr>
         <p:spPr>
           <a:xfrm>
-            <a:off x="282782" y="1587658"/>
-            <a:ext cx="8727509" cy="1752600"/>
+            <a:off x="282782" y="1044195"/>
+            <a:ext cx="8727509" cy="1129663"/>
           </a:xfrm>
         </p:spPr>
         <p:txBody>
@@ -5667,7 +5667,7 @@
         </p:nvSpPr>
         <p:spPr>
           <a:xfrm>
-            <a:off x="282161" y="3498819"/>
+            <a:off x="282161" y="2273875"/>
             <a:ext cx="8727509" cy="644842"/>
           </a:xfrm>
         </p:spPr>
@@ -5817,7 +5817,7 @@
           <a:p>
             <a:r>
               <a:rPr/>
-              <a:t>script_IQSlidedeck.R | Date: 2021-01-11 16:38:10</a:t>
+              <a:t>script_IQSlidedeck.R | Date: 2021-01-11 17:08:06</a:t>
             </a:r>
           </a:p>
         </p:txBody>
@@ -5902,8 +5902,8 @@
                     <a:alpha val="100000"/>
                   </a:srgbClr>
                 </a:solidFill>
-                <a:latin typeface=""/>
-                <a:cs typeface=""/>
+                <a:latin typeface="Open Sans"/>
+                <a:cs typeface="Open Sans"/>
               </a:rPr>
               <a:t>Bullet point with </a:t>
             </a:r>
@@ -5914,8 +5914,8 @@
                     <a:alpha val="100000"/>
                   </a:srgbClr>
                 </a:solidFill>
-                <a:latin typeface=""/>
-                <a:cs typeface=""/>
+                <a:latin typeface="Open Sans"/>
+                <a:cs typeface="Open Sans"/>
               </a:rPr>
               <a:t>bold</a:t>
             </a:r>
@@ -5926,8 +5926,8 @@
                     <a:alpha val="100000"/>
                   </a:srgbClr>
                 </a:solidFill>
-                <a:latin typeface=""/>
-                <a:cs typeface=""/>
+                <a:latin typeface="Open Sans"/>
+                <a:cs typeface="Open Sans"/>
               </a:rPr>
               <a:t> and </a:t>
             </a:r>
@@ -5938,8 +5938,8 @@
                     <a:alpha val="100000"/>
                   </a:srgbClr>
                 </a:solidFill>
-                <a:latin typeface=""/>
-                <a:cs typeface=""/>
+                <a:latin typeface="Open Sans"/>
+                <a:cs typeface="Open Sans"/>
               </a:rPr>
               <a:t>italic</a:t>
             </a:r>
@@ -5953,8 +5953,8 @@
                     <a:alpha val="100000"/>
                   </a:srgbClr>
                 </a:solidFill>
-                <a:latin typeface=""/>
-                <a:cs typeface=""/>
+                <a:latin typeface="Open Sans"/>
+                <a:cs typeface="Open Sans"/>
               </a:rPr>
               <a:t>Another bullet point</a:t>
             </a:r>
@@ -5968,8 +5968,8 @@
                     <a:alpha val="100000"/>
                   </a:srgbClr>
                 </a:solidFill>
-                <a:latin typeface=""/>
-                <a:cs typeface=""/>
+                <a:latin typeface="Open Sans"/>
+                <a:cs typeface="Open Sans"/>
               </a:rPr>
               <a:t>Indented by two spaces</a:t>
             </a:r>
@@ -5983,8 +5983,8 @@
                     <a:alpha val="100000"/>
                   </a:srgbClr>
                 </a:solidFill>
-                <a:latin typeface=""/>
-                <a:cs typeface=""/>
+                <a:latin typeface="Open Sans"/>
+                <a:cs typeface="Open Sans"/>
               </a:rPr>
               <a:t>Another one</a:t>
             </a:r>
@@ -5998,8 +5998,8 @@
                     <a:alpha val="100000"/>
                   </a:srgbClr>
                 </a:solidFill>
-                <a:latin typeface=""/>
-                <a:cs typeface=""/>
+                <a:latin typeface="Open Sans"/>
+                <a:cs typeface="Open Sans"/>
               </a:rPr>
               <a:t>And back to </a:t>
             </a:r>
@@ -6010,8 +6010,8 @@
                     <a:alpha val="100000"/>
                   </a:srgbClr>
                 </a:solidFill>
-                <a:latin typeface=""/>
-                <a:cs typeface=""/>
+                <a:latin typeface="Open Sans"/>
+                <a:cs typeface="Open Sans"/>
               </a:rPr>
               <a:t>really</a:t>
             </a:r>
@@ -6022,8 +6022,8 @@
                     <a:alpha val="100000"/>
                   </a:srgbClr>
                 </a:solidFill>
-                <a:latin typeface=""/>
-                <a:cs typeface=""/>
+                <a:latin typeface="Open Sans"/>
+                <a:cs typeface="Open Sans"/>
               </a:rPr>
               <a:t> outer</a:t>
             </a:r>
@@ -6034,8 +6034,8 @@
                     <a:alpha val="100000"/>
                   </a:srgbClr>
                 </a:solidFill>
-                <a:latin typeface=""/>
-                <a:cs typeface=""/>
+                <a:latin typeface="Open Sans"/>
+                <a:cs typeface="Open Sans"/>
               </a:rPr>
               <a:t> level</a:t>
             </a:r>
@@ -6049,8 +6049,8 @@
                     <a:alpha val="100000"/>
                   </a:srgbClr>
                 </a:solidFill>
-                <a:latin typeface=""/>
-                <a:cs typeface=""/>
+                <a:latin typeface="Open Sans"/>
+                <a:cs typeface="Open Sans"/>
               </a:rPr>
               <a:t>Some sort of formula </a:t>
             </a:r>
@@ -6153,7 +6153,7 @@
           <a:p>
             <a:r>
               <a:rPr/>
-              <a:t>script_IQSlidedeck.R | Date: 2021-01-11 16:38:12</a:t>
+              <a:t>script_IQSlidedeck.R | Date: 2021-01-11 17:08:07</a:t>
             </a:r>
           </a:p>
         </p:txBody>
@@ -6264,8 +6264,8 @@
                     <a:alpha val="100000"/>
                   </a:srgbClr>
                 </a:solidFill>
-                <a:latin typeface=""/>
-                <a:cs typeface=""/>
+                <a:latin typeface="Open Sans"/>
+                <a:cs typeface="Open Sans"/>
               </a:rPr>
               <a:t>Bullet point with </a:t>
             </a:r>
@@ -6276,8 +6276,8 @@
                     <a:alpha val="100000"/>
                   </a:srgbClr>
                 </a:solidFill>
-                <a:latin typeface=""/>
-                <a:cs typeface=""/>
+                <a:latin typeface="Open Sans"/>
+                <a:cs typeface="Open Sans"/>
               </a:rPr>
               <a:t>bold</a:t>
             </a:r>
@@ -6288,8 +6288,8 @@
                     <a:alpha val="100000"/>
                   </a:srgbClr>
                 </a:solidFill>
-                <a:latin typeface=""/>
-                <a:cs typeface=""/>
+                <a:latin typeface="Open Sans"/>
+                <a:cs typeface="Open Sans"/>
               </a:rPr>
               <a:t> and </a:t>
             </a:r>
@@ -6300,8 +6300,8 @@
                     <a:alpha val="100000"/>
                   </a:srgbClr>
                 </a:solidFill>
-                <a:latin typeface=""/>
-                <a:cs typeface=""/>
+                <a:latin typeface="Open Sans"/>
+                <a:cs typeface="Open Sans"/>
               </a:rPr>
               <a:t>italic</a:t>
             </a:r>
@@ -6315,8 +6315,8 @@
                     <a:alpha val="100000"/>
                   </a:srgbClr>
                 </a:solidFill>
-                <a:latin typeface=""/>
-                <a:cs typeface=""/>
+                <a:latin typeface="Open Sans"/>
+                <a:cs typeface="Open Sans"/>
               </a:rPr>
               <a:t>Another bullet point</a:t>
             </a:r>
@@ -6330,8 +6330,8 @@
                     <a:alpha val="100000"/>
                   </a:srgbClr>
                 </a:solidFill>
-                <a:latin typeface=""/>
-                <a:cs typeface=""/>
+                <a:latin typeface="Open Sans"/>
+                <a:cs typeface="Open Sans"/>
               </a:rPr>
               <a:t>Indented by two spaces</a:t>
             </a:r>
@@ -6345,8 +6345,8 @@
                     <a:alpha val="100000"/>
                   </a:srgbClr>
                 </a:solidFill>
-                <a:latin typeface=""/>
-                <a:cs typeface=""/>
+                <a:latin typeface="Open Sans"/>
+                <a:cs typeface="Open Sans"/>
               </a:rPr>
               <a:t>Another one</a:t>
             </a:r>
@@ -6360,8 +6360,8 @@
                     <a:alpha val="100000"/>
                   </a:srgbClr>
                 </a:solidFill>
-                <a:latin typeface=""/>
-                <a:cs typeface=""/>
+                <a:latin typeface="Open Sans"/>
+                <a:cs typeface="Open Sans"/>
               </a:rPr>
               <a:t>And back to </a:t>
             </a:r>
@@ -6372,8 +6372,8 @@
                     <a:alpha val="100000"/>
                   </a:srgbClr>
                 </a:solidFill>
-                <a:latin typeface=""/>
-                <a:cs typeface=""/>
+                <a:latin typeface="Open Sans"/>
+                <a:cs typeface="Open Sans"/>
               </a:rPr>
               <a:t>really</a:t>
             </a:r>
@@ -6384,8 +6384,8 @@
                     <a:alpha val="100000"/>
                   </a:srgbClr>
                 </a:solidFill>
-                <a:latin typeface=""/>
-                <a:cs typeface=""/>
+                <a:latin typeface="Open Sans"/>
+                <a:cs typeface="Open Sans"/>
               </a:rPr>
               <a:t> outer</a:t>
             </a:r>
@@ -6396,8 +6396,8 @@
                     <a:alpha val="100000"/>
                   </a:srgbClr>
                 </a:solidFill>
-                <a:latin typeface=""/>
-                <a:cs typeface=""/>
+                <a:latin typeface="Open Sans"/>
+                <a:cs typeface="Open Sans"/>
               </a:rPr>
               <a:t> level</a:t>
             </a:r>
@@ -6411,8 +6411,8 @@
                     <a:alpha val="100000"/>
                   </a:srgbClr>
                 </a:solidFill>
-                <a:latin typeface=""/>
-                <a:cs typeface=""/>
+                <a:latin typeface="Open Sans"/>
+                <a:cs typeface="Open Sans"/>
               </a:rPr>
               <a:t>Some sort of formula </a:t>
             </a:r>
@@ -6489,7 +6489,7 @@
           <a:p>
             <a:r>
               <a:rPr/>
-              <a:t>script_IQSlidedeck.R | Date: 2021-01-11 16:38:13</a:t>
+              <a:t>script_IQSlidedeck.R | Date: 2021-01-11 17:08:08</a:t>
             </a:r>
           </a:p>
         </p:txBody>
@@ -6626,8 +6626,8 @@
                     <a:alpha val="100000"/>
                   </a:srgbClr>
                 </a:solidFill>
-                <a:latin typeface=""/>
-                <a:cs typeface=""/>
+                <a:latin typeface="Open Sans"/>
+                <a:cs typeface="Open Sans"/>
               </a:rPr>
               <a:t>A list of ggplot objects was created</a:t>
             </a:r>
@@ -6641,8 +6641,8 @@
                     <a:alpha val="100000"/>
                   </a:srgbClr>
                 </a:solidFill>
-                <a:latin typeface=""/>
-                <a:cs typeface=""/>
+                <a:latin typeface="Open Sans"/>
+                <a:cs typeface="Open Sans"/>
               </a:rPr>
               <a:t>Called </a:t>
             </a:r>
@@ -6665,8 +6665,8 @@
                     <a:alpha val="100000"/>
                   </a:srgbClr>
                 </a:solidFill>
-                <a:latin typeface=""/>
-                <a:cs typeface=""/>
+                <a:latin typeface="Open Sans"/>
+                <a:cs typeface="Open Sans"/>
               </a:rPr>
               <a:t> with arguments </a:t>
             </a:r>
@@ -6689,8 +6689,8 @@
                     <a:alpha val="100000"/>
                   </a:srgbClr>
                 </a:solidFill>
-                <a:latin typeface=""/>
-                <a:cs typeface=""/>
+                <a:latin typeface="Open Sans"/>
+                <a:cs typeface="Open Sans"/>
               </a:rPr>
               <a:t>, </a:t>
             </a:r>
@@ -6713,8 +6713,8 @@
                     <a:alpha val="100000"/>
                   </a:srgbClr>
                 </a:solidFill>
-                <a:latin typeface=""/>
-                <a:cs typeface=""/>
+                <a:latin typeface="Open Sans"/>
+                <a:cs typeface="Open Sans"/>
               </a:rPr>
               <a:t>, </a:t>
             </a:r>
@@ -6737,8 +6737,8 @@
                     <a:alpha val="100000"/>
                   </a:srgbClr>
                 </a:solidFill>
-                <a:latin typeface=""/>
-                <a:cs typeface=""/>
+                <a:latin typeface="Open Sans"/>
+                <a:cs typeface="Open Sans"/>
               </a:rPr>
               <a:t> and </a:t>
             </a:r>
@@ -6764,8 +6764,8 @@
                     <a:alpha val="100000"/>
                   </a:srgbClr>
                 </a:solidFill>
-                <a:latin typeface=""/>
-                <a:cs typeface=""/>
+                <a:latin typeface="Open Sans"/>
+                <a:cs typeface="Open Sans"/>
               </a:rPr>
               <a:t>Called </a:t>
             </a:r>
@@ -6788,8 +6788,8 @@
                     <a:alpha val="100000"/>
                   </a:srgbClr>
                 </a:solidFill>
-                <a:latin typeface=""/>
-                <a:cs typeface=""/>
+                <a:latin typeface="Open Sans"/>
+                <a:cs typeface="Open Sans"/>
               </a:rPr>
               <a:t> with bullet point list and </a:t>
             </a:r>
@@ -6812,8 +6812,8 @@
                     <a:alpha val="100000"/>
                   </a:srgbClr>
                 </a:solidFill>
-                <a:latin typeface=""/>
-                <a:cs typeface=""/>
+                <a:latin typeface="Open Sans"/>
+                <a:cs typeface="Open Sans"/>
               </a:rPr>
               <a:t> object.</a:t>
             </a:r>
@@ -6895,7 +6895,7 @@
           <a:p>
             <a:r>
               <a:rPr/>
-              <a:t>IQSlidedeck_IQRobjects.R | Date: 2021-01-11 16:38:41</a:t>
+              <a:t>IQSlidedeck_IQRobjects.R | Date: 2021-01-11 17:08:37</a:t>
             </a:r>
           </a:p>
         </p:txBody>
@@ -6980,8 +6980,8 @@
                     <a:alpha val="100000"/>
                   </a:srgbClr>
                 </a:solidFill>
-                <a:latin typeface=""/>
-                <a:cs typeface=""/>
+                <a:latin typeface="Open Sans"/>
+                <a:cs typeface="Open Sans"/>
               </a:rPr>
               <a:t>A list of ggplot objects was created</a:t>
             </a:r>
@@ -6995,8 +6995,8 @@
                     <a:alpha val="100000"/>
                   </a:srgbClr>
                 </a:solidFill>
-                <a:latin typeface=""/>
-                <a:cs typeface=""/>
+                <a:latin typeface="Open Sans"/>
+                <a:cs typeface="Open Sans"/>
               </a:rPr>
               <a:t>Called </a:t>
             </a:r>
@@ -7019,8 +7019,8 @@
                     <a:alpha val="100000"/>
                   </a:srgbClr>
                 </a:solidFill>
-                <a:latin typeface=""/>
-                <a:cs typeface=""/>
+                <a:latin typeface="Open Sans"/>
+                <a:cs typeface="Open Sans"/>
               </a:rPr>
               <a:t> with arguments </a:t>
             </a:r>
@@ -7043,8 +7043,8 @@
                     <a:alpha val="100000"/>
                   </a:srgbClr>
                 </a:solidFill>
-                <a:latin typeface=""/>
-                <a:cs typeface=""/>
+                <a:latin typeface="Open Sans"/>
+                <a:cs typeface="Open Sans"/>
               </a:rPr>
               <a:t>, </a:t>
             </a:r>
@@ -7067,8 +7067,8 @@
                     <a:alpha val="100000"/>
                   </a:srgbClr>
                 </a:solidFill>
-                <a:latin typeface=""/>
-                <a:cs typeface=""/>
+                <a:latin typeface="Open Sans"/>
+                <a:cs typeface="Open Sans"/>
               </a:rPr>
               <a:t>, </a:t>
             </a:r>
@@ -7091,8 +7091,8 @@
                     <a:alpha val="100000"/>
                   </a:srgbClr>
                 </a:solidFill>
-                <a:latin typeface=""/>
-                <a:cs typeface=""/>
+                <a:latin typeface="Open Sans"/>
+                <a:cs typeface="Open Sans"/>
               </a:rPr>
               <a:t> and </a:t>
             </a:r>
@@ -7118,8 +7118,8 @@
                     <a:alpha val="100000"/>
                   </a:srgbClr>
                 </a:solidFill>
-                <a:latin typeface=""/>
-                <a:cs typeface=""/>
+                <a:latin typeface="Open Sans"/>
+                <a:cs typeface="Open Sans"/>
               </a:rPr>
               <a:t>Called </a:t>
             </a:r>
@@ -7142,8 +7142,8 @@
                     <a:alpha val="100000"/>
                   </a:srgbClr>
                 </a:solidFill>
-                <a:latin typeface=""/>
-                <a:cs typeface=""/>
+                <a:latin typeface="Open Sans"/>
+                <a:cs typeface="Open Sans"/>
               </a:rPr>
               <a:t> with bullet point list and </a:t>
             </a:r>
@@ -7166,8 +7166,8 @@
                     <a:alpha val="100000"/>
                   </a:srgbClr>
                 </a:solidFill>
-                <a:latin typeface=""/>
-                <a:cs typeface=""/>
+                <a:latin typeface="Open Sans"/>
+                <a:cs typeface="Open Sans"/>
               </a:rPr>
               <a:t> object.</a:t>
             </a:r>
@@ -7249,7 +7249,7 @@
           <a:p>
             <a:r>
               <a:rPr/>
-              <a:t>IQSlidedeck_IQRobjects.R | Date: 2021-01-11 16:38:41</a:t>
+              <a:t>IQSlidedeck_IQRobjects.R | Date: 2021-01-11 17:08:37</a:t>
             </a:r>
           </a:p>
         </p:txBody>
@@ -7334,8 +7334,8 @@
                     <a:alpha val="100000"/>
                   </a:srgbClr>
                 </a:solidFill>
-                <a:latin typeface=""/>
-                <a:cs typeface=""/>
+                <a:latin typeface="Open Sans"/>
+                <a:cs typeface="Open Sans"/>
               </a:rPr>
               <a:t>A list of ggplot objects was created</a:t>
             </a:r>
@@ -7349,8 +7349,8 @@
                     <a:alpha val="100000"/>
                   </a:srgbClr>
                 </a:solidFill>
-                <a:latin typeface=""/>
-                <a:cs typeface=""/>
+                <a:latin typeface="Open Sans"/>
+                <a:cs typeface="Open Sans"/>
               </a:rPr>
               <a:t>Called </a:t>
             </a:r>
@@ -7373,8 +7373,8 @@
                     <a:alpha val="100000"/>
                   </a:srgbClr>
                 </a:solidFill>
-                <a:latin typeface=""/>
-                <a:cs typeface=""/>
+                <a:latin typeface="Open Sans"/>
+                <a:cs typeface="Open Sans"/>
               </a:rPr>
               <a:t> with arguments </a:t>
             </a:r>
@@ -7397,8 +7397,8 @@
                     <a:alpha val="100000"/>
                   </a:srgbClr>
                 </a:solidFill>
-                <a:latin typeface=""/>
-                <a:cs typeface=""/>
+                <a:latin typeface="Open Sans"/>
+                <a:cs typeface="Open Sans"/>
               </a:rPr>
               <a:t>, </a:t>
             </a:r>
@@ -7421,8 +7421,8 @@
                     <a:alpha val="100000"/>
                   </a:srgbClr>
                 </a:solidFill>
-                <a:latin typeface=""/>
-                <a:cs typeface=""/>
+                <a:latin typeface="Open Sans"/>
+                <a:cs typeface="Open Sans"/>
               </a:rPr>
               <a:t>, </a:t>
             </a:r>
@@ -7445,8 +7445,8 @@
                     <a:alpha val="100000"/>
                   </a:srgbClr>
                 </a:solidFill>
-                <a:latin typeface=""/>
-                <a:cs typeface=""/>
+                <a:latin typeface="Open Sans"/>
+                <a:cs typeface="Open Sans"/>
               </a:rPr>
               <a:t> and </a:t>
             </a:r>
@@ -7472,8 +7472,8 @@
                     <a:alpha val="100000"/>
                   </a:srgbClr>
                 </a:solidFill>
-                <a:latin typeface=""/>
-                <a:cs typeface=""/>
+                <a:latin typeface="Open Sans"/>
+                <a:cs typeface="Open Sans"/>
               </a:rPr>
               <a:t>Called </a:t>
             </a:r>
@@ -7496,8 +7496,8 @@
                     <a:alpha val="100000"/>
                   </a:srgbClr>
                 </a:solidFill>
-                <a:latin typeface=""/>
-                <a:cs typeface=""/>
+                <a:latin typeface="Open Sans"/>
+                <a:cs typeface="Open Sans"/>
               </a:rPr>
               <a:t> with bullet point list and </a:t>
             </a:r>
@@ -7520,8 +7520,8 @@
                     <a:alpha val="100000"/>
                   </a:srgbClr>
                 </a:solidFill>
-                <a:latin typeface=""/>
-                <a:cs typeface=""/>
+                <a:latin typeface="Open Sans"/>
+                <a:cs typeface="Open Sans"/>
               </a:rPr>
               <a:t> object.</a:t>
             </a:r>
@@ -7603,7 +7603,7 @@
           <a:p>
             <a:r>
               <a:rPr/>
-              <a:t>IQSlidedeck_IQRobjects.R | Date: 2021-01-11 16:38:41</a:t>
+              <a:t>IQSlidedeck_IQRobjects.R | Date: 2021-01-11 17:08:37</a:t>
             </a:r>
           </a:p>
         </p:txBody>
@@ -7688,8 +7688,8 @@
                     <a:alpha val="100000"/>
                   </a:srgbClr>
                 </a:solidFill>
-                <a:latin typeface=""/>
-                <a:cs typeface=""/>
+                <a:latin typeface="Open Sans"/>
+                <a:cs typeface="Open Sans"/>
               </a:rPr>
               <a:t>Used well known standard data set </a:t>
             </a:r>
@@ -7715,8 +7715,8 @@
                     <a:alpha val="100000"/>
                   </a:srgbClr>
                 </a:solidFill>
-                <a:latin typeface=""/>
-                <a:cs typeface=""/>
+                <a:latin typeface="Open Sans"/>
+                <a:cs typeface="Open Sans"/>
               </a:rPr>
               <a:t>Applied </a:t>
             </a:r>
@@ -7739,8 +7739,8 @@
                     <a:alpha val="100000"/>
                   </a:srgbClr>
                 </a:solidFill>
-                <a:latin typeface=""/>
-                <a:cs typeface=""/>
+                <a:latin typeface="Open Sans"/>
+                <a:cs typeface="Open Sans"/>
               </a:rPr>
               <a:t> with arguments </a:t>
             </a:r>
@@ -7763,8 +7763,8 @@
                     <a:alpha val="100000"/>
                   </a:srgbClr>
                 </a:solidFill>
-                <a:latin typeface=""/>
-                <a:cs typeface=""/>
+                <a:latin typeface="Open Sans"/>
+                <a:cs typeface="Open Sans"/>
               </a:rPr>
               <a:t> and </a:t>
             </a:r>
@@ -7790,8 +7790,8 @@
                     <a:alpha val="100000"/>
                   </a:srgbClr>
                 </a:solidFill>
-                <a:latin typeface=""/>
-                <a:cs typeface=""/>
+                <a:latin typeface="Open Sans"/>
+                <a:cs typeface="Open Sans"/>
               </a:rPr>
               <a:t>Called </a:t>
             </a:r>
@@ -7814,8 +7814,8 @@
                     <a:alpha val="100000"/>
                   </a:srgbClr>
                 </a:solidFill>
-                <a:latin typeface=""/>
-                <a:cs typeface=""/>
+                <a:latin typeface="Open Sans"/>
+                <a:cs typeface="Open Sans"/>
               </a:rPr>
               <a:t> with bullet point list and </a:t>
             </a:r>
@@ -7838,8 +7838,8 @@
                     <a:alpha val="100000"/>
                   </a:srgbClr>
                 </a:solidFill>
-                <a:latin typeface=""/>
-                <a:cs typeface=""/>
+                <a:latin typeface="Open Sans"/>
+                <a:cs typeface="Open Sans"/>
               </a:rPr>
               <a:t> object</a:t>
             </a:r>
@@ -7922,7 +7922,7 @@
           <a:p>
             <a:r>
               <a:rPr/>
-              <a:t>IQSlidedeck_IQRobjects.R | Date: 2021-01-11 16:38:42</a:t>
+              <a:t>IQSlidedeck_IQRobjects.R | Date: 2021-01-11 17:08:38</a:t>
             </a:r>
           </a:p>
         </p:txBody>
@@ -8054,7 +8054,7 @@
           <a:p>
             <a:r>
               <a:rPr/>
-              <a:t>IQSlidedeck_IQRobjects.R | Date: 2021-01-11 16:38:43</a:t>
+              <a:t>IQSlidedeck_IQRobjects.R | Date: 2021-01-11 17:08:39</a:t>
             </a:r>
           </a:p>
         </p:txBody>
@@ -8218,7 +8218,7 @@
           <a:p>
             <a:r>
               <a:rPr/>
-              <a:t>script_IQSlidedeck.R | Date: 2021-01-11 16:38:09</a:t>
+              <a:t>script_IQSlidedeck.R | Date: 2021-01-11 17:08:05</a:t>
             </a:r>
           </a:p>
         </p:txBody>
@@ -8435,7 +8435,7 @@
           <a:p>
             <a:r>
               <a:rPr/>
-              <a:t>script_IQSlidedeck.R | Date: 2021-01-11 16:38:10</a:t>
+              <a:t>script_IQSlidedeck.R | Date: 2021-01-11 17:08:05</a:t>
             </a:r>
           </a:p>
         </p:txBody>
@@ -8540,7 +8540,7 @@
           <a:p>
             <a:r>
               <a:rPr/>
-              <a:t>script_IQSlidedeck.R | Date: 2021-01-11 16:38:13</a:t>
+              <a:t>script_IQSlidedeck.R | Date: 2021-01-11 17:08:09</a:t>
             </a:r>
           </a:p>
         </p:txBody>
@@ -8645,7 +8645,7 @@
           <a:p>
             <a:r>
               <a:rPr/>
-              <a:t>script_IQSlidedeck.R | Date: 2021-01-11 16:38:14</a:t>
+              <a:t>script_IQSlidedeck.R | Date: 2021-01-11 17:08:10</a:t>
             </a:r>
           </a:p>
         </p:txBody>
@@ -8750,7 +8750,7 @@
           <a:p>
             <a:r>
               <a:rPr/>
-              <a:t>script_IQSlidedeck.R | Date: 2021-01-11 16:38:21</a:t>
+              <a:t>script_IQSlidedeck.R | Date: 2021-01-11 17:08:16</a:t>
             </a:r>
           </a:p>
         </p:txBody>

--- a/tests/testresults/script_IQSlidedeck_IQobjects_IQ_4_3.pptx
+++ b/tests/testresults/script_IQSlidedeck_IQobjects_IQ_4_3.pptx
@@ -915,3182 +915,6 @@
 </file>
 
 <file path=ppt/slideLayouts/slideLayout10.xml><?xml version="1.0" encoding="utf-8"?>
-<p:sldLayout xmlns:a="http://schemas.openxmlformats.org/drawingml/2006/main" xmlns:r="http://schemas.openxmlformats.org/officeDocument/2006/relationships" xmlns:p="http://schemas.openxmlformats.org/presentationml/2006/main" type="titleOnly" preserve="1">
-  <p:cSld name="Title Only">
-    <p:spTree>
-      <p:nvGrpSpPr>
-        <p:cNvPr id="1" name=""/>
-        <p:cNvGrpSpPr/>
-        <p:nvPr/>
-      </p:nvGrpSpPr>
-      <p:grpSpPr>
-        <a:xfrm>
-          <a:off x="0" y="0"/>
-          <a:ext cx="0" cy="0"/>
-          <a:chOff x="0" y="0"/>
-          <a:chExt cx="0" cy="0"/>
-        </a:xfrm>
-      </p:grpSpPr>
-      <p:sp>
-        <p:nvSpPr>
-          <p:cNvPr id="2" name="Title 1">
-            <a:extLst>
-              <a:ext uri="{FF2B5EF4-FFF2-40B4-BE49-F238E27FC236}">
-                <a16:creationId xmlns:a16="http://schemas.microsoft.com/office/drawing/2014/main" id="{848FB276-42C6-48C4-A2D0-A097A7FD213F}"/>
-              </a:ext>
-            </a:extLst>
-          </p:cNvPr>
-          <p:cNvSpPr>
-            <a:spLocks noGrp="1"/>
-          </p:cNvSpPr>
-          <p:nvPr>
-            <p:ph type="title"/>
-          </p:nvPr>
-        </p:nvSpPr>
-        <p:spPr>
-          <a:xfrm>
-            <a:off x="0" y="2212522"/>
-            <a:ext cx="6435247" cy="1506735"/>
-          </a:xfrm>
-          <a:solidFill>
-            <a:srgbClr val="0070C0"/>
-          </a:solidFill>
-        </p:spPr>
-        <p:txBody>
-          <a:bodyPr lIns="457200" rIns="91440"/>
-          <a:lstStyle>
-            <a:lvl1pPr>
-              <a:defRPr>
-                <a:solidFill>
-                  <a:schemeClr val="bg1"/>
-                </a:solidFill>
-              </a:defRPr>
-            </a:lvl1pPr>
-          </a:lstStyle>
-          <a:p>
-            <a:r>
-              <a:rPr lang="en-US" dirty="0"/>
-              <a:t>Click to edit Master title style</a:t>
-            </a:r>
-          </a:p>
-        </p:txBody>
-      </p:sp>
-      <p:sp>
-        <p:nvSpPr>
-          <p:cNvPr id="3" name="Date Placeholder 2">
-            <a:extLst>
-              <a:ext uri="{FF2B5EF4-FFF2-40B4-BE49-F238E27FC236}">
-                <a16:creationId xmlns:a16="http://schemas.microsoft.com/office/drawing/2014/main" id="{66B95676-139F-437C-84CA-5CF7DDD4E723}"/>
-              </a:ext>
-            </a:extLst>
-          </p:cNvPr>
-          <p:cNvSpPr>
-            <a:spLocks noGrp="1"/>
-          </p:cNvSpPr>
-          <p:nvPr>
-            <p:ph type="dt" sz="half" idx="10"/>
-          </p:nvPr>
-        </p:nvSpPr>
-        <p:spPr>
-          <a:xfrm>
-            <a:off x="692434" y="6356350"/>
-            <a:ext cx="1174141" cy="365125"/>
-          </a:xfrm>
-          <a:prstGeom prst="rect">
-            <a:avLst/>
-          </a:prstGeom>
-        </p:spPr>
-        <p:txBody>
-          <a:bodyPr/>
-          <a:lstStyle/>
-          <a:p>
-            <a:fld id="{FE4BCB95-AB5B-4A5C-9110-200EF78E4778}" type="datetime1">
-              <a:rPr lang="en-US" smtClean="0"/>
-              <a:t>1/11/2021</a:t>
-            </a:fld>
-            <a:endParaRPr lang="en-US"/>
-          </a:p>
-        </p:txBody>
-      </p:sp>
-      <p:sp>
-        <p:nvSpPr>
-          <p:cNvPr id="4" name="Footer Placeholder 3">
-            <a:extLst>
-              <a:ext uri="{FF2B5EF4-FFF2-40B4-BE49-F238E27FC236}">
-                <a16:creationId xmlns:a16="http://schemas.microsoft.com/office/drawing/2014/main" id="{049420A2-E1DF-4D49-99F2-D3EB982FF739}"/>
-              </a:ext>
-            </a:extLst>
-          </p:cNvPr>
-          <p:cNvSpPr>
-            <a:spLocks noGrp="1"/>
-          </p:cNvSpPr>
-          <p:nvPr>
-            <p:ph type="ftr" sz="quarter" idx="11"/>
-          </p:nvPr>
-        </p:nvSpPr>
-        <p:spPr/>
-        <p:txBody>
-          <a:bodyPr/>
-          <a:lstStyle/>
-          <a:p>
-            <a:endParaRPr lang="en-US"/>
-          </a:p>
-        </p:txBody>
-      </p:sp>
-      <p:sp>
-        <p:nvSpPr>
-          <p:cNvPr id="5" name="Slide Number Placeholder 4">
-            <a:extLst>
-              <a:ext uri="{FF2B5EF4-FFF2-40B4-BE49-F238E27FC236}">
-                <a16:creationId xmlns:a16="http://schemas.microsoft.com/office/drawing/2014/main" id="{25D7E900-54AE-43E4-BB83-C5789362427E}"/>
-              </a:ext>
-            </a:extLst>
-          </p:cNvPr>
-          <p:cNvSpPr>
-            <a:spLocks noGrp="1"/>
-          </p:cNvSpPr>
-          <p:nvPr>
-            <p:ph type="sldNum" sz="quarter" idx="12"/>
-          </p:nvPr>
-        </p:nvSpPr>
-        <p:spPr/>
-        <p:txBody>
-          <a:bodyPr/>
-          <a:lstStyle/>
-          <a:p>
-            <a:fld id="{C064A79B-B315-413E-88BB-EFE0B5D603D0}" type="slidenum">
-              <a:rPr lang="en-US" smtClean="0"/>
-              <a:t>‹#›</a:t>
-            </a:fld>
-            <a:endParaRPr lang="en-US"/>
-          </a:p>
-        </p:txBody>
-      </p:sp>
-    </p:spTree>
-    <p:extLst>
-      <p:ext uri="{BB962C8B-B14F-4D97-AF65-F5344CB8AC3E}">
-        <p14:creationId xmlns:p14="http://schemas.microsoft.com/office/powerpoint/2010/main" val="613510077"/>
-      </p:ext>
-    </p:extLst>
-  </p:cSld>
-  <p:clrMapOvr>
-    <a:masterClrMapping/>
-  </p:clrMapOvr>
-</p:sldLayout>
-</file>
-
-<file path=ppt/slideLayouts/slideLayout11.xml><?xml version="1.0" encoding="utf-8"?>
-<p:sldLayout xmlns:a="http://schemas.openxmlformats.org/drawingml/2006/main" xmlns:r="http://schemas.openxmlformats.org/officeDocument/2006/relationships" xmlns:p="http://schemas.openxmlformats.org/presentationml/2006/main" type="blank" preserve="1">
-  <p:cSld name="Blank">
-    <p:spTree>
-      <p:nvGrpSpPr>
-        <p:cNvPr id="1" name=""/>
-        <p:cNvGrpSpPr/>
-        <p:nvPr/>
-      </p:nvGrpSpPr>
-      <p:grpSpPr>
-        <a:xfrm>
-          <a:off x="0" y="0"/>
-          <a:ext cx="0" cy="0"/>
-          <a:chOff x="0" y="0"/>
-          <a:chExt cx="0" cy="0"/>
-        </a:xfrm>
-      </p:grpSpPr>
-      <p:sp>
-        <p:nvSpPr>
-          <p:cNvPr id="2" name="Date Placeholder 1">
-            <a:extLst>
-              <a:ext uri="{FF2B5EF4-FFF2-40B4-BE49-F238E27FC236}">
-                <a16:creationId xmlns:a16="http://schemas.microsoft.com/office/drawing/2014/main" id="{64C27AEB-BB7C-4254-8707-325AA89D03CE}"/>
-              </a:ext>
-            </a:extLst>
-          </p:cNvPr>
-          <p:cNvSpPr>
-            <a:spLocks noGrp="1"/>
-          </p:cNvSpPr>
-          <p:nvPr>
-            <p:ph type="dt" sz="half" idx="10"/>
-          </p:nvPr>
-        </p:nvSpPr>
-        <p:spPr>
-          <a:xfrm>
-            <a:off x="692434" y="6356350"/>
-            <a:ext cx="1174141" cy="365125"/>
-          </a:xfrm>
-          <a:prstGeom prst="rect">
-            <a:avLst/>
-          </a:prstGeom>
-        </p:spPr>
-        <p:txBody>
-          <a:bodyPr/>
-          <a:lstStyle/>
-          <a:p>
-            <a:fld id="{17E66974-7B4A-4094-B0D5-4B350890C16B}" type="datetime1">
-              <a:rPr lang="en-US" smtClean="0"/>
-              <a:t>1/11/2021</a:t>
-            </a:fld>
-            <a:endParaRPr lang="en-US"/>
-          </a:p>
-        </p:txBody>
-      </p:sp>
-      <p:sp>
-        <p:nvSpPr>
-          <p:cNvPr id="3" name="Footer Placeholder 2">
-            <a:extLst>
-              <a:ext uri="{FF2B5EF4-FFF2-40B4-BE49-F238E27FC236}">
-                <a16:creationId xmlns:a16="http://schemas.microsoft.com/office/drawing/2014/main" id="{8D5558A9-A9C1-4ED8-A9ED-C4CBE090E4E3}"/>
-              </a:ext>
-            </a:extLst>
-          </p:cNvPr>
-          <p:cNvSpPr>
-            <a:spLocks noGrp="1"/>
-          </p:cNvSpPr>
-          <p:nvPr>
-            <p:ph type="ftr" sz="quarter" idx="11"/>
-          </p:nvPr>
-        </p:nvSpPr>
-        <p:spPr/>
-        <p:txBody>
-          <a:bodyPr/>
-          <a:lstStyle/>
-          <a:p>
-            <a:endParaRPr lang="en-US"/>
-          </a:p>
-        </p:txBody>
-      </p:sp>
-      <p:sp>
-        <p:nvSpPr>
-          <p:cNvPr id="4" name="Slide Number Placeholder 3">
-            <a:extLst>
-              <a:ext uri="{FF2B5EF4-FFF2-40B4-BE49-F238E27FC236}">
-                <a16:creationId xmlns:a16="http://schemas.microsoft.com/office/drawing/2014/main" id="{865ED647-76EB-4236-927F-B7D784169274}"/>
-              </a:ext>
-            </a:extLst>
-          </p:cNvPr>
-          <p:cNvSpPr>
-            <a:spLocks noGrp="1"/>
-          </p:cNvSpPr>
-          <p:nvPr>
-            <p:ph type="sldNum" sz="quarter" idx="12"/>
-          </p:nvPr>
-        </p:nvSpPr>
-        <p:spPr/>
-        <p:txBody>
-          <a:bodyPr/>
-          <a:lstStyle/>
-          <a:p>
-            <a:fld id="{C064A79B-B315-413E-88BB-EFE0B5D603D0}" type="slidenum">
-              <a:rPr lang="en-US" smtClean="0"/>
-              <a:t>‹#›</a:t>
-            </a:fld>
-            <a:endParaRPr lang="en-US"/>
-          </a:p>
-        </p:txBody>
-      </p:sp>
-    </p:spTree>
-    <p:extLst>
-      <p:ext uri="{BB962C8B-B14F-4D97-AF65-F5344CB8AC3E}">
-        <p14:creationId xmlns:p14="http://schemas.microsoft.com/office/powerpoint/2010/main" val="769302454"/>
-      </p:ext>
-    </p:extLst>
-  </p:cSld>
-  <p:clrMapOvr>
-    <a:masterClrMapping/>
-  </p:clrMapOvr>
-</p:sldLayout>
-</file>
-
-<file path=ppt/slideLayouts/slideLayout12.xml><?xml version="1.0" encoding="utf-8"?>
-<p:sldLayout xmlns:a="http://schemas.openxmlformats.org/drawingml/2006/main" xmlns:r="http://schemas.openxmlformats.org/officeDocument/2006/relationships" xmlns:p="http://schemas.openxmlformats.org/presentationml/2006/main" type="objTx" preserve="1">
-  <p:cSld name="Content with Caption">
-    <p:spTree>
-      <p:nvGrpSpPr>
-        <p:cNvPr id="1" name=""/>
-        <p:cNvGrpSpPr/>
-        <p:nvPr/>
-      </p:nvGrpSpPr>
-      <p:grpSpPr>
-        <a:xfrm>
-          <a:off x="0" y="0"/>
-          <a:ext cx="0" cy="0"/>
-          <a:chOff x="0" y="0"/>
-          <a:chExt cx="0" cy="0"/>
-        </a:xfrm>
-      </p:grpSpPr>
-      <p:sp>
-        <p:nvSpPr>
-          <p:cNvPr id="2" name="Title 1">
-            <a:extLst>
-              <a:ext uri="{FF2B5EF4-FFF2-40B4-BE49-F238E27FC236}">
-                <a16:creationId xmlns:a16="http://schemas.microsoft.com/office/drawing/2014/main" id="{3DA724F0-FC25-4442-B0BF-BA8CE018DCC6}"/>
-              </a:ext>
-            </a:extLst>
-          </p:cNvPr>
-          <p:cNvSpPr>
-            <a:spLocks noGrp="1"/>
-          </p:cNvSpPr>
-          <p:nvPr>
-            <p:ph type="title"/>
-          </p:nvPr>
-        </p:nvSpPr>
-        <p:spPr>
-          <a:xfrm>
-            <a:off x="629841" y="457200"/>
-            <a:ext cx="2949178" cy="1600200"/>
-          </a:xfrm>
-        </p:spPr>
-        <p:txBody>
-          <a:bodyPr anchor="b"/>
-          <a:lstStyle>
-            <a:lvl1pPr>
-              <a:defRPr sz="2400"/>
-            </a:lvl1pPr>
-          </a:lstStyle>
-          <a:p>
-            <a:r>
-              <a:rPr lang="en-US"/>
-              <a:t>Click to edit Master title style</a:t>
-            </a:r>
-          </a:p>
-        </p:txBody>
-      </p:sp>
-      <p:sp>
-        <p:nvSpPr>
-          <p:cNvPr id="3" name="Content Placeholder 2">
-            <a:extLst>
-              <a:ext uri="{FF2B5EF4-FFF2-40B4-BE49-F238E27FC236}">
-                <a16:creationId xmlns:a16="http://schemas.microsoft.com/office/drawing/2014/main" id="{988FC00E-6690-4AD8-A046-4B5C64407E0A}"/>
-              </a:ext>
-            </a:extLst>
-          </p:cNvPr>
-          <p:cNvSpPr>
-            <a:spLocks noGrp="1"/>
-          </p:cNvSpPr>
-          <p:nvPr>
-            <p:ph idx="1"/>
-          </p:nvPr>
-        </p:nvSpPr>
-        <p:spPr>
-          <a:xfrm>
-            <a:off x="3887391" y="987426"/>
-            <a:ext cx="4629150" cy="4873625"/>
-          </a:xfrm>
-        </p:spPr>
-        <p:txBody>
-          <a:bodyPr/>
-          <a:lstStyle>
-            <a:lvl1pPr>
-              <a:defRPr sz="2400"/>
-            </a:lvl1pPr>
-            <a:lvl2pPr>
-              <a:defRPr sz="2100"/>
-            </a:lvl2pPr>
-            <a:lvl3pPr>
-              <a:defRPr sz="1800"/>
-            </a:lvl3pPr>
-            <a:lvl4pPr>
-              <a:defRPr sz="1500"/>
-            </a:lvl4pPr>
-            <a:lvl5pPr>
-              <a:defRPr sz="1500"/>
-            </a:lvl5pPr>
-            <a:lvl6pPr>
-              <a:defRPr sz="1500"/>
-            </a:lvl6pPr>
-            <a:lvl7pPr>
-              <a:defRPr sz="1500"/>
-            </a:lvl7pPr>
-            <a:lvl8pPr>
-              <a:defRPr sz="1500"/>
-            </a:lvl8pPr>
-            <a:lvl9pPr>
-              <a:defRPr sz="1500"/>
-            </a:lvl9pPr>
-          </a:lstStyle>
-          <a:p>
-            <a:pPr lvl="0"/>
-            <a:r>
-              <a:rPr lang="en-US"/>
-              <a:t>Click to edit Master text styles</a:t>
-            </a:r>
-          </a:p>
-          <a:p>
-            <a:pPr lvl="1"/>
-            <a:r>
-              <a:rPr lang="en-US"/>
-              <a:t>Second level</a:t>
-            </a:r>
-          </a:p>
-          <a:p>
-            <a:pPr lvl="2"/>
-            <a:r>
-              <a:rPr lang="en-US"/>
-              <a:t>Third level</a:t>
-            </a:r>
-          </a:p>
-          <a:p>
-            <a:pPr lvl="3"/>
-            <a:r>
-              <a:rPr lang="en-US"/>
-              <a:t>Fourth level</a:t>
-            </a:r>
-          </a:p>
-          <a:p>
-            <a:pPr lvl="4"/>
-            <a:r>
-              <a:rPr lang="en-US"/>
-              <a:t>Fifth level</a:t>
-            </a:r>
-          </a:p>
-        </p:txBody>
-      </p:sp>
-      <p:sp>
-        <p:nvSpPr>
-          <p:cNvPr id="4" name="Text Placeholder 3">
-            <a:extLst>
-              <a:ext uri="{FF2B5EF4-FFF2-40B4-BE49-F238E27FC236}">
-                <a16:creationId xmlns:a16="http://schemas.microsoft.com/office/drawing/2014/main" id="{C72E2489-E8B1-4638-8450-E6A93485AC19}"/>
-              </a:ext>
-            </a:extLst>
-          </p:cNvPr>
-          <p:cNvSpPr>
-            <a:spLocks noGrp="1"/>
-          </p:cNvSpPr>
-          <p:nvPr>
-            <p:ph type="body" sz="half" idx="2"/>
-          </p:nvPr>
-        </p:nvSpPr>
-        <p:spPr>
-          <a:xfrm>
-            <a:off x="629841" y="2057400"/>
-            <a:ext cx="2949178" cy="3811588"/>
-          </a:xfrm>
-        </p:spPr>
-        <p:txBody>
-          <a:bodyPr/>
-          <a:lstStyle>
-            <a:lvl1pPr marL="0" indent="0">
-              <a:buNone/>
-              <a:defRPr sz="1200"/>
-            </a:lvl1pPr>
-            <a:lvl2pPr marL="342900" indent="0">
-              <a:buNone/>
-              <a:defRPr sz="1050"/>
-            </a:lvl2pPr>
-            <a:lvl3pPr marL="685800" indent="0">
-              <a:buNone/>
-              <a:defRPr sz="900"/>
-            </a:lvl3pPr>
-            <a:lvl4pPr marL="1028700" indent="0">
-              <a:buNone/>
-              <a:defRPr sz="750"/>
-            </a:lvl4pPr>
-            <a:lvl5pPr marL="1371600" indent="0">
-              <a:buNone/>
-              <a:defRPr sz="750"/>
-            </a:lvl5pPr>
-            <a:lvl6pPr marL="1714500" indent="0">
-              <a:buNone/>
-              <a:defRPr sz="750"/>
-            </a:lvl6pPr>
-            <a:lvl7pPr marL="2057400" indent="0">
-              <a:buNone/>
-              <a:defRPr sz="750"/>
-            </a:lvl7pPr>
-            <a:lvl8pPr marL="2400300" indent="0">
-              <a:buNone/>
-              <a:defRPr sz="750"/>
-            </a:lvl8pPr>
-            <a:lvl9pPr marL="2743200" indent="0">
-              <a:buNone/>
-              <a:defRPr sz="750"/>
-            </a:lvl9pPr>
-          </a:lstStyle>
-          <a:p>
-            <a:pPr lvl="0"/>
-            <a:r>
-              <a:rPr lang="en-US"/>
-              <a:t>Click to edit Master text styles</a:t>
-            </a:r>
-          </a:p>
-        </p:txBody>
-      </p:sp>
-      <p:sp>
-        <p:nvSpPr>
-          <p:cNvPr id="5" name="Date Placeholder 4">
-            <a:extLst>
-              <a:ext uri="{FF2B5EF4-FFF2-40B4-BE49-F238E27FC236}">
-                <a16:creationId xmlns:a16="http://schemas.microsoft.com/office/drawing/2014/main" id="{B82D3769-D87D-4AC3-842D-25FA6FB4636F}"/>
-              </a:ext>
-            </a:extLst>
-          </p:cNvPr>
-          <p:cNvSpPr>
-            <a:spLocks noGrp="1"/>
-          </p:cNvSpPr>
-          <p:nvPr>
-            <p:ph type="dt" sz="half" idx="10"/>
-          </p:nvPr>
-        </p:nvSpPr>
-        <p:spPr>
-          <a:xfrm>
-            <a:off x="692434" y="6356350"/>
-            <a:ext cx="1174141" cy="365125"/>
-          </a:xfrm>
-          <a:prstGeom prst="rect">
-            <a:avLst/>
-          </a:prstGeom>
-        </p:spPr>
-        <p:txBody>
-          <a:bodyPr/>
-          <a:lstStyle/>
-          <a:p>
-            <a:fld id="{4736CA40-B21E-4BC1-BF1D-883E6BE6094B}" type="datetime1">
-              <a:rPr lang="en-US" smtClean="0"/>
-              <a:t>1/11/2021</a:t>
-            </a:fld>
-            <a:endParaRPr lang="en-US"/>
-          </a:p>
-        </p:txBody>
-      </p:sp>
-      <p:sp>
-        <p:nvSpPr>
-          <p:cNvPr id="6" name="Footer Placeholder 5">
-            <a:extLst>
-              <a:ext uri="{FF2B5EF4-FFF2-40B4-BE49-F238E27FC236}">
-                <a16:creationId xmlns:a16="http://schemas.microsoft.com/office/drawing/2014/main" id="{7F72A216-50B5-446A-B870-D3E1EE07A8B0}"/>
-              </a:ext>
-            </a:extLst>
-          </p:cNvPr>
-          <p:cNvSpPr>
-            <a:spLocks noGrp="1"/>
-          </p:cNvSpPr>
-          <p:nvPr>
-            <p:ph type="ftr" sz="quarter" idx="11"/>
-          </p:nvPr>
-        </p:nvSpPr>
-        <p:spPr/>
-        <p:txBody>
-          <a:bodyPr/>
-          <a:lstStyle/>
-          <a:p>
-            <a:endParaRPr lang="en-US"/>
-          </a:p>
-        </p:txBody>
-      </p:sp>
-      <p:sp>
-        <p:nvSpPr>
-          <p:cNvPr id="7" name="Slide Number Placeholder 6">
-            <a:extLst>
-              <a:ext uri="{FF2B5EF4-FFF2-40B4-BE49-F238E27FC236}">
-                <a16:creationId xmlns:a16="http://schemas.microsoft.com/office/drawing/2014/main" id="{2B581DF2-3E25-47D5-861D-21090FF0B2CF}"/>
-              </a:ext>
-            </a:extLst>
-          </p:cNvPr>
-          <p:cNvSpPr>
-            <a:spLocks noGrp="1"/>
-          </p:cNvSpPr>
-          <p:nvPr>
-            <p:ph type="sldNum" sz="quarter" idx="12"/>
-          </p:nvPr>
-        </p:nvSpPr>
-        <p:spPr/>
-        <p:txBody>
-          <a:bodyPr/>
-          <a:lstStyle/>
-          <a:p>
-            <a:fld id="{C064A79B-B315-413E-88BB-EFE0B5D603D0}" type="slidenum">
-              <a:rPr lang="en-US" smtClean="0"/>
-              <a:t>‹#›</a:t>
-            </a:fld>
-            <a:endParaRPr lang="en-US"/>
-          </a:p>
-        </p:txBody>
-      </p:sp>
-    </p:spTree>
-    <p:extLst>
-      <p:ext uri="{BB962C8B-B14F-4D97-AF65-F5344CB8AC3E}">
-        <p14:creationId xmlns:p14="http://schemas.microsoft.com/office/powerpoint/2010/main" val="3987783925"/>
-      </p:ext>
-    </p:extLst>
-  </p:cSld>
-  <p:clrMapOvr>
-    <a:masterClrMapping/>
-  </p:clrMapOvr>
-</p:sldLayout>
-</file>
-
-<file path=ppt/slideLayouts/slideLayout13.xml><?xml version="1.0" encoding="utf-8"?>
-<p:sldLayout xmlns:a="http://schemas.openxmlformats.org/drawingml/2006/main" xmlns:r="http://schemas.openxmlformats.org/officeDocument/2006/relationships" xmlns:p="http://schemas.openxmlformats.org/presentationml/2006/main" type="picTx" preserve="1">
-  <p:cSld name="Picture with Caption">
-    <p:spTree>
-      <p:nvGrpSpPr>
-        <p:cNvPr id="1" name=""/>
-        <p:cNvGrpSpPr/>
-        <p:nvPr/>
-      </p:nvGrpSpPr>
-      <p:grpSpPr>
-        <a:xfrm>
-          <a:off x="0" y="0"/>
-          <a:ext cx="0" cy="0"/>
-          <a:chOff x="0" y="0"/>
-          <a:chExt cx="0" cy="0"/>
-        </a:xfrm>
-      </p:grpSpPr>
-      <p:sp>
-        <p:nvSpPr>
-          <p:cNvPr id="2" name="Title 1">
-            <a:extLst>
-              <a:ext uri="{FF2B5EF4-FFF2-40B4-BE49-F238E27FC236}">
-                <a16:creationId xmlns:a16="http://schemas.microsoft.com/office/drawing/2014/main" id="{61956508-A225-4874-9EAF-22917310F7AB}"/>
-              </a:ext>
-            </a:extLst>
-          </p:cNvPr>
-          <p:cNvSpPr>
-            <a:spLocks noGrp="1"/>
-          </p:cNvSpPr>
-          <p:nvPr>
-            <p:ph type="title"/>
-          </p:nvPr>
-        </p:nvSpPr>
-        <p:spPr>
-          <a:xfrm>
-            <a:off x="629841" y="457200"/>
-            <a:ext cx="2949178" cy="1600200"/>
-          </a:xfrm>
-        </p:spPr>
-        <p:txBody>
-          <a:bodyPr anchor="b"/>
-          <a:lstStyle>
-            <a:lvl1pPr>
-              <a:defRPr sz="2400"/>
-            </a:lvl1pPr>
-          </a:lstStyle>
-          <a:p>
-            <a:r>
-              <a:rPr lang="en-US"/>
-              <a:t>Click to edit Master title style</a:t>
-            </a:r>
-          </a:p>
-        </p:txBody>
-      </p:sp>
-      <p:sp>
-        <p:nvSpPr>
-          <p:cNvPr id="3" name="Picture Placeholder 2">
-            <a:extLst>
-              <a:ext uri="{FF2B5EF4-FFF2-40B4-BE49-F238E27FC236}">
-                <a16:creationId xmlns:a16="http://schemas.microsoft.com/office/drawing/2014/main" id="{4D82C181-9AF7-4887-A58E-9CD34DE9C596}"/>
-              </a:ext>
-            </a:extLst>
-          </p:cNvPr>
-          <p:cNvSpPr>
-            <a:spLocks noGrp="1"/>
-          </p:cNvSpPr>
-          <p:nvPr>
-            <p:ph type="pic" idx="1"/>
-          </p:nvPr>
-        </p:nvSpPr>
-        <p:spPr>
-          <a:xfrm>
-            <a:off x="3887391" y="987426"/>
-            <a:ext cx="4629150" cy="4873625"/>
-          </a:xfrm>
-        </p:spPr>
-        <p:txBody>
-          <a:bodyPr/>
-          <a:lstStyle>
-            <a:lvl1pPr marL="0" indent="0">
-              <a:buNone/>
-              <a:defRPr sz="2400"/>
-            </a:lvl1pPr>
-            <a:lvl2pPr marL="342900" indent="0">
-              <a:buNone/>
-              <a:defRPr sz="2100"/>
-            </a:lvl2pPr>
-            <a:lvl3pPr marL="685800" indent="0">
-              <a:buNone/>
-              <a:defRPr sz="1800"/>
-            </a:lvl3pPr>
-            <a:lvl4pPr marL="1028700" indent="0">
-              <a:buNone/>
-              <a:defRPr sz="1500"/>
-            </a:lvl4pPr>
-            <a:lvl5pPr marL="1371600" indent="0">
-              <a:buNone/>
-              <a:defRPr sz="1500"/>
-            </a:lvl5pPr>
-            <a:lvl6pPr marL="1714500" indent="0">
-              <a:buNone/>
-              <a:defRPr sz="1500"/>
-            </a:lvl6pPr>
-            <a:lvl7pPr marL="2057400" indent="0">
-              <a:buNone/>
-              <a:defRPr sz="1500"/>
-            </a:lvl7pPr>
-            <a:lvl8pPr marL="2400300" indent="0">
-              <a:buNone/>
-              <a:defRPr sz="1500"/>
-            </a:lvl8pPr>
-            <a:lvl9pPr marL="2743200" indent="0">
-              <a:buNone/>
-              <a:defRPr sz="1500"/>
-            </a:lvl9pPr>
-          </a:lstStyle>
-          <a:p>
-            <a:endParaRPr lang="en-US"/>
-          </a:p>
-        </p:txBody>
-      </p:sp>
-      <p:sp>
-        <p:nvSpPr>
-          <p:cNvPr id="4" name="Text Placeholder 3">
-            <a:extLst>
-              <a:ext uri="{FF2B5EF4-FFF2-40B4-BE49-F238E27FC236}">
-                <a16:creationId xmlns:a16="http://schemas.microsoft.com/office/drawing/2014/main" id="{D9423641-3CA3-41A0-908F-A9202B5D1F10}"/>
-              </a:ext>
-            </a:extLst>
-          </p:cNvPr>
-          <p:cNvSpPr>
-            <a:spLocks noGrp="1"/>
-          </p:cNvSpPr>
-          <p:nvPr>
-            <p:ph type="body" sz="half" idx="2"/>
-          </p:nvPr>
-        </p:nvSpPr>
-        <p:spPr>
-          <a:xfrm>
-            <a:off x="629841" y="2057400"/>
-            <a:ext cx="2949178" cy="3811588"/>
-          </a:xfrm>
-        </p:spPr>
-        <p:txBody>
-          <a:bodyPr/>
-          <a:lstStyle>
-            <a:lvl1pPr marL="0" indent="0">
-              <a:buNone/>
-              <a:defRPr sz="1200"/>
-            </a:lvl1pPr>
-            <a:lvl2pPr marL="342900" indent="0">
-              <a:buNone/>
-              <a:defRPr sz="1050"/>
-            </a:lvl2pPr>
-            <a:lvl3pPr marL="685800" indent="0">
-              <a:buNone/>
-              <a:defRPr sz="900"/>
-            </a:lvl3pPr>
-            <a:lvl4pPr marL="1028700" indent="0">
-              <a:buNone/>
-              <a:defRPr sz="750"/>
-            </a:lvl4pPr>
-            <a:lvl5pPr marL="1371600" indent="0">
-              <a:buNone/>
-              <a:defRPr sz="750"/>
-            </a:lvl5pPr>
-            <a:lvl6pPr marL="1714500" indent="0">
-              <a:buNone/>
-              <a:defRPr sz="750"/>
-            </a:lvl6pPr>
-            <a:lvl7pPr marL="2057400" indent="0">
-              <a:buNone/>
-              <a:defRPr sz="750"/>
-            </a:lvl7pPr>
-            <a:lvl8pPr marL="2400300" indent="0">
-              <a:buNone/>
-              <a:defRPr sz="750"/>
-            </a:lvl8pPr>
-            <a:lvl9pPr marL="2743200" indent="0">
-              <a:buNone/>
-              <a:defRPr sz="750"/>
-            </a:lvl9pPr>
-          </a:lstStyle>
-          <a:p>
-            <a:pPr lvl="0"/>
-            <a:r>
-              <a:rPr lang="en-US"/>
-              <a:t>Click to edit Master text styles</a:t>
-            </a:r>
-          </a:p>
-        </p:txBody>
-      </p:sp>
-      <p:sp>
-        <p:nvSpPr>
-          <p:cNvPr id="5" name="Date Placeholder 4">
-            <a:extLst>
-              <a:ext uri="{FF2B5EF4-FFF2-40B4-BE49-F238E27FC236}">
-                <a16:creationId xmlns:a16="http://schemas.microsoft.com/office/drawing/2014/main" id="{BDB42A99-71B3-40D2-882D-E5CB06AF89DB}"/>
-              </a:ext>
-            </a:extLst>
-          </p:cNvPr>
-          <p:cNvSpPr>
-            <a:spLocks noGrp="1"/>
-          </p:cNvSpPr>
-          <p:nvPr>
-            <p:ph type="dt" sz="half" idx="10"/>
-          </p:nvPr>
-        </p:nvSpPr>
-        <p:spPr>
-          <a:xfrm>
-            <a:off x="692434" y="6356350"/>
-            <a:ext cx="1174141" cy="365125"/>
-          </a:xfrm>
-          <a:prstGeom prst="rect">
-            <a:avLst/>
-          </a:prstGeom>
-        </p:spPr>
-        <p:txBody>
-          <a:bodyPr/>
-          <a:lstStyle/>
-          <a:p>
-            <a:fld id="{06D10DB8-659B-4958-A792-DE05210DF328}" type="datetime1">
-              <a:rPr lang="en-US" smtClean="0"/>
-              <a:t>1/11/2021</a:t>
-            </a:fld>
-            <a:endParaRPr lang="en-US"/>
-          </a:p>
-        </p:txBody>
-      </p:sp>
-      <p:sp>
-        <p:nvSpPr>
-          <p:cNvPr id="6" name="Footer Placeholder 5">
-            <a:extLst>
-              <a:ext uri="{FF2B5EF4-FFF2-40B4-BE49-F238E27FC236}">
-                <a16:creationId xmlns:a16="http://schemas.microsoft.com/office/drawing/2014/main" id="{E264F32E-5C4C-4465-800A-4B1AC8DBD021}"/>
-              </a:ext>
-            </a:extLst>
-          </p:cNvPr>
-          <p:cNvSpPr>
-            <a:spLocks noGrp="1"/>
-          </p:cNvSpPr>
-          <p:nvPr>
-            <p:ph type="ftr" sz="quarter" idx="11"/>
-          </p:nvPr>
-        </p:nvSpPr>
-        <p:spPr/>
-        <p:txBody>
-          <a:bodyPr/>
-          <a:lstStyle/>
-          <a:p>
-            <a:endParaRPr lang="en-US"/>
-          </a:p>
-        </p:txBody>
-      </p:sp>
-      <p:sp>
-        <p:nvSpPr>
-          <p:cNvPr id="7" name="Slide Number Placeholder 6">
-            <a:extLst>
-              <a:ext uri="{FF2B5EF4-FFF2-40B4-BE49-F238E27FC236}">
-                <a16:creationId xmlns:a16="http://schemas.microsoft.com/office/drawing/2014/main" id="{2FA2F93E-9F34-4A6B-936A-74C4DF7133A9}"/>
-              </a:ext>
-            </a:extLst>
-          </p:cNvPr>
-          <p:cNvSpPr>
-            <a:spLocks noGrp="1"/>
-          </p:cNvSpPr>
-          <p:nvPr>
-            <p:ph type="sldNum" sz="quarter" idx="12"/>
-          </p:nvPr>
-        </p:nvSpPr>
-        <p:spPr/>
-        <p:txBody>
-          <a:bodyPr/>
-          <a:lstStyle/>
-          <a:p>
-            <a:fld id="{C064A79B-B315-413E-88BB-EFE0B5D603D0}" type="slidenum">
-              <a:rPr lang="en-US" smtClean="0"/>
-              <a:t>‹#›</a:t>
-            </a:fld>
-            <a:endParaRPr lang="en-US"/>
-          </a:p>
-        </p:txBody>
-      </p:sp>
-    </p:spTree>
-    <p:extLst>
-      <p:ext uri="{BB962C8B-B14F-4D97-AF65-F5344CB8AC3E}">
-        <p14:creationId xmlns:p14="http://schemas.microsoft.com/office/powerpoint/2010/main" val="4178626241"/>
-      </p:ext>
-    </p:extLst>
-  </p:cSld>
-  <p:clrMapOvr>
-    <a:masterClrMapping/>
-  </p:clrMapOvr>
-</p:sldLayout>
-</file>
-
-<file path=ppt/slideLayouts/slideLayout14.xml><?xml version="1.0" encoding="utf-8"?>
-<p:sldLayout xmlns:a="http://schemas.openxmlformats.org/drawingml/2006/main" xmlns:r="http://schemas.openxmlformats.org/officeDocument/2006/relationships" xmlns:p="http://schemas.openxmlformats.org/presentationml/2006/main" type="vertTx" preserve="1">
-  <p:cSld name="Title and Vertical Text">
-    <p:spTree>
-      <p:nvGrpSpPr>
-        <p:cNvPr id="1" name=""/>
-        <p:cNvGrpSpPr/>
-        <p:nvPr/>
-      </p:nvGrpSpPr>
-      <p:grpSpPr>
-        <a:xfrm>
-          <a:off x="0" y="0"/>
-          <a:ext cx="0" cy="0"/>
-          <a:chOff x="0" y="0"/>
-          <a:chExt cx="0" cy="0"/>
-        </a:xfrm>
-      </p:grpSpPr>
-      <p:sp>
-        <p:nvSpPr>
-          <p:cNvPr id="2" name="Title 1">
-            <a:extLst>
-              <a:ext uri="{FF2B5EF4-FFF2-40B4-BE49-F238E27FC236}">
-                <a16:creationId xmlns:a16="http://schemas.microsoft.com/office/drawing/2014/main" id="{68300869-D881-4114-9250-92447B95BFC0}"/>
-              </a:ext>
-            </a:extLst>
-          </p:cNvPr>
-          <p:cNvSpPr>
-            <a:spLocks noGrp="1"/>
-          </p:cNvSpPr>
-          <p:nvPr>
-            <p:ph type="title"/>
-          </p:nvPr>
-        </p:nvSpPr>
-        <p:spPr/>
-        <p:txBody>
-          <a:bodyPr/>
-          <a:lstStyle/>
-          <a:p>
-            <a:r>
-              <a:rPr lang="en-US"/>
-              <a:t>Click to edit Master title style</a:t>
-            </a:r>
-          </a:p>
-        </p:txBody>
-      </p:sp>
-      <p:sp>
-        <p:nvSpPr>
-          <p:cNvPr id="3" name="Vertical Text Placeholder 2">
-            <a:extLst>
-              <a:ext uri="{FF2B5EF4-FFF2-40B4-BE49-F238E27FC236}">
-                <a16:creationId xmlns:a16="http://schemas.microsoft.com/office/drawing/2014/main" id="{39305416-A94C-4542-97F1-92AAFB0E10EC}"/>
-              </a:ext>
-            </a:extLst>
-          </p:cNvPr>
-          <p:cNvSpPr>
-            <a:spLocks noGrp="1"/>
-          </p:cNvSpPr>
-          <p:nvPr>
-            <p:ph type="body" orient="vert" idx="1"/>
-          </p:nvPr>
-        </p:nvSpPr>
-        <p:spPr/>
-        <p:txBody>
-          <a:bodyPr vert="eaVert"/>
-          <a:lstStyle/>
-          <a:p>
-            <a:pPr lvl="0"/>
-            <a:r>
-              <a:rPr lang="en-US"/>
-              <a:t>Click to edit Master text styles</a:t>
-            </a:r>
-          </a:p>
-          <a:p>
-            <a:pPr lvl="1"/>
-            <a:r>
-              <a:rPr lang="en-US"/>
-              <a:t>Second level</a:t>
-            </a:r>
-          </a:p>
-          <a:p>
-            <a:pPr lvl="2"/>
-            <a:r>
-              <a:rPr lang="en-US"/>
-              <a:t>Third level</a:t>
-            </a:r>
-          </a:p>
-          <a:p>
-            <a:pPr lvl="3"/>
-            <a:r>
-              <a:rPr lang="en-US"/>
-              <a:t>Fourth level</a:t>
-            </a:r>
-          </a:p>
-          <a:p>
-            <a:pPr lvl="4"/>
-            <a:r>
-              <a:rPr lang="en-US"/>
-              <a:t>Fifth level</a:t>
-            </a:r>
-          </a:p>
-        </p:txBody>
-      </p:sp>
-      <p:sp>
-        <p:nvSpPr>
-          <p:cNvPr id="4" name="Date Placeholder 3">
-            <a:extLst>
-              <a:ext uri="{FF2B5EF4-FFF2-40B4-BE49-F238E27FC236}">
-                <a16:creationId xmlns:a16="http://schemas.microsoft.com/office/drawing/2014/main" id="{1CB0D993-0F1C-40EA-AFEE-B6B5B14132B7}"/>
-              </a:ext>
-            </a:extLst>
-          </p:cNvPr>
-          <p:cNvSpPr>
-            <a:spLocks noGrp="1"/>
-          </p:cNvSpPr>
-          <p:nvPr>
-            <p:ph type="dt" sz="half" idx="10"/>
-          </p:nvPr>
-        </p:nvSpPr>
-        <p:spPr>
-          <a:xfrm>
-            <a:off x="692434" y="6356350"/>
-            <a:ext cx="1174141" cy="365125"/>
-          </a:xfrm>
-          <a:prstGeom prst="rect">
-            <a:avLst/>
-          </a:prstGeom>
-        </p:spPr>
-        <p:txBody>
-          <a:bodyPr/>
-          <a:lstStyle/>
-          <a:p>
-            <a:fld id="{E7CF5876-4B3B-4A39-B999-95B42A2340FE}" type="datetime1">
-              <a:rPr lang="en-US" smtClean="0"/>
-              <a:t>1/11/2021</a:t>
-            </a:fld>
-            <a:endParaRPr lang="en-US"/>
-          </a:p>
-        </p:txBody>
-      </p:sp>
-      <p:sp>
-        <p:nvSpPr>
-          <p:cNvPr id="5" name="Footer Placeholder 4">
-            <a:extLst>
-              <a:ext uri="{FF2B5EF4-FFF2-40B4-BE49-F238E27FC236}">
-                <a16:creationId xmlns:a16="http://schemas.microsoft.com/office/drawing/2014/main" id="{540BE058-B0D8-4632-9A14-D825C824FF66}"/>
-              </a:ext>
-            </a:extLst>
-          </p:cNvPr>
-          <p:cNvSpPr>
-            <a:spLocks noGrp="1"/>
-          </p:cNvSpPr>
-          <p:nvPr>
-            <p:ph type="ftr" sz="quarter" idx="11"/>
-          </p:nvPr>
-        </p:nvSpPr>
-        <p:spPr/>
-        <p:txBody>
-          <a:bodyPr/>
-          <a:lstStyle/>
-          <a:p>
-            <a:endParaRPr lang="en-US"/>
-          </a:p>
-        </p:txBody>
-      </p:sp>
-      <p:sp>
-        <p:nvSpPr>
-          <p:cNvPr id="6" name="Slide Number Placeholder 5">
-            <a:extLst>
-              <a:ext uri="{FF2B5EF4-FFF2-40B4-BE49-F238E27FC236}">
-                <a16:creationId xmlns:a16="http://schemas.microsoft.com/office/drawing/2014/main" id="{7F5B8F12-4D34-44B5-9B1D-9E63AA9F897E}"/>
-              </a:ext>
-            </a:extLst>
-          </p:cNvPr>
-          <p:cNvSpPr>
-            <a:spLocks noGrp="1"/>
-          </p:cNvSpPr>
-          <p:nvPr>
-            <p:ph type="sldNum" sz="quarter" idx="12"/>
-          </p:nvPr>
-        </p:nvSpPr>
-        <p:spPr/>
-        <p:txBody>
-          <a:bodyPr/>
-          <a:lstStyle/>
-          <a:p>
-            <a:fld id="{C064A79B-B315-413E-88BB-EFE0B5D603D0}" type="slidenum">
-              <a:rPr lang="en-US" smtClean="0"/>
-              <a:t>‹#›</a:t>
-            </a:fld>
-            <a:endParaRPr lang="en-US"/>
-          </a:p>
-        </p:txBody>
-      </p:sp>
-    </p:spTree>
-    <p:extLst>
-      <p:ext uri="{BB962C8B-B14F-4D97-AF65-F5344CB8AC3E}">
-        <p14:creationId xmlns:p14="http://schemas.microsoft.com/office/powerpoint/2010/main" val="3107147916"/>
-      </p:ext>
-    </p:extLst>
-  </p:cSld>
-  <p:clrMapOvr>
-    <a:masterClrMapping/>
-  </p:clrMapOvr>
-</p:sldLayout>
-</file>
-
-<file path=ppt/slideLayouts/slideLayout15.xml><?xml version="1.0" encoding="utf-8"?>
-<p:sldLayout xmlns:a="http://schemas.openxmlformats.org/drawingml/2006/main" xmlns:r="http://schemas.openxmlformats.org/officeDocument/2006/relationships" xmlns:p="http://schemas.openxmlformats.org/presentationml/2006/main" type="vertTitleAndTx" preserve="1">
-  <p:cSld name="Vertical Title and Text">
-    <p:spTree>
-      <p:nvGrpSpPr>
-        <p:cNvPr id="1" name=""/>
-        <p:cNvGrpSpPr/>
-        <p:nvPr/>
-      </p:nvGrpSpPr>
-      <p:grpSpPr>
-        <a:xfrm>
-          <a:off x="0" y="0"/>
-          <a:ext cx="0" cy="0"/>
-          <a:chOff x="0" y="0"/>
-          <a:chExt cx="0" cy="0"/>
-        </a:xfrm>
-      </p:grpSpPr>
-      <p:sp>
-        <p:nvSpPr>
-          <p:cNvPr id="2" name="Vertical Title 1">
-            <a:extLst>
-              <a:ext uri="{FF2B5EF4-FFF2-40B4-BE49-F238E27FC236}">
-                <a16:creationId xmlns:a16="http://schemas.microsoft.com/office/drawing/2014/main" id="{BDA00737-11BB-4E95-A748-27DD621789BF}"/>
-              </a:ext>
-            </a:extLst>
-          </p:cNvPr>
-          <p:cNvSpPr>
-            <a:spLocks noGrp="1"/>
-          </p:cNvSpPr>
-          <p:nvPr>
-            <p:ph type="title" orient="vert"/>
-          </p:nvPr>
-        </p:nvSpPr>
-        <p:spPr>
-          <a:xfrm>
-            <a:off x="6543675" y="365125"/>
-            <a:ext cx="1971675" cy="5811838"/>
-          </a:xfrm>
-        </p:spPr>
-        <p:txBody>
-          <a:bodyPr vert="eaVert"/>
-          <a:lstStyle/>
-          <a:p>
-            <a:r>
-              <a:rPr lang="en-US"/>
-              <a:t>Click to edit Master title style</a:t>
-            </a:r>
-          </a:p>
-        </p:txBody>
-      </p:sp>
-      <p:sp>
-        <p:nvSpPr>
-          <p:cNvPr id="3" name="Vertical Text Placeholder 2">
-            <a:extLst>
-              <a:ext uri="{FF2B5EF4-FFF2-40B4-BE49-F238E27FC236}">
-                <a16:creationId xmlns:a16="http://schemas.microsoft.com/office/drawing/2014/main" id="{12F31580-301F-4D45-BF3F-3B77F3F072A5}"/>
-              </a:ext>
-            </a:extLst>
-          </p:cNvPr>
-          <p:cNvSpPr>
-            <a:spLocks noGrp="1"/>
-          </p:cNvSpPr>
-          <p:nvPr>
-            <p:ph type="body" orient="vert" idx="1"/>
-          </p:nvPr>
-        </p:nvSpPr>
-        <p:spPr>
-          <a:xfrm>
-            <a:off x="628650" y="365125"/>
-            <a:ext cx="5800725" cy="5811838"/>
-          </a:xfrm>
-        </p:spPr>
-        <p:txBody>
-          <a:bodyPr vert="eaVert"/>
-          <a:lstStyle/>
-          <a:p>
-            <a:pPr lvl="0"/>
-            <a:r>
-              <a:rPr lang="en-US"/>
-              <a:t>Click to edit Master text styles</a:t>
-            </a:r>
-          </a:p>
-          <a:p>
-            <a:pPr lvl="1"/>
-            <a:r>
-              <a:rPr lang="en-US"/>
-              <a:t>Second level</a:t>
-            </a:r>
-          </a:p>
-          <a:p>
-            <a:pPr lvl="2"/>
-            <a:r>
-              <a:rPr lang="en-US"/>
-              <a:t>Third level</a:t>
-            </a:r>
-          </a:p>
-          <a:p>
-            <a:pPr lvl="3"/>
-            <a:r>
-              <a:rPr lang="en-US"/>
-              <a:t>Fourth level</a:t>
-            </a:r>
-          </a:p>
-          <a:p>
-            <a:pPr lvl="4"/>
-            <a:r>
-              <a:rPr lang="en-US"/>
-              <a:t>Fifth level</a:t>
-            </a:r>
-          </a:p>
-        </p:txBody>
-      </p:sp>
-      <p:sp>
-        <p:nvSpPr>
-          <p:cNvPr id="4" name="Date Placeholder 3">
-            <a:extLst>
-              <a:ext uri="{FF2B5EF4-FFF2-40B4-BE49-F238E27FC236}">
-                <a16:creationId xmlns:a16="http://schemas.microsoft.com/office/drawing/2014/main" id="{099AB469-45B1-4622-B0A1-4CC1F7F0E6F1}"/>
-              </a:ext>
-            </a:extLst>
-          </p:cNvPr>
-          <p:cNvSpPr>
-            <a:spLocks noGrp="1"/>
-          </p:cNvSpPr>
-          <p:nvPr>
-            <p:ph type="dt" sz="half" idx="10"/>
-          </p:nvPr>
-        </p:nvSpPr>
-        <p:spPr>
-          <a:xfrm>
-            <a:off x="692434" y="6356350"/>
-            <a:ext cx="1174141" cy="365125"/>
-          </a:xfrm>
-          <a:prstGeom prst="rect">
-            <a:avLst/>
-          </a:prstGeom>
-        </p:spPr>
-        <p:txBody>
-          <a:bodyPr/>
-          <a:lstStyle/>
-          <a:p>
-            <a:fld id="{88D61156-842F-4F67-B06A-C4646596C268}" type="datetime1">
-              <a:rPr lang="en-US" smtClean="0"/>
-              <a:t>1/11/2021</a:t>
-            </a:fld>
-            <a:endParaRPr lang="en-US"/>
-          </a:p>
-        </p:txBody>
-      </p:sp>
-      <p:sp>
-        <p:nvSpPr>
-          <p:cNvPr id="5" name="Footer Placeholder 4">
-            <a:extLst>
-              <a:ext uri="{FF2B5EF4-FFF2-40B4-BE49-F238E27FC236}">
-                <a16:creationId xmlns:a16="http://schemas.microsoft.com/office/drawing/2014/main" id="{6D98CB7E-0935-47AE-8D41-C2E027A47EBB}"/>
-              </a:ext>
-            </a:extLst>
-          </p:cNvPr>
-          <p:cNvSpPr>
-            <a:spLocks noGrp="1"/>
-          </p:cNvSpPr>
-          <p:nvPr>
-            <p:ph type="ftr" sz="quarter" idx="11"/>
-          </p:nvPr>
-        </p:nvSpPr>
-        <p:spPr/>
-        <p:txBody>
-          <a:bodyPr/>
-          <a:lstStyle/>
-          <a:p>
-            <a:endParaRPr lang="en-US"/>
-          </a:p>
-        </p:txBody>
-      </p:sp>
-      <p:sp>
-        <p:nvSpPr>
-          <p:cNvPr id="6" name="Slide Number Placeholder 5">
-            <a:extLst>
-              <a:ext uri="{FF2B5EF4-FFF2-40B4-BE49-F238E27FC236}">
-                <a16:creationId xmlns:a16="http://schemas.microsoft.com/office/drawing/2014/main" id="{A1D5C856-5925-49B5-A3FB-38FA764DD7F2}"/>
-              </a:ext>
-            </a:extLst>
-          </p:cNvPr>
-          <p:cNvSpPr>
-            <a:spLocks noGrp="1"/>
-          </p:cNvSpPr>
-          <p:nvPr>
-            <p:ph type="sldNum" sz="quarter" idx="12"/>
-          </p:nvPr>
-        </p:nvSpPr>
-        <p:spPr/>
-        <p:txBody>
-          <a:bodyPr/>
-          <a:lstStyle/>
-          <a:p>
-            <a:fld id="{C064A79B-B315-413E-88BB-EFE0B5D603D0}" type="slidenum">
-              <a:rPr lang="en-US" smtClean="0"/>
-              <a:t>‹#›</a:t>
-            </a:fld>
-            <a:endParaRPr lang="en-US"/>
-          </a:p>
-        </p:txBody>
-      </p:sp>
-    </p:spTree>
-    <p:extLst>
-      <p:ext uri="{BB962C8B-B14F-4D97-AF65-F5344CB8AC3E}">
-        <p14:creationId xmlns:p14="http://schemas.microsoft.com/office/powerpoint/2010/main" val="3547732887"/>
-      </p:ext>
-    </p:extLst>
-  </p:cSld>
-  <p:clrMapOvr>
-    <a:masterClrMapping/>
-  </p:clrMapOvr>
-</p:sldLayout>
-</file>
-
-<file path=ppt/slideLayouts/slideLayout2.xml><?xml version="1.0" encoding="utf-8"?>
-<p:sldLayout xmlns:a="http://schemas.openxmlformats.org/drawingml/2006/main" xmlns:r="http://schemas.openxmlformats.org/officeDocument/2006/relationships" xmlns:p="http://schemas.openxmlformats.org/presentationml/2006/main" type="obj" preserve="1">
-  <p:cSld name="Title and Content">
-    <p:spTree>
-      <p:nvGrpSpPr>
-        <p:cNvPr id="1" name=""/>
-        <p:cNvGrpSpPr/>
-        <p:nvPr/>
-      </p:nvGrpSpPr>
-      <p:grpSpPr>
-        <a:xfrm>
-          <a:off x="0" y="0"/>
-          <a:ext cx="0" cy="0"/>
-          <a:chOff x="0" y="0"/>
-          <a:chExt cx="0" cy="0"/>
-        </a:xfrm>
-      </p:grpSpPr>
-      <p:sp>
-        <p:nvSpPr>
-          <p:cNvPr id="2" name="Title 1">
-            <a:extLst>
-              <a:ext uri="{FF2B5EF4-FFF2-40B4-BE49-F238E27FC236}">
-                <a16:creationId xmlns:a16="http://schemas.microsoft.com/office/drawing/2014/main" id="{4905F3F5-CD26-4383-BCD3-A8D434E2D639}"/>
-              </a:ext>
-            </a:extLst>
-          </p:cNvPr>
-          <p:cNvSpPr>
-            <a:spLocks noGrp="1"/>
-          </p:cNvSpPr>
-          <p:nvPr>
-            <p:ph type="title"/>
-          </p:nvPr>
-        </p:nvSpPr>
-        <p:spPr>
-          <a:xfrm>
-            <a:off x="0" y="1"/>
-            <a:ext cx="9144000" cy="1013635"/>
-          </a:xfrm>
-        </p:spPr>
-        <p:txBody>
-          <a:bodyPr/>
-          <a:lstStyle/>
-          <a:p>
-            <a:r>
-              <a:rPr lang="en-US" dirty="0"/>
-              <a:t>Click to edit Master title style</a:t>
-            </a:r>
-          </a:p>
-        </p:txBody>
-      </p:sp>
-      <p:sp>
-        <p:nvSpPr>
-          <p:cNvPr id="3" name="Content Placeholder 2">
-            <a:extLst>
-              <a:ext uri="{FF2B5EF4-FFF2-40B4-BE49-F238E27FC236}">
-                <a16:creationId xmlns:a16="http://schemas.microsoft.com/office/drawing/2014/main" id="{3FBC0A59-A7F8-4091-BC22-97B46458BECE}"/>
-              </a:ext>
-            </a:extLst>
-          </p:cNvPr>
-          <p:cNvSpPr>
-            <a:spLocks noGrp="1"/>
-          </p:cNvSpPr>
-          <p:nvPr>
-            <p:ph idx="1"/>
-          </p:nvPr>
-        </p:nvSpPr>
-        <p:spPr/>
-        <p:txBody>
-          <a:bodyPr/>
-          <a:lstStyle/>
-          <a:p>
-            <a:pPr lvl="0"/>
-            <a:r>
-              <a:rPr lang="en-US"/>
-              <a:t>Click to edit Master text styles</a:t>
-            </a:r>
-          </a:p>
-          <a:p>
-            <a:pPr lvl="1"/>
-            <a:r>
-              <a:rPr lang="en-US"/>
-              <a:t>Second level</a:t>
-            </a:r>
-          </a:p>
-          <a:p>
-            <a:pPr lvl="2"/>
-            <a:r>
-              <a:rPr lang="en-US"/>
-              <a:t>Third level</a:t>
-            </a:r>
-          </a:p>
-          <a:p>
-            <a:pPr lvl="3"/>
-            <a:r>
-              <a:rPr lang="en-US"/>
-              <a:t>Fourth level</a:t>
-            </a:r>
-          </a:p>
-          <a:p>
-            <a:pPr lvl="4"/>
-            <a:r>
-              <a:rPr lang="en-US"/>
-              <a:t>Fifth level</a:t>
-            </a:r>
-          </a:p>
-        </p:txBody>
-      </p:sp>
-      <p:sp>
-        <p:nvSpPr>
-          <p:cNvPr id="4" name="Date Placeholder 3">
-            <a:extLst>
-              <a:ext uri="{FF2B5EF4-FFF2-40B4-BE49-F238E27FC236}">
-                <a16:creationId xmlns:a16="http://schemas.microsoft.com/office/drawing/2014/main" id="{5E4D15F2-B97A-4D46-A56B-AACA64275B31}"/>
-              </a:ext>
-            </a:extLst>
-          </p:cNvPr>
-          <p:cNvSpPr>
-            <a:spLocks noGrp="1"/>
-          </p:cNvSpPr>
-          <p:nvPr>
-            <p:ph type="dt" sz="half" idx="10"/>
-          </p:nvPr>
-        </p:nvSpPr>
-        <p:spPr>
-          <a:xfrm>
-            <a:off x="692434" y="6356350"/>
-            <a:ext cx="1174141" cy="365125"/>
-          </a:xfrm>
-          <a:prstGeom prst="rect">
-            <a:avLst/>
-          </a:prstGeom>
-        </p:spPr>
-        <p:txBody>
-          <a:bodyPr/>
-          <a:lstStyle/>
-          <a:p>
-            <a:fld id="{4A448851-F1FF-4B89-82AB-47C2886C2712}" type="datetime1">
-              <a:rPr lang="en-US" smtClean="0"/>
-              <a:t>1/11/2021</a:t>
-            </a:fld>
-            <a:endParaRPr lang="en-US"/>
-          </a:p>
-        </p:txBody>
-      </p:sp>
-      <p:sp>
-        <p:nvSpPr>
-          <p:cNvPr id="5" name="Footer Placeholder 4">
-            <a:extLst>
-              <a:ext uri="{FF2B5EF4-FFF2-40B4-BE49-F238E27FC236}">
-                <a16:creationId xmlns:a16="http://schemas.microsoft.com/office/drawing/2014/main" id="{EFDF8A97-3399-44D7-ACF7-3642988247E1}"/>
-              </a:ext>
-            </a:extLst>
-          </p:cNvPr>
-          <p:cNvSpPr>
-            <a:spLocks noGrp="1"/>
-          </p:cNvSpPr>
-          <p:nvPr>
-            <p:ph type="ftr" sz="quarter" idx="11"/>
-          </p:nvPr>
-        </p:nvSpPr>
-        <p:spPr/>
-        <p:txBody>
-          <a:bodyPr/>
-          <a:lstStyle/>
-          <a:p>
-            <a:endParaRPr lang="en-US"/>
-          </a:p>
-        </p:txBody>
-      </p:sp>
-      <p:sp>
-        <p:nvSpPr>
-          <p:cNvPr id="6" name="Slide Number Placeholder 5">
-            <a:extLst>
-              <a:ext uri="{FF2B5EF4-FFF2-40B4-BE49-F238E27FC236}">
-                <a16:creationId xmlns:a16="http://schemas.microsoft.com/office/drawing/2014/main" id="{BCBF6AC6-8F39-4227-B48E-79664419D365}"/>
-              </a:ext>
-            </a:extLst>
-          </p:cNvPr>
-          <p:cNvSpPr>
-            <a:spLocks noGrp="1"/>
-          </p:cNvSpPr>
-          <p:nvPr>
-            <p:ph type="sldNum" sz="quarter" idx="12"/>
-          </p:nvPr>
-        </p:nvSpPr>
-        <p:spPr/>
-        <p:txBody>
-          <a:bodyPr/>
-          <a:lstStyle/>
-          <a:p>
-            <a:fld id="{C064A79B-B315-413E-88BB-EFE0B5D603D0}" type="slidenum">
-              <a:rPr lang="en-US" smtClean="0"/>
-              <a:t>‹#›</a:t>
-            </a:fld>
-            <a:endParaRPr lang="en-US"/>
-          </a:p>
-        </p:txBody>
-      </p:sp>
-    </p:spTree>
-    <p:extLst>
-      <p:ext uri="{BB962C8B-B14F-4D97-AF65-F5344CB8AC3E}">
-        <p14:creationId xmlns:p14="http://schemas.microsoft.com/office/powerpoint/2010/main" val="2663580007"/>
-      </p:ext>
-    </p:extLst>
-  </p:cSld>
-  <p:clrMapOvr>
-    <a:masterClrMapping/>
-  </p:clrMapOvr>
-</p:sldLayout>
-</file>
-
-<file path=ppt/slideLayouts/slideLayout3.xml><?xml version="1.0" encoding="utf-8"?>
-<p:sldLayout xmlns:a="http://schemas.openxmlformats.org/drawingml/2006/main" xmlns:r="http://schemas.openxmlformats.org/officeDocument/2006/relationships" xmlns:p="http://schemas.openxmlformats.org/presentationml/2006/main" preserve="1" userDrawn="1">
-  <p:cSld name="Title and Content and Caption">
-    <p:spTree>
-      <p:nvGrpSpPr>
-        <p:cNvPr id="1" name=""/>
-        <p:cNvGrpSpPr/>
-        <p:nvPr/>
-      </p:nvGrpSpPr>
-      <p:grpSpPr>
-        <a:xfrm>
-          <a:off x="0" y="0"/>
-          <a:ext cx="0" cy="0"/>
-          <a:chOff x="0" y="0"/>
-          <a:chExt cx="0" cy="0"/>
-        </a:xfrm>
-      </p:grpSpPr>
-      <p:sp>
-        <p:nvSpPr>
-          <p:cNvPr id="2" name="Title 1">
-            <a:extLst>
-              <a:ext uri="{FF2B5EF4-FFF2-40B4-BE49-F238E27FC236}">
-                <a16:creationId xmlns:a16="http://schemas.microsoft.com/office/drawing/2014/main" id="{4905F3F5-CD26-4383-BCD3-A8D434E2D639}"/>
-              </a:ext>
-            </a:extLst>
-          </p:cNvPr>
-          <p:cNvSpPr>
-            <a:spLocks noGrp="1"/>
-          </p:cNvSpPr>
-          <p:nvPr>
-            <p:ph type="title"/>
-          </p:nvPr>
-        </p:nvSpPr>
-        <p:spPr>
-          <a:xfrm>
-            <a:off x="0" y="1"/>
-            <a:ext cx="9144000" cy="1013635"/>
-          </a:xfrm>
-        </p:spPr>
-        <p:txBody>
-          <a:bodyPr/>
-          <a:lstStyle/>
-          <a:p>
-            <a:r>
-              <a:rPr lang="en-US" dirty="0"/>
-              <a:t>Click to edit Master title style</a:t>
-            </a:r>
-          </a:p>
-        </p:txBody>
-      </p:sp>
-      <p:sp>
-        <p:nvSpPr>
-          <p:cNvPr id="3" name="Content Placeholder 2">
-            <a:extLst>
-              <a:ext uri="{FF2B5EF4-FFF2-40B4-BE49-F238E27FC236}">
-                <a16:creationId xmlns:a16="http://schemas.microsoft.com/office/drawing/2014/main" id="{3FBC0A59-A7F8-4091-BC22-97B46458BECE}"/>
-              </a:ext>
-            </a:extLst>
-          </p:cNvPr>
-          <p:cNvSpPr>
-            <a:spLocks noGrp="1"/>
-          </p:cNvSpPr>
-          <p:nvPr>
-            <p:ph idx="1"/>
-          </p:nvPr>
-        </p:nvSpPr>
-        <p:spPr>
-          <a:xfrm>
-            <a:off x="187891" y="1227552"/>
-            <a:ext cx="8736905" cy="4479285"/>
-          </a:xfrm>
-        </p:spPr>
-        <p:txBody>
-          <a:bodyPr/>
-          <a:lstStyle/>
-          <a:p>
-            <a:pPr lvl="0"/>
-            <a:r>
-              <a:rPr lang="en-US"/>
-              <a:t>Click to edit Master text styles</a:t>
-            </a:r>
-          </a:p>
-          <a:p>
-            <a:pPr lvl="1"/>
-            <a:r>
-              <a:rPr lang="en-US"/>
-              <a:t>Second level</a:t>
-            </a:r>
-          </a:p>
-          <a:p>
-            <a:pPr lvl="2"/>
-            <a:r>
-              <a:rPr lang="en-US"/>
-              <a:t>Third level</a:t>
-            </a:r>
-          </a:p>
-          <a:p>
-            <a:pPr lvl="3"/>
-            <a:r>
-              <a:rPr lang="en-US"/>
-              <a:t>Fourth level</a:t>
-            </a:r>
-          </a:p>
-          <a:p>
-            <a:pPr lvl="4"/>
-            <a:r>
-              <a:rPr lang="en-US"/>
-              <a:t>Fifth level</a:t>
-            </a:r>
-          </a:p>
-        </p:txBody>
-      </p:sp>
-      <p:sp>
-        <p:nvSpPr>
-          <p:cNvPr id="4" name="Date Placeholder 3">
-            <a:extLst>
-              <a:ext uri="{FF2B5EF4-FFF2-40B4-BE49-F238E27FC236}">
-                <a16:creationId xmlns:a16="http://schemas.microsoft.com/office/drawing/2014/main" id="{5E4D15F2-B97A-4D46-A56B-AACA64275B31}"/>
-              </a:ext>
-            </a:extLst>
-          </p:cNvPr>
-          <p:cNvSpPr>
-            <a:spLocks noGrp="1"/>
-          </p:cNvSpPr>
-          <p:nvPr>
-            <p:ph type="dt" sz="half" idx="10"/>
-          </p:nvPr>
-        </p:nvSpPr>
-        <p:spPr>
-          <a:xfrm>
-            <a:off x="692434" y="6356350"/>
-            <a:ext cx="1174141" cy="365125"/>
-          </a:xfrm>
-          <a:prstGeom prst="rect">
-            <a:avLst/>
-          </a:prstGeom>
-        </p:spPr>
-        <p:txBody>
-          <a:bodyPr/>
-          <a:lstStyle/>
-          <a:p>
-            <a:fld id="{9FC0DEDD-AAD6-481E-BA52-3D7C9DFC702B}" type="datetime1">
-              <a:rPr lang="en-US" smtClean="0"/>
-              <a:t>1/11/2021</a:t>
-            </a:fld>
-            <a:endParaRPr lang="en-US"/>
-          </a:p>
-        </p:txBody>
-      </p:sp>
-      <p:sp>
-        <p:nvSpPr>
-          <p:cNvPr id="5" name="Footer Placeholder 4">
-            <a:extLst>
-              <a:ext uri="{FF2B5EF4-FFF2-40B4-BE49-F238E27FC236}">
-                <a16:creationId xmlns:a16="http://schemas.microsoft.com/office/drawing/2014/main" id="{EFDF8A97-3399-44D7-ACF7-3642988247E1}"/>
-              </a:ext>
-            </a:extLst>
-          </p:cNvPr>
-          <p:cNvSpPr>
-            <a:spLocks noGrp="1"/>
-          </p:cNvSpPr>
-          <p:nvPr>
-            <p:ph type="ftr" sz="quarter" idx="11"/>
-          </p:nvPr>
-        </p:nvSpPr>
-        <p:spPr/>
-        <p:txBody>
-          <a:bodyPr/>
-          <a:lstStyle/>
-          <a:p>
-            <a:endParaRPr lang="en-US"/>
-          </a:p>
-        </p:txBody>
-      </p:sp>
-      <p:sp>
-        <p:nvSpPr>
-          <p:cNvPr id="6" name="Slide Number Placeholder 5">
-            <a:extLst>
-              <a:ext uri="{FF2B5EF4-FFF2-40B4-BE49-F238E27FC236}">
-                <a16:creationId xmlns:a16="http://schemas.microsoft.com/office/drawing/2014/main" id="{BCBF6AC6-8F39-4227-B48E-79664419D365}"/>
-              </a:ext>
-            </a:extLst>
-          </p:cNvPr>
-          <p:cNvSpPr>
-            <a:spLocks noGrp="1"/>
-          </p:cNvSpPr>
-          <p:nvPr>
-            <p:ph type="sldNum" sz="quarter" idx="12"/>
-          </p:nvPr>
-        </p:nvSpPr>
-        <p:spPr/>
-        <p:txBody>
-          <a:bodyPr/>
-          <a:lstStyle/>
-          <a:p>
-            <a:fld id="{C064A79B-B315-413E-88BB-EFE0B5D603D0}" type="slidenum">
-              <a:rPr lang="en-US" smtClean="0"/>
-              <a:t>‹#›</a:t>
-            </a:fld>
-            <a:endParaRPr lang="en-US"/>
-          </a:p>
-        </p:txBody>
-      </p:sp>
-      <p:sp>
-        <p:nvSpPr>
-          <p:cNvPr id="9" name="Text Placeholder 8">
-            <a:extLst>
-              <a:ext uri="{FF2B5EF4-FFF2-40B4-BE49-F238E27FC236}">
-                <a16:creationId xmlns:a16="http://schemas.microsoft.com/office/drawing/2014/main" id="{F6B30566-8B30-4362-BCB6-7F3B3746AF24}"/>
-              </a:ext>
-            </a:extLst>
-          </p:cNvPr>
-          <p:cNvSpPr>
-            <a:spLocks noGrp="1"/>
-          </p:cNvSpPr>
-          <p:nvPr>
-            <p:ph type="body" sz="quarter" idx="13"/>
-          </p:nvPr>
-        </p:nvSpPr>
-        <p:spPr>
-          <a:xfrm>
-            <a:off x="187891" y="5816375"/>
-            <a:ext cx="8736905" cy="365125"/>
-          </a:xfrm>
-        </p:spPr>
-        <p:txBody>
-          <a:bodyPr>
-            <a:noAutofit/>
-          </a:bodyPr>
-          <a:lstStyle>
-            <a:lvl1pPr marL="0" indent="0">
-              <a:buNone/>
-              <a:defRPr sz="900"/>
-            </a:lvl1pPr>
-            <a:lvl2pPr marL="342900" indent="0">
-              <a:buNone/>
-              <a:defRPr sz="825"/>
-            </a:lvl2pPr>
-            <a:lvl3pPr marL="685800" indent="0">
-              <a:buNone/>
-              <a:defRPr sz="788"/>
-            </a:lvl3pPr>
-            <a:lvl4pPr marL="1028700" indent="0">
-              <a:buNone/>
-              <a:defRPr sz="750"/>
-            </a:lvl4pPr>
-            <a:lvl5pPr marL="1371600" indent="0">
-              <a:buNone/>
-              <a:defRPr sz="750"/>
-            </a:lvl5pPr>
-          </a:lstStyle>
-          <a:p>
-            <a:pPr lvl="0"/>
-            <a:r>
-              <a:rPr lang="en-US" dirty="0"/>
-              <a:t>Click to edit Master text styles</a:t>
-            </a:r>
-          </a:p>
-          <a:p>
-            <a:pPr lvl="1"/>
-            <a:r>
-              <a:rPr lang="en-US" dirty="0"/>
-              <a:t>Second level</a:t>
-            </a:r>
-          </a:p>
-          <a:p>
-            <a:pPr lvl="2"/>
-            <a:r>
-              <a:rPr lang="en-US" dirty="0"/>
-              <a:t>Third level</a:t>
-            </a:r>
-          </a:p>
-          <a:p>
-            <a:pPr lvl="3"/>
-            <a:r>
-              <a:rPr lang="en-US" dirty="0"/>
-              <a:t>Fourth level</a:t>
-            </a:r>
-          </a:p>
-          <a:p>
-            <a:pPr lvl="4"/>
-            <a:r>
-              <a:rPr lang="en-US" dirty="0"/>
-              <a:t>Fifth level</a:t>
-            </a:r>
-            <a:endParaRPr lang="en-CH" dirty="0"/>
-          </a:p>
-        </p:txBody>
-      </p:sp>
-    </p:spTree>
-    <p:extLst>
-      <p:ext uri="{BB962C8B-B14F-4D97-AF65-F5344CB8AC3E}">
-        <p14:creationId xmlns:p14="http://schemas.microsoft.com/office/powerpoint/2010/main" val="3745588820"/>
-      </p:ext>
-    </p:extLst>
-  </p:cSld>
-  <p:clrMapOvr>
-    <a:masterClrMapping/>
-  </p:clrMapOvr>
-</p:sldLayout>
-</file>
-
-<file path=ppt/slideLayouts/slideLayout4.xml><?xml version="1.0" encoding="utf-8"?>
-<p:sldLayout xmlns:a="http://schemas.openxmlformats.org/drawingml/2006/main" xmlns:r="http://schemas.openxmlformats.org/officeDocument/2006/relationships" xmlns:p="http://schemas.openxmlformats.org/presentationml/2006/main" type="secHead" preserve="1">
-  <p:cSld name="Section Header">
-    <p:spTree>
-      <p:nvGrpSpPr>
-        <p:cNvPr id="1" name=""/>
-        <p:cNvGrpSpPr/>
-        <p:nvPr/>
-      </p:nvGrpSpPr>
-      <p:grpSpPr>
-        <a:xfrm>
-          <a:off x="0" y="0"/>
-          <a:ext cx="0" cy="0"/>
-          <a:chOff x="0" y="0"/>
-          <a:chExt cx="0" cy="0"/>
-        </a:xfrm>
-      </p:grpSpPr>
-      <p:sp>
-        <p:nvSpPr>
-          <p:cNvPr id="2" name="Title 1">
-            <a:extLst>
-              <a:ext uri="{FF2B5EF4-FFF2-40B4-BE49-F238E27FC236}">
-                <a16:creationId xmlns:a16="http://schemas.microsoft.com/office/drawing/2014/main" id="{CAC83E8A-D652-4338-AF10-2620BEDD68FB}"/>
-              </a:ext>
-            </a:extLst>
-          </p:cNvPr>
-          <p:cNvSpPr>
-            <a:spLocks noGrp="1"/>
-          </p:cNvSpPr>
-          <p:nvPr>
-            <p:ph type="title"/>
-          </p:nvPr>
-        </p:nvSpPr>
-        <p:spPr>
-          <a:xfrm>
-            <a:off x="623888" y="1709739"/>
-            <a:ext cx="7886700" cy="2852737"/>
-          </a:xfrm>
-        </p:spPr>
-        <p:txBody>
-          <a:bodyPr anchor="b"/>
-          <a:lstStyle>
-            <a:lvl1pPr>
-              <a:defRPr sz="4500"/>
-            </a:lvl1pPr>
-          </a:lstStyle>
-          <a:p>
-            <a:r>
-              <a:rPr lang="en-US"/>
-              <a:t>Click to edit Master title style</a:t>
-            </a:r>
-          </a:p>
-        </p:txBody>
-      </p:sp>
-      <p:sp>
-        <p:nvSpPr>
-          <p:cNvPr id="3" name="Text Placeholder 2">
-            <a:extLst>
-              <a:ext uri="{FF2B5EF4-FFF2-40B4-BE49-F238E27FC236}">
-                <a16:creationId xmlns:a16="http://schemas.microsoft.com/office/drawing/2014/main" id="{773CD88D-4D3C-412E-9FE0-022A074066A0}"/>
-              </a:ext>
-            </a:extLst>
-          </p:cNvPr>
-          <p:cNvSpPr>
-            <a:spLocks noGrp="1"/>
-          </p:cNvSpPr>
-          <p:nvPr>
-            <p:ph type="body" idx="1"/>
-          </p:nvPr>
-        </p:nvSpPr>
-        <p:spPr>
-          <a:xfrm>
-            <a:off x="623888" y="4589464"/>
-            <a:ext cx="7886700" cy="1500187"/>
-          </a:xfrm>
-        </p:spPr>
-        <p:txBody>
-          <a:bodyPr/>
-          <a:lstStyle>
-            <a:lvl1pPr marL="0" indent="0">
-              <a:buNone/>
-              <a:defRPr sz="1800">
-                <a:solidFill>
-                  <a:schemeClr val="tx1">
-                    <a:tint val="75000"/>
-                  </a:schemeClr>
-                </a:solidFill>
-              </a:defRPr>
-            </a:lvl1pPr>
-            <a:lvl2pPr marL="342900" indent="0">
-              <a:buNone/>
-              <a:defRPr sz="1500">
-                <a:solidFill>
-                  <a:schemeClr val="tx1">
-                    <a:tint val="75000"/>
-                  </a:schemeClr>
-                </a:solidFill>
-              </a:defRPr>
-            </a:lvl2pPr>
-            <a:lvl3pPr marL="685800" indent="0">
-              <a:buNone/>
-              <a:defRPr sz="1350">
-                <a:solidFill>
-                  <a:schemeClr val="tx1">
-                    <a:tint val="75000"/>
-                  </a:schemeClr>
-                </a:solidFill>
-              </a:defRPr>
-            </a:lvl3pPr>
-            <a:lvl4pPr marL="1028700" indent="0">
-              <a:buNone/>
-              <a:defRPr sz="1200">
-                <a:solidFill>
-                  <a:schemeClr val="tx1">
-                    <a:tint val="75000"/>
-                  </a:schemeClr>
-                </a:solidFill>
-              </a:defRPr>
-            </a:lvl4pPr>
-            <a:lvl5pPr marL="1371600" indent="0">
-              <a:buNone/>
-              <a:defRPr sz="1200">
-                <a:solidFill>
-                  <a:schemeClr val="tx1">
-                    <a:tint val="75000"/>
-                  </a:schemeClr>
-                </a:solidFill>
-              </a:defRPr>
-            </a:lvl5pPr>
-            <a:lvl6pPr marL="1714500" indent="0">
-              <a:buNone/>
-              <a:defRPr sz="1200">
-                <a:solidFill>
-                  <a:schemeClr val="tx1">
-                    <a:tint val="75000"/>
-                  </a:schemeClr>
-                </a:solidFill>
-              </a:defRPr>
-            </a:lvl6pPr>
-            <a:lvl7pPr marL="2057400" indent="0">
-              <a:buNone/>
-              <a:defRPr sz="1200">
-                <a:solidFill>
-                  <a:schemeClr val="tx1">
-                    <a:tint val="75000"/>
-                  </a:schemeClr>
-                </a:solidFill>
-              </a:defRPr>
-            </a:lvl7pPr>
-            <a:lvl8pPr marL="2400300" indent="0">
-              <a:buNone/>
-              <a:defRPr sz="1200">
-                <a:solidFill>
-                  <a:schemeClr val="tx1">
-                    <a:tint val="75000"/>
-                  </a:schemeClr>
-                </a:solidFill>
-              </a:defRPr>
-            </a:lvl8pPr>
-            <a:lvl9pPr marL="2743200" indent="0">
-              <a:buNone/>
-              <a:defRPr sz="1200">
-                <a:solidFill>
-                  <a:schemeClr val="tx1">
-                    <a:tint val="75000"/>
-                  </a:schemeClr>
-                </a:solidFill>
-              </a:defRPr>
-            </a:lvl9pPr>
-          </a:lstStyle>
-          <a:p>
-            <a:pPr lvl="0"/>
-            <a:r>
-              <a:rPr lang="en-US"/>
-              <a:t>Click to edit Master text styles</a:t>
-            </a:r>
-          </a:p>
-        </p:txBody>
-      </p:sp>
-      <p:sp>
-        <p:nvSpPr>
-          <p:cNvPr id="4" name="Date Placeholder 3">
-            <a:extLst>
-              <a:ext uri="{FF2B5EF4-FFF2-40B4-BE49-F238E27FC236}">
-                <a16:creationId xmlns:a16="http://schemas.microsoft.com/office/drawing/2014/main" id="{8CEBA95A-B650-41C7-9489-6DC88967C068}"/>
-              </a:ext>
-            </a:extLst>
-          </p:cNvPr>
-          <p:cNvSpPr>
-            <a:spLocks noGrp="1"/>
-          </p:cNvSpPr>
-          <p:nvPr>
-            <p:ph type="dt" sz="half" idx="10"/>
-          </p:nvPr>
-        </p:nvSpPr>
-        <p:spPr>
-          <a:xfrm>
-            <a:off x="692434" y="6356350"/>
-            <a:ext cx="1174141" cy="365125"/>
-          </a:xfrm>
-          <a:prstGeom prst="rect">
-            <a:avLst/>
-          </a:prstGeom>
-        </p:spPr>
-        <p:txBody>
-          <a:bodyPr/>
-          <a:lstStyle/>
-          <a:p>
-            <a:fld id="{EC5C82F9-F59C-4CE5-9289-1898459AF428}" type="datetime1">
-              <a:rPr lang="en-US" smtClean="0"/>
-              <a:t>1/11/2021</a:t>
-            </a:fld>
-            <a:endParaRPr lang="en-US"/>
-          </a:p>
-        </p:txBody>
-      </p:sp>
-      <p:sp>
-        <p:nvSpPr>
-          <p:cNvPr id="5" name="Footer Placeholder 4">
-            <a:extLst>
-              <a:ext uri="{FF2B5EF4-FFF2-40B4-BE49-F238E27FC236}">
-                <a16:creationId xmlns:a16="http://schemas.microsoft.com/office/drawing/2014/main" id="{A66BC28A-637A-4CE6-988A-B637DDE1F8A1}"/>
-              </a:ext>
-            </a:extLst>
-          </p:cNvPr>
-          <p:cNvSpPr>
-            <a:spLocks noGrp="1"/>
-          </p:cNvSpPr>
-          <p:nvPr>
-            <p:ph type="ftr" sz="quarter" idx="11"/>
-          </p:nvPr>
-        </p:nvSpPr>
-        <p:spPr/>
-        <p:txBody>
-          <a:bodyPr/>
-          <a:lstStyle/>
-          <a:p>
-            <a:endParaRPr lang="en-US"/>
-          </a:p>
-        </p:txBody>
-      </p:sp>
-      <p:sp>
-        <p:nvSpPr>
-          <p:cNvPr id="6" name="Slide Number Placeholder 5">
-            <a:extLst>
-              <a:ext uri="{FF2B5EF4-FFF2-40B4-BE49-F238E27FC236}">
-                <a16:creationId xmlns:a16="http://schemas.microsoft.com/office/drawing/2014/main" id="{AEFFEDC3-9E77-41A8-88FA-0756CBBE5CAB}"/>
-              </a:ext>
-            </a:extLst>
-          </p:cNvPr>
-          <p:cNvSpPr>
-            <a:spLocks noGrp="1"/>
-          </p:cNvSpPr>
-          <p:nvPr>
-            <p:ph type="sldNum" sz="quarter" idx="12"/>
-          </p:nvPr>
-        </p:nvSpPr>
-        <p:spPr/>
-        <p:txBody>
-          <a:bodyPr/>
-          <a:lstStyle/>
-          <a:p>
-            <a:fld id="{C064A79B-B315-413E-88BB-EFE0B5D603D0}" type="slidenum">
-              <a:rPr lang="en-US" smtClean="0"/>
-              <a:t>‹#›</a:t>
-            </a:fld>
-            <a:endParaRPr lang="en-US"/>
-          </a:p>
-        </p:txBody>
-      </p:sp>
-    </p:spTree>
-    <p:extLst>
-      <p:ext uri="{BB962C8B-B14F-4D97-AF65-F5344CB8AC3E}">
-        <p14:creationId xmlns:p14="http://schemas.microsoft.com/office/powerpoint/2010/main" val="195960324"/>
-      </p:ext>
-    </p:extLst>
-  </p:cSld>
-  <p:clrMapOvr>
-    <a:masterClrMapping/>
-  </p:clrMapOvr>
-</p:sldLayout>
-</file>
-
-<file path=ppt/slideLayouts/slideLayout5.xml><?xml version="1.0" encoding="utf-8"?>
-<p:sldLayout xmlns:a="http://schemas.openxmlformats.org/drawingml/2006/main" xmlns:r="http://schemas.openxmlformats.org/officeDocument/2006/relationships" xmlns:p="http://schemas.openxmlformats.org/presentationml/2006/main" preserve="1" userDrawn="1">
-  <p:cSld name="Two Content">
-    <p:bg>
-      <p:bgPr>
-        <a:solidFill>
-          <a:schemeClr val="bg1"/>
-        </a:solidFill>
-        <a:effectLst/>
-      </p:bgPr>
-    </p:bg>
-    <p:spTree>
-      <p:nvGrpSpPr>
-        <p:cNvPr id="1" name=""/>
-        <p:cNvGrpSpPr/>
-        <p:nvPr/>
-      </p:nvGrpSpPr>
-      <p:grpSpPr>
-        <a:xfrm>
-          <a:off x="0" y="0"/>
-          <a:ext cx="0" cy="0"/>
-          <a:chOff x="0" y="0"/>
-          <a:chExt cx="0" cy="0"/>
-        </a:xfrm>
-      </p:grpSpPr>
-      <p:sp>
-        <p:nvSpPr>
-          <p:cNvPr id="5" name="Date Placeholder 4">
-            <a:extLst>
-              <a:ext uri="{FF2B5EF4-FFF2-40B4-BE49-F238E27FC236}">
-                <a16:creationId xmlns:a16="http://schemas.microsoft.com/office/drawing/2014/main" id="{985F3433-3055-4279-A232-CDB35C481677}"/>
-              </a:ext>
-            </a:extLst>
-          </p:cNvPr>
-          <p:cNvSpPr>
-            <a:spLocks noGrp="1"/>
-          </p:cNvSpPr>
-          <p:nvPr>
-            <p:ph type="dt" sz="half" idx="10"/>
-          </p:nvPr>
-        </p:nvSpPr>
-        <p:spPr>
-          <a:xfrm>
-            <a:off x="692434" y="6356350"/>
-            <a:ext cx="1174141" cy="365125"/>
-          </a:xfrm>
-          <a:prstGeom prst="rect">
-            <a:avLst/>
-          </a:prstGeom>
-        </p:spPr>
-        <p:txBody>
-          <a:bodyPr/>
-          <a:lstStyle/>
-          <a:p>
-            <a:fld id="{DA0CDD85-E753-4251-B347-F1BEE1D272E1}" type="datetime1">
-              <a:rPr lang="en-US" smtClean="0"/>
-              <a:t>1/11/2021</a:t>
-            </a:fld>
-            <a:endParaRPr lang="en-US"/>
-          </a:p>
-        </p:txBody>
-      </p:sp>
-      <p:sp>
-        <p:nvSpPr>
-          <p:cNvPr id="6" name="Footer Placeholder 5">
-            <a:extLst>
-              <a:ext uri="{FF2B5EF4-FFF2-40B4-BE49-F238E27FC236}">
-                <a16:creationId xmlns:a16="http://schemas.microsoft.com/office/drawing/2014/main" id="{C4190A63-5D67-4FD5-97FD-79F7445B6A2E}"/>
-              </a:ext>
-            </a:extLst>
-          </p:cNvPr>
-          <p:cNvSpPr>
-            <a:spLocks noGrp="1"/>
-          </p:cNvSpPr>
-          <p:nvPr>
-            <p:ph type="ftr" sz="quarter" idx="11"/>
-          </p:nvPr>
-        </p:nvSpPr>
-        <p:spPr/>
-        <p:txBody>
-          <a:bodyPr/>
-          <a:lstStyle/>
-          <a:p>
-            <a:endParaRPr lang="en-US"/>
-          </a:p>
-        </p:txBody>
-      </p:sp>
-      <p:sp>
-        <p:nvSpPr>
-          <p:cNvPr id="7" name="Slide Number Placeholder 6">
-            <a:extLst>
-              <a:ext uri="{FF2B5EF4-FFF2-40B4-BE49-F238E27FC236}">
-                <a16:creationId xmlns:a16="http://schemas.microsoft.com/office/drawing/2014/main" id="{D2687DAE-A442-4DC3-8550-20F58B781EC7}"/>
-              </a:ext>
-            </a:extLst>
-          </p:cNvPr>
-          <p:cNvSpPr>
-            <a:spLocks noGrp="1"/>
-          </p:cNvSpPr>
-          <p:nvPr>
-            <p:ph type="sldNum" sz="quarter" idx="12"/>
-          </p:nvPr>
-        </p:nvSpPr>
-        <p:spPr/>
-        <p:txBody>
-          <a:bodyPr/>
-          <a:lstStyle/>
-          <a:p>
-            <a:fld id="{C064A79B-B315-413E-88BB-EFE0B5D603D0}" type="slidenum">
-              <a:rPr lang="en-US" smtClean="0"/>
-              <a:t>‹#›</a:t>
-            </a:fld>
-            <a:endParaRPr lang="en-US"/>
-          </a:p>
-        </p:txBody>
-      </p:sp>
-      <p:sp>
-        <p:nvSpPr>
-          <p:cNvPr id="9" name="Title 1">
-            <a:extLst>
-              <a:ext uri="{FF2B5EF4-FFF2-40B4-BE49-F238E27FC236}">
-                <a16:creationId xmlns:a16="http://schemas.microsoft.com/office/drawing/2014/main" id="{177E17F1-D3B2-42A6-9982-8788655386CF}"/>
-              </a:ext>
-            </a:extLst>
-          </p:cNvPr>
-          <p:cNvSpPr>
-            <a:spLocks noGrp="1"/>
-          </p:cNvSpPr>
-          <p:nvPr>
-            <p:ph type="title"/>
-          </p:nvPr>
-        </p:nvSpPr>
-        <p:spPr>
-          <a:xfrm>
-            <a:off x="0" y="1"/>
-            <a:ext cx="9144000" cy="1013635"/>
-          </a:xfrm>
-          <a:solidFill>
-            <a:srgbClr val="0070C0"/>
-          </a:solidFill>
-        </p:spPr>
-        <p:txBody>
-          <a:bodyPr/>
-          <a:lstStyle>
-            <a:lvl1pPr>
-              <a:defRPr lang="en-US" dirty="0"/>
-            </a:lvl1pPr>
-          </a:lstStyle>
-          <a:p>
-            <a:r>
-              <a:rPr lang="en-US" dirty="0"/>
-              <a:t>Click to edit Master title style</a:t>
-            </a:r>
-          </a:p>
-        </p:txBody>
-      </p:sp>
-      <p:sp>
-        <p:nvSpPr>
-          <p:cNvPr id="10" name="Content Placeholder 2">
-            <a:extLst>
-              <a:ext uri="{FF2B5EF4-FFF2-40B4-BE49-F238E27FC236}">
-                <a16:creationId xmlns:a16="http://schemas.microsoft.com/office/drawing/2014/main" id="{F1A58CC4-526C-4991-898F-C0879D5343E8}"/>
-              </a:ext>
-            </a:extLst>
-          </p:cNvPr>
-          <p:cNvSpPr>
-            <a:spLocks noGrp="1"/>
-          </p:cNvSpPr>
-          <p:nvPr>
-            <p:ph sz="half" idx="1"/>
-          </p:nvPr>
-        </p:nvSpPr>
-        <p:spPr>
-          <a:xfrm>
-            <a:off x="187892" y="1205547"/>
-            <a:ext cx="3479234" cy="4971416"/>
-          </a:xfrm>
-        </p:spPr>
-        <p:txBody>
-          <a:bodyPr/>
-          <a:lstStyle/>
-          <a:p>
-            <a:pPr lvl="0"/>
-            <a:r>
-              <a:rPr lang="en-US"/>
-              <a:t>Click to edit Master text styles</a:t>
-            </a:r>
-          </a:p>
-          <a:p>
-            <a:pPr lvl="1"/>
-            <a:r>
-              <a:rPr lang="en-US"/>
-              <a:t>Second level</a:t>
-            </a:r>
-          </a:p>
-          <a:p>
-            <a:pPr lvl="2"/>
-            <a:r>
-              <a:rPr lang="en-US"/>
-              <a:t>Third level</a:t>
-            </a:r>
-          </a:p>
-          <a:p>
-            <a:pPr lvl="3"/>
-            <a:r>
-              <a:rPr lang="en-US"/>
-              <a:t>Fourth level</a:t>
-            </a:r>
-          </a:p>
-          <a:p>
-            <a:pPr lvl="4"/>
-            <a:r>
-              <a:rPr lang="en-US"/>
-              <a:t>Fifth level</a:t>
-            </a:r>
-          </a:p>
-        </p:txBody>
-      </p:sp>
-      <p:sp>
-        <p:nvSpPr>
-          <p:cNvPr id="11" name="Content Placeholder 3">
-            <a:extLst>
-              <a:ext uri="{FF2B5EF4-FFF2-40B4-BE49-F238E27FC236}">
-                <a16:creationId xmlns:a16="http://schemas.microsoft.com/office/drawing/2014/main" id="{CB008E43-F727-4C47-9855-9440A412ACCB}"/>
-              </a:ext>
-            </a:extLst>
-          </p:cNvPr>
-          <p:cNvSpPr>
-            <a:spLocks noGrp="1"/>
-          </p:cNvSpPr>
-          <p:nvPr>
-            <p:ph sz="half" idx="2"/>
-          </p:nvPr>
-        </p:nvSpPr>
-        <p:spPr>
-          <a:xfrm>
-            <a:off x="3771900" y="1205547"/>
-            <a:ext cx="5152895" cy="4971416"/>
-          </a:xfrm>
-        </p:spPr>
-        <p:txBody>
-          <a:bodyPr/>
-          <a:lstStyle/>
-          <a:p>
-            <a:pPr lvl="0"/>
-            <a:r>
-              <a:rPr lang="en-US"/>
-              <a:t>Click to edit Master text styles</a:t>
-            </a:r>
-          </a:p>
-          <a:p>
-            <a:pPr lvl="1"/>
-            <a:r>
-              <a:rPr lang="en-US"/>
-              <a:t>Second level</a:t>
-            </a:r>
-          </a:p>
-          <a:p>
-            <a:pPr lvl="2"/>
-            <a:r>
-              <a:rPr lang="en-US"/>
-              <a:t>Third level</a:t>
-            </a:r>
-          </a:p>
-          <a:p>
-            <a:pPr lvl="3"/>
-            <a:r>
-              <a:rPr lang="en-US"/>
-              <a:t>Fourth level</a:t>
-            </a:r>
-          </a:p>
-          <a:p>
-            <a:pPr lvl="4"/>
-            <a:r>
-              <a:rPr lang="en-US"/>
-              <a:t>Fifth level</a:t>
-            </a:r>
-          </a:p>
-        </p:txBody>
-      </p:sp>
-    </p:spTree>
-    <p:extLst>
-      <p:ext uri="{BB962C8B-B14F-4D97-AF65-F5344CB8AC3E}">
-        <p14:creationId xmlns:p14="http://schemas.microsoft.com/office/powerpoint/2010/main" val="2000806371"/>
-      </p:ext>
-    </p:extLst>
-  </p:cSld>
-  <p:clrMapOvr>
-    <a:masterClrMapping/>
-  </p:clrMapOvr>
-</p:sldLayout>
-</file>
-
-<file path=ppt/slideLayouts/slideLayout6.xml><?xml version="1.0" encoding="utf-8"?>
-<p:sldLayout xmlns:a="http://schemas.openxmlformats.org/drawingml/2006/main" xmlns:r="http://schemas.openxmlformats.org/officeDocument/2006/relationships" xmlns:p="http://schemas.openxmlformats.org/presentationml/2006/main" preserve="1" userDrawn="1">
-  <p:cSld name="Two Content and Caption Right">
-    <p:bg>
-      <p:bgPr>
-        <a:solidFill>
-          <a:schemeClr val="bg1"/>
-        </a:solidFill>
-        <a:effectLst/>
-      </p:bgPr>
-    </p:bg>
-    <p:spTree>
-      <p:nvGrpSpPr>
-        <p:cNvPr id="1" name=""/>
-        <p:cNvGrpSpPr/>
-        <p:nvPr/>
-      </p:nvGrpSpPr>
-      <p:grpSpPr>
-        <a:xfrm>
-          <a:off x="0" y="0"/>
-          <a:ext cx="0" cy="0"/>
-          <a:chOff x="0" y="0"/>
-          <a:chExt cx="0" cy="0"/>
-        </a:xfrm>
-      </p:grpSpPr>
-      <p:sp>
-        <p:nvSpPr>
-          <p:cNvPr id="5" name="Date Placeholder 4">
-            <a:extLst>
-              <a:ext uri="{FF2B5EF4-FFF2-40B4-BE49-F238E27FC236}">
-                <a16:creationId xmlns:a16="http://schemas.microsoft.com/office/drawing/2014/main" id="{985F3433-3055-4279-A232-CDB35C481677}"/>
-              </a:ext>
-            </a:extLst>
-          </p:cNvPr>
-          <p:cNvSpPr>
-            <a:spLocks noGrp="1"/>
-          </p:cNvSpPr>
-          <p:nvPr>
-            <p:ph type="dt" sz="half" idx="10"/>
-          </p:nvPr>
-        </p:nvSpPr>
-        <p:spPr>
-          <a:xfrm>
-            <a:off x="692434" y="6356350"/>
-            <a:ext cx="1174141" cy="365125"/>
-          </a:xfrm>
-          <a:prstGeom prst="rect">
-            <a:avLst/>
-          </a:prstGeom>
-        </p:spPr>
-        <p:txBody>
-          <a:bodyPr/>
-          <a:lstStyle/>
-          <a:p>
-            <a:fld id="{57B4F576-FC99-4961-BD4C-E8B281EB9C39}" type="datetime1">
-              <a:rPr lang="en-US" smtClean="0"/>
-              <a:t>1/11/2021</a:t>
-            </a:fld>
-            <a:endParaRPr lang="en-US"/>
-          </a:p>
-        </p:txBody>
-      </p:sp>
-      <p:sp>
-        <p:nvSpPr>
-          <p:cNvPr id="6" name="Footer Placeholder 5">
-            <a:extLst>
-              <a:ext uri="{FF2B5EF4-FFF2-40B4-BE49-F238E27FC236}">
-                <a16:creationId xmlns:a16="http://schemas.microsoft.com/office/drawing/2014/main" id="{C4190A63-5D67-4FD5-97FD-79F7445B6A2E}"/>
-              </a:ext>
-            </a:extLst>
-          </p:cNvPr>
-          <p:cNvSpPr>
-            <a:spLocks noGrp="1"/>
-          </p:cNvSpPr>
-          <p:nvPr>
-            <p:ph type="ftr" sz="quarter" idx="11"/>
-          </p:nvPr>
-        </p:nvSpPr>
-        <p:spPr/>
-        <p:txBody>
-          <a:bodyPr/>
-          <a:lstStyle/>
-          <a:p>
-            <a:endParaRPr lang="en-US"/>
-          </a:p>
-        </p:txBody>
-      </p:sp>
-      <p:sp>
-        <p:nvSpPr>
-          <p:cNvPr id="7" name="Slide Number Placeholder 6">
-            <a:extLst>
-              <a:ext uri="{FF2B5EF4-FFF2-40B4-BE49-F238E27FC236}">
-                <a16:creationId xmlns:a16="http://schemas.microsoft.com/office/drawing/2014/main" id="{D2687DAE-A442-4DC3-8550-20F58B781EC7}"/>
-              </a:ext>
-            </a:extLst>
-          </p:cNvPr>
-          <p:cNvSpPr>
-            <a:spLocks noGrp="1"/>
-          </p:cNvSpPr>
-          <p:nvPr>
-            <p:ph type="sldNum" sz="quarter" idx="12"/>
-          </p:nvPr>
-        </p:nvSpPr>
-        <p:spPr/>
-        <p:txBody>
-          <a:bodyPr/>
-          <a:lstStyle/>
-          <a:p>
-            <a:fld id="{C064A79B-B315-413E-88BB-EFE0B5D603D0}" type="slidenum">
-              <a:rPr lang="en-US" smtClean="0"/>
-              <a:t>‹#›</a:t>
-            </a:fld>
-            <a:endParaRPr lang="en-US"/>
-          </a:p>
-        </p:txBody>
-      </p:sp>
-      <p:sp>
-        <p:nvSpPr>
-          <p:cNvPr id="9" name="Title 1">
-            <a:extLst>
-              <a:ext uri="{FF2B5EF4-FFF2-40B4-BE49-F238E27FC236}">
-                <a16:creationId xmlns:a16="http://schemas.microsoft.com/office/drawing/2014/main" id="{177E17F1-D3B2-42A6-9982-8788655386CF}"/>
-              </a:ext>
-            </a:extLst>
-          </p:cNvPr>
-          <p:cNvSpPr>
-            <a:spLocks noGrp="1"/>
-          </p:cNvSpPr>
-          <p:nvPr>
-            <p:ph type="title"/>
-          </p:nvPr>
-        </p:nvSpPr>
-        <p:spPr>
-          <a:xfrm>
-            <a:off x="0" y="1"/>
-            <a:ext cx="9144000" cy="1013635"/>
-          </a:xfrm>
-          <a:solidFill>
-            <a:srgbClr val="0070C0"/>
-          </a:solidFill>
-        </p:spPr>
-        <p:txBody>
-          <a:bodyPr/>
-          <a:lstStyle>
-            <a:lvl1pPr>
-              <a:defRPr lang="en-US" dirty="0"/>
-            </a:lvl1pPr>
-          </a:lstStyle>
-          <a:p>
-            <a:r>
-              <a:rPr lang="en-US" dirty="0"/>
-              <a:t>Click to edit Master title style</a:t>
-            </a:r>
-          </a:p>
-        </p:txBody>
-      </p:sp>
-      <p:sp>
-        <p:nvSpPr>
-          <p:cNvPr id="10" name="Content Placeholder 2">
-            <a:extLst>
-              <a:ext uri="{FF2B5EF4-FFF2-40B4-BE49-F238E27FC236}">
-                <a16:creationId xmlns:a16="http://schemas.microsoft.com/office/drawing/2014/main" id="{F1A58CC4-526C-4991-898F-C0879D5343E8}"/>
-              </a:ext>
-            </a:extLst>
-          </p:cNvPr>
-          <p:cNvSpPr>
-            <a:spLocks noGrp="1"/>
-          </p:cNvSpPr>
-          <p:nvPr>
-            <p:ph sz="half" idx="1"/>
-          </p:nvPr>
-        </p:nvSpPr>
-        <p:spPr>
-          <a:xfrm>
-            <a:off x="187892" y="1205547"/>
-            <a:ext cx="3231584" cy="4971416"/>
-          </a:xfrm>
-        </p:spPr>
-        <p:txBody>
-          <a:bodyPr/>
-          <a:lstStyle/>
-          <a:p>
-            <a:pPr lvl="0"/>
-            <a:r>
-              <a:rPr lang="en-US"/>
-              <a:t>Click to edit Master text styles</a:t>
-            </a:r>
-          </a:p>
-          <a:p>
-            <a:pPr lvl="1"/>
-            <a:r>
-              <a:rPr lang="en-US"/>
-              <a:t>Second level</a:t>
-            </a:r>
-          </a:p>
-          <a:p>
-            <a:pPr lvl="2"/>
-            <a:r>
-              <a:rPr lang="en-US"/>
-              <a:t>Third level</a:t>
-            </a:r>
-          </a:p>
-          <a:p>
-            <a:pPr lvl="3"/>
-            <a:r>
-              <a:rPr lang="en-US"/>
-              <a:t>Fourth level</a:t>
-            </a:r>
-          </a:p>
-          <a:p>
-            <a:pPr lvl="4"/>
-            <a:r>
-              <a:rPr lang="en-US"/>
-              <a:t>Fifth level</a:t>
-            </a:r>
-          </a:p>
-        </p:txBody>
-      </p:sp>
-      <p:sp>
-        <p:nvSpPr>
-          <p:cNvPr id="11" name="Content Placeholder 3">
-            <a:extLst>
-              <a:ext uri="{FF2B5EF4-FFF2-40B4-BE49-F238E27FC236}">
-                <a16:creationId xmlns:a16="http://schemas.microsoft.com/office/drawing/2014/main" id="{CB008E43-F727-4C47-9855-9440A412ACCB}"/>
-              </a:ext>
-            </a:extLst>
-          </p:cNvPr>
-          <p:cNvSpPr>
-            <a:spLocks noGrp="1"/>
-          </p:cNvSpPr>
-          <p:nvPr>
-            <p:ph sz="half" idx="2"/>
-          </p:nvPr>
-        </p:nvSpPr>
-        <p:spPr>
-          <a:xfrm>
-            <a:off x="3514726" y="1205548"/>
-            <a:ext cx="5410070" cy="4446906"/>
-          </a:xfrm>
-        </p:spPr>
-        <p:txBody>
-          <a:bodyPr/>
-          <a:lstStyle/>
-          <a:p>
-            <a:pPr lvl="0"/>
-            <a:r>
-              <a:rPr lang="en-US"/>
-              <a:t>Click to edit Master text styles</a:t>
-            </a:r>
-          </a:p>
-          <a:p>
-            <a:pPr lvl="1"/>
-            <a:r>
-              <a:rPr lang="en-US"/>
-              <a:t>Second level</a:t>
-            </a:r>
-          </a:p>
-          <a:p>
-            <a:pPr lvl="2"/>
-            <a:r>
-              <a:rPr lang="en-US"/>
-              <a:t>Third level</a:t>
-            </a:r>
-          </a:p>
-          <a:p>
-            <a:pPr lvl="3"/>
-            <a:r>
-              <a:rPr lang="en-US"/>
-              <a:t>Fourth level</a:t>
-            </a:r>
-          </a:p>
-          <a:p>
-            <a:pPr lvl="4"/>
-            <a:r>
-              <a:rPr lang="en-US"/>
-              <a:t>Fifth level</a:t>
-            </a:r>
-          </a:p>
-        </p:txBody>
-      </p:sp>
-      <p:sp>
-        <p:nvSpPr>
-          <p:cNvPr id="3" name="Text Placeholder 2">
-            <a:extLst>
-              <a:ext uri="{FF2B5EF4-FFF2-40B4-BE49-F238E27FC236}">
-                <a16:creationId xmlns:a16="http://schemas.microsoft.com/office/drawing/2014/main" id="{B6810FF5-0B9C-4441-B73D-B10146FB8996}"/>
-              </a:ext>
-            </a:extLst>
-          </p:cNvPr>
-          <p:cNvSpPr>
-            <a:spLocks noGrp="1"/>
-          </p:cNvSpPr>
-          <p:nvPr>
-            <p:ph type="body" sz="quarter" idx="13"/>
-          </p:nvPr>
-        </p:nvSpPr>
-        <p:spPr>
-          <a:xfrm>
-            <a:off x="3514727" y="5731330"/>
-            <a:ext cx="5410070" cy="445634"/>
-          </a:xfrm>
-        </p:spPr>
-        <p:txBody>
-          <a:bodyPr/>
-          <a:lstStyle>
-            <a:lvl1pPr marL="0" indent="0">
-              <a:buFont typeface="Arial" panose="020B0604020202020204" pitchFamily="34" charset="0"/>
-              <a:buNone/>
-              <a:defRPr sz="900"/>
-            </a:lvl1pPr>
-            <a:lvl2pPr marL="342900" indent="0">
-              <a:buFont typeface="Arial" panose="020B0604020202020204" pitchFamily="34" charset="0"/>
-              <a:buNone/>
-              <a:defRPr sz="825"/>
-            </a:lvl2pPr>
-            <a:lvl3pPr marL="685800" indent="0">
-              <a:buFont typeface="Arial" panose="020B0604020202020204" pitchFamily="34" charset="0"/>
-              <a:buNone/>
-              <a:defRPr sz="788"/>
-            </a:lvl3pPr>
-            <a:lvl4pPr marL="1028700" indent="0">
-              <a:buFont typeface="Arial" panose="020B0604020202020204" pitchFamily="34" charset="0"/>
-              <a:buNone/>
-              <a:defRPr sz="750"/>
-            </a:lvl4pPr>
-            <a:lvl5pPr marL="1371600" indent="0">
-              <a:buFont typeface="Arial" panose="020B0604020202020204" pitchFamily="34" charset="0"/>
-              <a:buNone/>
-              <a:defRPr sz="750"/>
-            </a:lvl5pPr>
-          </a:lstStyle>
-          <a:p>
-            <a:pPr lvl="0"/>
-            <a:r>
-              <a:rPr lang="en-US" dirty="0"/>
-              <a:t>Click to edit Master text styles</a:t>
-            </a:r>
-          </a:p>
-          <a:p>
-            <a:pPr lvl="1"/>
-            <a:r>
-              <a:rPr lang="en-US" dirty="0"/>
-              <a:t>Second level</a:t>
-            </a:r>
-          </a:p>
-          <a:p>
-            <a:pPr lvl="2"/>
-            <a:r>
-              <a:rPr lang="en-US" dirty="0"/>
-              <a:t>Third level</a:t>
-            </a:r>
-          </a:p>
-          <a:p>
-            <a:pPr lvl="3"/>
-            <a:r>
-              <a:rPr lang="en-US" dirty="0"/>
-              <a:t>Fourth level</a:t>
-            </a:r>
-          </a:p>
-          <a:p>
-            <a:pPr lvl="4"/>
-            <a:r>
-              <a:rPr lang="en-US" dirty="0"/>
-              <a:t>Fifth level</a:t>
-            </a:r>
-            <a:endParaRPr lang="en-CH" dirty="0"/>
-          </a:p>
-        </p:txBody>
-      </p:sp>
-    </p:spTree>
-    <p:extLst>
-      <p:ext uri="{BB962C8B-B14F-4D97-AF65-F5344CB8AC3E}">
-        <p14:creationId xmlns:p14="http://schemas.microsoft.com/office/powerpoint/2010/main" val="3584477701"/>
-      </p:ext>
-    </p:extLst>
-  </p:cSld>
-  <p:clrMapOvr>
-    <a:masterClrMapping/>
-  </p:clrMapOvr>
-</p:sldLayout>
-</file>
-
-<file path=ppt/slideLayouts/slideLayout7.xml><?xml version="1.0" encoding="utf-8"?>
-<p:sldLayout xmlns:a="http://schemas.openxmlformats.org/drawingml/2006/main" xmlns:r="http://schemas.openxmlformats.org/officeDocument/2006/relationships" xmlns:p="http://schemas.openxmlformats.org/presentationml/2006/main" preserve="1" userDrawn="1">
-  <p:cSld name="Two Content and Caption Left">
-    <p:bg>
-      <p:bgPr>
-        <a:solidFill>
-          <a:schemeClr val="bg1"/>
-        </a:solidFill>
-        <a:effectLst/>
-      </p:bgPr>
-    </p:bg>
-    <p:spTree>
-      <p:nvGrpSpPr>
-        <p:cNvPr id="1" name=""/>
-        <p:cNvGrpSpPr/>
-        <p:nvPr/>
-      </p:nvGrpSpPr>
-      <p:grpSpPr>
-        <a:xfrm>
-          <a:off x="0" y="0"/>
-          <a:ext cx="0" cy="0"/>
-          <a:chOff x="0" y="0"/>
-          <a:chExt cx="0" cy="0"/>
-        </a:xfrm>
-      </p:grpSpPr>
-      <p:sp>
-        <p:nvSpPr>
-          <p:cNvPr id="5" name="Date Placeholder 4">
-            <a:extLst>
-              <a:ext uri="{FF2B5EF4-FFF2-40B4-BE49-F238E27FC236}">
-                <a16:creationId xmlns:a16="http://schemas.microsoft.com/office/drawing/2014/main" id="{985F3433-3055-4279-A232-CDB35C481677}"/>
-              </a:ext>
-            </a:extLst>
-          </p:cNvPr>
-          <p:cNvSpPr>
-            <a:spLocks noGrp="1"/>
-          </p:cNvSpPr>
-          <p:nvPr>
-            <p:ph type="dt" sz="half" idx="10"/>
-          </p:nvPr>
-        </p:nvSpPr>
-        <p:spPr>
-          <a:xfrm>
-            <a:off x="692434" y="6356350"/>
-            <a:ext cx="1174141" cy="365125"/>
-          </a:xfrm>
-          <a:prstGeom prst="rect">
-            <a:avLst/>
-          </a:prstGeom>
-        </p:spPr>
-        <p:txBody>
-          <a:bodyPr/>
-          <a:lstStyle/>
-          <a:p>
-            <a:fld id="{F55EAF3D-9CFA-4FC9-AA0C-DF7E220E11CA}" type="datetime1">
-              <a:rPr lang="en-US" smtClean="0"/>
-              <a:t>1/11/2021</a:t>
-            </a:fld>
-            <a:endParaRPr lang="en-US"/>
-          </a:p>
-        </p:txBody>
-      </p:sp>
-      <p:sp>
-        <p:nvSpPr>
-          <p:cNvPr id="6" name="Footer Placeholder 5">
-            <a:extLst>
-              <a:ext uri="{FF2B5EF4-FFF2-40B4-BE49-F238E27FC236}">
-                <a16:creationId xmlns:a16="http://schemas.microsoft.com/office/drawing/2014/main" id="{C4190A63-5D67-4FD5-97FD-79F7445B6A2E}"/>
-              </a:ext>
-            </a:extLst>
-          </p:cNvPr>
-          <p:cNvSpPr>
-            <a:spLocks noGrp="1"/>
-          </p:cNvSpPr>
-          <p:nvPr>
-            <p:ph type="ftr" sz="quarter" idx="11"/>
-          </p:nvPr>
-        </p:nvSpPr>
-        <p:spPr/>
-        <p:txBody>
-          <a:bodyPr/>
-          <a:lstStyle/>
-          <a:p>
-            <a:endParaRPr lang="en-US"/>
-          </a:p>
-        </p:txBody>
-      </p:sp>
-      <p:sp>
-        <p:nvSpPr>
-          <p:cNvPr id="7" name="Slide Number Placeholder 6">
-            <a:extLst>
-              <a:ext uri="{FF2B5EF4-FFF2-40B4-BE49-F238E27FC236}">
-                <a16:creationId xmlns:a16="http://schemas.microsoft.com/office/drawing/2014/main" id="{D2687DAE-A442-4DC3-8550-20F58B781EC7}"/>
-              </a:ext>
-            </a:extLst>
-          </p:cNvPr>
-          <p:cNvSpPr>
-            <a:spLocks noGrp="1"/>
-          </p:cNvSpPr>
-          <p:nvPr>
-            <p:ph type="sldNum" sz="quarter" idx="12"/>
-          </p:nvPr>
-        </p:nvSpPr>
-        <p:spPr/>
-        <p:txBody>
-          <a:bodyPr/>
-          <a:lstStyle/>
-          <a:p>
-            <a:fld id="{C064A79B-B315-413E-88BB-EFE0B5D603D0}" type="slidenum">
-              <a:rPr lang="en-US" smtClean="0"/>
-              <a:t>‹#›</a:t>
-            </a:fld>
-            <a:endParaRPr lang="en-US"/>
-          </a:p>
-        </p:txBody>
-      </p:sp>
-      <p:sp>
-        <p:nvSpPr>
-          <p:cNvPr id="9" name="Title 1">
-            <a:extLst>
-              <a:ext uri="{FF2B5EF4-FFF2-40B4-BE49-F238E27FC236}">
-                <a16:creationId xmlns:a16="http://schemas.microsoft.com/office/drawing/2014/main" id="{177E17F1-D3B2-42A6-9982-8788655386CF}"/>
-              </a:ext>
-            </a:extLst>
-          </p:cNvPr>
-          <p:cNvSpPr>
-            <a:spLocks noGrp="1"/>
-          </p:cNvSpPr>
-          <p:nvPr>
-            <p:ph type="title"/>
-          </p:nvPr>
-        </p:nvSpPr>
-        <p:spPr>
-          <a:xfrm>
-            <a:off x="0" y="1"/>
-            <a:ext cx="9144000" cy="1013635"/>
-          </a:xfrm>
-          <a:solidFill>
-            <a:srgbClr val="0070C0"/>
-          </a:solidFill>
-        </p:spPr>
-        <p:txBody>
-          <a:bodyPr/>
-          <a:lstStyle>
-            <a:lvl1pPr>
-              <a:defRPr lang="en-US" dirty="0"/>
-            </a:lvl1pPr>
-          </a:lstStyle>
-          <a:p>
-            <a:r>
-              <a:rPr lang="en-US" dirty="0"/>
-              <a:t>Click to edit Master title style</a:t>
-            </a:r>
-          </a:p>
-        </p:txBody>
-      </p:sp>
-      <p:sp>
-        <p:nvSpPr>
-          <p:cNvPr id="10" name="Content Placeholder 2">
-            <a:extLst>
-              <a:ext uri="{FF2B5EF4-FFF2-40B4-BE49-F238E27FC236}">
-                <a16:creationId xmlns:a16="http://schemas.microsoft.com/office/drawing/2014/main" id="{F1A58CC4-526C-4991-898F-C0879D5343E8}"/>
-              </a:ext>
-            </a:extLst>
-          </p:cNvPr>
-          <p:cNvSpPr>
-            <a:spLocks noGrp="1"/>
-          </p:cNvSpPr>
-          <p:nvPr>
-            <p:ph sz="half" idx="1"/>
-          </p:nvPr>
-        </p:nvSpPr>
-        <p:spPr>
-          <a:xfrm>
-            <a:off x="187891" y="1205547"/>
-            <a:ext cx="5403284" cy="4446906"/>
-          </a:xfrm>
-        </p:spPr>
-        <p:txBody>
-          <a:bodyPr/>
-          <a:lstStyle/>
-          <a:p>
-            <a:pPr lvl="0"/>
-            <a:r>
-              <a:rPr lang="en-US"/>
-              <a:t>Click to edit Master text styles</a:t>
-            </a:r>
-          </a:p>
-          <a:p>
-            <a:pPr lvl="1"/>
-            <a:r>
-              <a:rPr lang="en-US"/>
-              <a:t>Second level</a:t>
-            </a:r>
-          </a:p>
-          <a:p>
-            <a:pPr lvl="2"/>
-            <a:r>
-              <a:rPr lang="en-US"/>
-              <a:t>Third level</a:t>
-            </a:r>
-          </a:p>
-          <a:p>
-            <a:pPr lvl="3"/>
-            <a:r>
-              <a:rPr lang="en-US"/>
-              <a:t>Fourth level</a:t>
-            </a:r>
-          </a:p>
-          <a:p>
-            <a:pPr lvl="4"/>
-            <a:r>
-              <a:rPr lang="en-US"/>
-              <a:t>Fifth level</a:t>
-            </a:r>
-          </a:p>
-        </p:txBody>
-      </p:sp>
-      <p:sp>
-        <p:nvSpPr>
-          <p:cNvPr id="11" name="Content Placeholder 3">
-            <a:extLst>
-              <a:ext uri="{FF2B5EF4-FFF2-40B4-BE49-F238E27FC236}">
-                <a16:creationId xmlns:a16="http://schemas.microsoft.com/office/drawing/2014/main" id="{CB008E43-F727-4C47-9855-9440A412ACCB}"/>
-              </a:ext>
-            </a:extLst>
-          </p:cNvPr>
-          <p:cNvSpPr>
-            <a:spLocks noGrp="1"/>
-          </p:cNvSpPr>
-          <p:nvPr>
-            <p:ph sz="half" idx="2"/>
-          </p:nvPr>
-        </p:nvSpPr>
-        <p:spPr>
-          <a:xfrm>
-            <a:off x="5695950" y="1205548"/>
-            <a:ext cx="3228845" cy="5021670"/>
-          </a:xfrm>
-        </p:spPr>
-        <p:txBody>
-          <a:bodyPr/>
-          <a:lstStyle/>
-          <a:p>
-            <a:pPr lvl="0"/>
-            <a:r>
-              <a:rPr lang="en-US"/>
-              <a:t>Click to edit Master text styles</a:t>
-            </a:r>
-          </a:p>
-          <a:p>
-            <a:pPr lvl="1"/>
-            <a:r>
-              <a:rPr lang="en-US"/>
-              <a:t>Second level</a:t>
-            </a:r>
-          </a:p>
-          <a:p>
-            <a:pPr lvl="2"/>
-            <a:r>
-              <a:rPr lang="en-US"/>
-              <a:t>Third level</a:t>
-            </a:r>
-          </a:p>
-          <a:p>
-            <a:pPr lvl="3"/>
-            <a:r>
-              <a:rPr lang="en-US"/>
-              <a:t>Fourth level</a:t>
-            </a:r>
-          </a:p>
-          <a:p>
-            <a:pPr lvl="4"/>
-            <a:r>
-              <a:rPr lang="en-US"/>
-              <a:t>Fifth level</a:t>
-            </a:r>
-          </a:p>
-        </p:txBody>
-      </p:sp>
-      <p:sp>
-        <p:nvSpPr>
-          <p:cNvPr id="3" name="Text Placeholder 2">
-            <a:extLst>
-              <a:ext uri="{FF2B5EF4-FFF2-40B4-BE49-F238E27FC236}">
-                <a16:creationId xmlns:a16="http://schemas.microsoft.com/office/drawing/2014/main" id="{B6810FF5-0B9C-4441-B73D-B10146FB8996}"/>
-              </a:ext>
-            </a:extLst>
-          </p:cNvPr>
-          <p:cNvSpPr>
-            <a:spLocks noGrp="1"/>
-          </p:cNvSpPr>
-          <p:nvPr>
-            <p:ph type="body" sz="quarter" idx="13"/>
-          </p:nvPr>
-        </p:nvSpPr>
-        <p:spPr>
-          <a:xfrm>
-            <a:off x="187891" y="5781584"/>
-            <a:ext cx="5403284" cy="445634"/>
-          </a:xfrm>
-        </p:spPr>
-        <p:txBody>
-          <a:bodyPr/>
-          <a:lstStyle>
-            <a:lvl1pPr marL="0" indent="0">
-              <a:buFont typeface="Arial" panose="020B0604020202020204" pitchFamily="34" charset="0"/>
-              <a:buNone/>
-              <a:defRPr sz="900"/>
-            </a:lvl1pPr>
-            <a:lvl2pPr marL="342900" indent="0">
-              <a:buFont typeface="Arial" panose="020B0604020202020204" pitchFamily="34" charset="0"/>
-              <a:buNone/>
-              <a:defRPr sz="825"/>
-            </a:lvl2pPr>
-            <a:lvl3pPr marL="685800" indent="0">
-              <a:buFont typeface="Arial" panose="020B0604020202020204" pitchFamily="34" charset="0"/>
-              <a:buNone/>
-              <a:defRPr sz="788"/>
-            </a:lvl3pPr>
-            <a:lvl4pPr marL="1028700" indent="0">
-              <a:buFont typeface="Arial" panose="020B0604020202020204" pitchFamily="34" charset="0"/>
-              <a:buNone/>
-              <a:defRPr sz="750"/>
-            </a:lvl4pPr>
-            <a:lvl5pPr marL="1371600" indent="0">
-              <a:buFont typeface="Arial" panose="020B0604020202020204" pitchFamily="34" charset="0"/>
-              <a:buNone/>
-              <a:defRPr sz="750"/>
-            </a:lvl5pPr>
-          </a:lstStyle>
-          <a:p>
-            <a:pPr lvl="0"/>
-            <a:r>
-              <a:rPr lang="en-US" dirty="0"/>
-              <a:t>Click to edit Master text styles</a:t>
-            </a:r>
-          </a:p>
-          <a:p>
-            <a:pPr lvl="1"/>
-            <a:r>
-              <a:rPr lang="en-US" dirty="0"/>
-              <a:t>Second level</a:t>
-            </a:r>
-          </a:p>
-          <a:p>
-            <a:pPr lvl="2"/>
-            <a:r>
-              <a:rPr lang="en-US" dirty="0"/>
-              <a:t>Third level</a:t>
-            </a:r>
-          </a:p>
-          <a:p>
-            <a:pPr lvl="3"/>
-            <a:r>
-              <a:rPr lang="en-US" dirty="0"/>
-              <a:t>Fourth level</a:t>
-            </a:r>
-          </a:p>
-          <a:p>
-            <a:pPr lvl="4"/>
-            <a:r>
-              <a:rPr lang="en-US" dirty="0"/>
-              <a:t>Fifth level</a:t>
-            </a:r>
-            <a:endParaRPr lang="en-CH" dirty="0"/>
-          </a:p>
-        </p:txBody>
-      </p:sp>
-    </p:spTree>
-    <p:extLst>
-      <p:ext uri="{BB962C8B-B14F-4D97-AF65-F5344CB8AC3E}">
-        <p14:creationId xmlns:p14="http://schemas.microsoft.com/office/powerpoint/2010/main" val="3059227006"/>
-      </p:ext>
-    </p:extLst>
-  </p:cSld>
-  <p:clrMapOvr>
-    <a:masterClrMapping/>
-  </p:clrMapOvr>
-</p:sldLayout>
-</file>
-
-<file path=ppt/slideLayouts/slideLayout8.xml><?xml version="1.0" encoding="utf-8"?>
 <p:sldLayout xmlns:a="http://schemas.openxmlformats.org/drawingml/2006/main" xmlns:r="http://schemas.openxmlformats.org/officeDocument/2006/relationships" xmlns:p="http://schemas.openxmlformats.org/presentationml/2006/main" preserve="1" userDrawn="1">
   <p:cSld name="Two Content and Caption">
     <p:bg>
@@ -4336,35 +1160,35 @@
           <a:p>
             <a:pPr lvl="0"/>
             <a:r>
-              <a:rPr lang="en-US"/>
+              <a:rPr lang="en-US" dirty="0"/>
               <a:t>Click to edit Master text styles</a:t>
             </a:r>
           </a:p>
           <a:p>
             <a:pPr lvl="1"/>
             <a:r>
-              <a:rPr lang="en-US"/>
+              <a:rPr lang="en-US" dirty="0"/>
               <a:t>Second level</a:t>
             </a:r>
           </a:p>
           <a:p>
             <a:pPr lvl="2"/>
             <a:r>
-              <a:rPr lang="en-US"/>
+              <a:rPr lang="en-US" dirty="0"/>
               <a:t>Third level</a:t>
             </a:r>
           </a:p>
           <a:p>
             <a:pPr lvl="3"/>
             <a:r>
-              <a:rPr lang="en-US"/>
+              <a:rPr lang="en-US" dirty="0"/>
               <a:t>Fourth level</a:t>
             </a:r>
           </a:p>
           <a:p>
             <a:pPr lvl="4"/>
             <a:r>
-              <a:rPr lang="en-US"/>
+              <a:rPr lang="en-US" dirty="0"/>
               <a:t>Fifth level</a:t>
             </a:r>
           </a:p>
@@ -4563,7 +1387,7 @@
 </p:sldLayout>
 </file>
 
-<file path=ppt/slideLayouts/slideLayout9.xml><?xml version="1.0" encoding="utf-8"?>
+<file path=ppt/slideLayouts/slideLayout11.xml><?xml version="1.0" encoding="utf-8"?>
 <p:sldLayout xmlns:a="http://schemas.openxmlformats.org/drawingml/2006/main" xmlns:r="http://schemas.openxmlformats.org/officeDocument/2006/relationships" xmlns:p="http://schemas.openxmlformats.org/presentationml/2006/main" type="twoTxTwoObj" preserve="1">
   <p:cSld name="Comparison">
     <p:spTree>
@@ -4983,6 +1807,3784 @@
 </p:sldLayout>
 </file>
 
+<file path=ppt/slideLayouts/slideLayout12.xml><?xml version="1.0" encoding="utf-8"?>
+<p:sldLayout xmlns:a="http://schemas.openxmlformats.org/drawingml/2006/main" xmlns:r="http://schemas.openxmlformats.org/officeDocument/2006/relationships" xmlns:p="http://schemas.openxmlformats.org/presentationml/2006/main" type="titleOnly" preserve="1">
+  <p:cSld name="Title Only">
+    <p:spTree>
+      <p:nvGrpSpPr>
+        <p:cNvPr id="1" name=""/>
+        <p:cNvGrpSpPr/>
+        <p:nvPr/>
+      </p:nvGrpSpPr>
+      <p:grpSpPr>
+        <a:xfrm>
+          <a:off x="0" y="0"/>
+          <a:ext cx="0" cy="0"/>
+          <a:chOff x="0" y="0"/>
+          <a:chExt cx="0" cy="0"/>
+        </a:xfrm>
+      </p:grpSpPr>
+      <p:sp>
+        <p:nvSpPr>
+          <p:cNvPr id="2" name="Title 1">
+            <a:extLst>
+              <a:ext uri="{FF2B5EF4-FFF2-40B4-BE49-F238E27FC236}">
+                <a16:creationId xmlns:a16="http://schemas.microsoft.com/office/drawing/2014/main" id="{848FB276-42C6-48C4-A2D0-A097A7FD213F}"/>
+              </a:ext>
+            </a:extLst>
+          </p:cNvPr>
+          <p:cNvSpPr>
+            <a:spLocks noGrp="1"/>
+          </p:cNvSpPr>
+          <p:nvPr>
+            <p:ph type="title"/>
+          </p:nvPr>
+        </p:nvSpPr>
+        <p:spPr>
+          <a:xfrm>
+            <a:off x="0" y="2212522"/>
+            <a:ext cx="6435247" cy="1506735"/>
+          </a:xfrm>
+          <a:solidFill>
+            <a:srgbClr val="0070C0"/>
+          </a:solidFill>
+        </p:spPr>
+        <p:txBody>
+          <a:bodyPr lIns="457200" rIns="91440"/>
+          <a:lstStyle>
+            <a:lvl1pPr>
+              <a:defRPr>
+                <a:solidFill>
+                  <a:schemeClr val="bg1"/>
+                </a:solidFill>
+              </a:defRPr>
+            </a:lvl1pPr>
+          </a:lstStyle>
+          <a:p>
+            <a:r>
+              <a:rPr lang="en-US" dirty="0"/>
+              <a:t>Click to edit Master title style</a:t>
+            </a:r>
+          </a:p>
+        </p:txBody>
+      </p:sp>
+      <p:sp>
+        <p:nvSpPr>
+          <p:cNvPr id="3" name="Date Placeholder 2">
+            <a:extLst>
+              <a:ext uri="{FF2B5EF4-FFF2-40B4-BE49-F238E27FC236}">
+                <a16:creationId xmlns:a16="http://schemas.microsoft.com/office/drawing/2014/main" id="{66B95676-139F-437C-84CA-5CF7DDD4E723}"/>
+              </a:ext>
+            </a:extLst>
+          </p:cNvPr>
+          <p:cNvSpPr>
+            <a:spLocks noGrp="1"/>
+          </p:cNvSpPr>
+          <p:nvPr>
+            <p:ph type="dt" sz="half" idx="10"/>
+          </p:nvPr>
+        </p:nvSpPr>
+        <p:spPr>
+          <a:xfrm>
+            <a:off x="692434" y="6356350"/>
+            <a:ext cx="1174141" cy="365125"/>
+          </a:xfrm>
+          <a:prstGeom prst="rect">
+            <a:avLst/>
+          </a:prstGeom>
+        </p:spPr>
+        <p:txBody>
+          <a:bodyPr/>
+          <a:lstStyle/>
+          <a:p>
+            <a:fld id="{FE4BCB95-AB5B-4A5C-9110-200EF78E4778}" type="datetime1">
+              <a:rPr lang="en-US" smtClean="0"/>
+              <a:t>1/11/2021</a:t>
+            </a:fld>
+            <a:endParaRPr lang="en-US"/>
+          </a:p>
+        </p:txBody>
+      </p:sp>
+      <p:sp>
+        <p:nvSpPr>
+          <p:cNvPr id="4" name="Footer Placeholder 3">
+            <a:extLst>
+              <a:ext uri="{FF2B5EF4-FFF2-40B4-BE49-F238E27FC236}">
+                <a16:creationId xmlns:a16="http://schemas.microsoft.com/office/drawing/2014/main" id="{049420A2-E1DF-4D49-99F2-D3EB982FF739}"/>
+              </a:ext>
+            </a:extLst>
+          </p:cNvPr>
+          <p:cNvSpPr>
+            <a:spLocks noGrp="1"/>
+          </p:cNvSpPr>
+          <p:nvPr>
+            <p:ph type="ftr" sz="quarter" idx="11"/>
+          </p:nvPr>
+        </p:nvSpPr>
+        <p:spPr/>
+        <p:txBody>
+          <a:bodyPr/>
+          <a:lstStyle/>
+          <a:p>
+            <a:endParaRPr lang="en-US"/>
+          </a:p>
+        </p:txBody>
+      </p:sp>
+      <p:sp>
+        <p:nvSpPr>
+          <p:cNvPr id="5" name="Slide Number Placeholder 4">
+            <a:extLst>
+              <a:ext uri="{FF2B5EF4-FFF2-40B4-BE49-F238E27FC236}">
+                <a16:creationId xmlns:a16="http://schemas.microsoft.com/office/drawing/2014/main" id="{25D7E900-54AE-43E4-BB83-C5789362427E}"/>
+              </a:ext>
+            </a:extLst>
+          </p:cNvPr>
+          <p:cNvSpPr>
+            <a:spLocks noGrp="1"/>
+          </p:cNvSpPr>
+          <p:nvPr>
+            <p:ph type="sldNum" sz="quarter" idx="12"/>
+          </p:nvPr>
+        </p:nvSpPr>
+        <p:spPr/>
+        <p:txBody>
+          <a:bodyPr/>
+          <a:lstStyle/>
+          <a:p>
+            <a:fld id="{C064A79B-B315-413E-88BB-EFE0B5D603D0}" type="slidenum">
+              <a:rPr lang="en-US" smtClean="0"/>
+              <a:t>‹#›</a:t>
+            </a:fld>
+            <a:endParaRPr lang="en-US"/>
+          </a:p>
+        </p:txBody>
+      </p:sp>
+    </p:spTree>
+    <p:extLst>
+      <p:ext uri="{BB962C8B-B14F-4D97-AF65-F5344CB8AC3E}">
+        <p14:creationId xmlns:p14="http://schemas.microsoft.com/office/powerpoint/2010/main" val="613510077"/>
+      </p:ext>
+    </p:extLst>
+  </p:cSld>
+  <p:clrMapOvr>
+    <a:masterClrMapping/>
+  </p:clrMapOvr>
+</p:sldLayout>
+</file>
+
+<file path=ppt/slideLayouts/slideLayout13.xml><?xml version="1.0" encoding="utf-8"?>
+<p:sldLayout xmlns:a="http://schemas.openxmlformats.org/drawingml/2006/main" xmlns:r="http://schemas.openxmlformats.org/officeDocument/2006/relationships" xmlns:p="http://schemas.openxmlformats.org/presentationml/2006/main" type="blank" preserve="1">
+  <p:cSld name="Blank">
+    <p:spTree>
+      <p:nvGrpSpPr>
+        <p:cNvPr id="1" name=""/>
+        <p:cNvGrpSpPr/>
+        <p:nvPr/>
+      </p:nvGrpSpPr>
+      <p:grpSpPr>
+        <a:xfrm>
+          <a:off x="0" y="0"/>
+          <a:ext cx="0" cy="0"/>
+          <a:chOff x="0" y="0"/>
+          <a:chExt cx="0" cy="0"/>
+        </a:xfrm>
+      </p:grpSpPr>
+      <p:sp>
+        <p:nvSpPr>
+          <p:cNvPr id="2" name="Date Placeholder 1">
+            <a:extLst>
+              <a:ext uri="{FF2B5EF4-FFF2-40B4-BE49-F238E27FC236}">
+                <a16:creationId xmlns:a16="http://schemas.microsoft.com/office/drawing/2014/main" id="{64C27AEB-BB7C-4254-8707-325AA89D03CE}"/>
+              </a:ext>
+            </a:extLst>
+          </p:cNvPr>
+          <p:cNvSpPr>
+            <a:spLocks noGrp="1"/>
+          </p:cNvSpPr>
+          <p:nvPr>
+            <p:ph type="dt" sz="half" idx="10"/>
+          </p:nvPr>
+        </p:nvSpPr>
+        <p:spPr>
+          <a:xfrm>
+            <a:off x="692434" y="6356350"/>
+            <a:ext cx="1174141" cy="365125"/>
+          </a:xfrm>
+          <a:prstGeom prst="rect">
+            <a:avLst/>
+          </a:prstGeom>
+        </p:spPr>
+        <p:txBody>
+          <a:bodyPr/>
+          <a:lstStyle/>
+          <a:p>
+            <a:fld id="{17E66974-7B4A-4094-B0D5-4B350890C16B}" type="datetime1">
+              <a:rPr lang="en-US" smtClean="0"/>
+              <a:t>1/11/2021</a:t>
+            </a:fld>
+            <a:endParaRPr lang="en-US"/>
+          </a:p>
+        </p:txBody>
+      </p:sp>
+      <p:sp>
+        <p:nvSpPr>
+          <p:cNvPr id="3" name="Footer Placeholder 2">
+            <a:extLst>
+              <a:ext uri="{FF2B5EF4-FFF2-40B4-BE49-F238E27FC236}">
+                <a16:creationId xmlns:a16="http://schemas.microsoft.com/office/drawing/2014/main" id="{8D5558A9-A9C1-4ED8-A9ED-C4CBE090E4E3}"/>
+              </a:ext>
+            </a:extLst>
+          </p:cNvPr>
+          <p:cNvSpPr>
+            <a:spLocks noGrp="1"/>
+          </p:cNvSpPr>
+          <p:nvPr>
+            <p:ph type="ftr" sz="quarter" idx="11"/>
+          </p:nvPr>
+        </p:nvSpPr>
+        <p:spPr/>
+        <p:txBody>
+          <a:bodyPr/>
+          <a:lstStyle/>
+          <a:p>
+            <a:endParaRPr lang="en-US"/>
+          </a:p>
+        </p:txBody>
+      </p:sp>
+      <p:sp>
+        <p:nvSpPr>
+          <p:cNvPr id="4" name="Slide Number Placeholder 3">
+            <a:extLst>
+              <a:ext uri="{FF2B5EF4-FFF2-40B4-BE49-F238E27FC236}">
+                <a16:creationId xmlns:a16="http://schemas.microsoft.com/office/drawing/2014/main" id="{865ED647-76EB-4236-927F-B7D784169274}"/>
+              </a:ext>
+            </a:extLst>
+          </p:cNvPr>
+          <p:cNvSpPr>
+            <a:spLocks noGrp="1"/>
+          </p:cNvSpPr>
+          <p:nvPr>
+            <p:ph type="sldNum" sz="quarter" idx="12"/>
+          </p:nvPr>
+        </p:nvSpPr>
+        <p:spPr/>
+        <p:txBody>
+          <a:bodyPr/>
+          <a:lstStyle/>
+          <a:p>
+            <a:fld id="{C064A79B-B315-413E-88BB-EFE0B5D603D0}" type="slidenum">
+              <a:rPr lang="en-US" smtClean="0"/>
+              <a:t>‹#›</a:t>
+            </a:fld>
+            <a:endParaRPr lang="en-US"/>
+          </a:p>
+        </p:txBody>
+      </p:sp>
+    </p:spTree>
+    <p:extLst>
+      <p:ext uri="{BB962C8B-B14F-4D97-AF65-F5344CB8AC3E}">
+        <p14:creationId xmlns:p14="http://schemas.microsoft.com/office/powerpoint/2010/main" val="769302454"/>
+      </p:ext>
+    </p:extLst>
+  </p:cSld>
+  <p:clrMapOvr>
+    <a:masterClrMapping/>
+  </p:clrMapOvr>
+</p:sldLayout>
+</file>
+
+<file path=ppt/slideLayouts/slideLayout14.xml><?xml version="1.0" encoding="utf-8"?>
+<p:sldLayout xmlns:a="http://schemas.openxmlformats.org/drawingml/2006/main" xmlns:r="http://schemas.openxmlformats.org/officeDocument/2006/relationships" xmlns:p="http://schemas.openxmlformats.org/presentationml/2006/main" type="objTx" preserve="1">
+  <p:cSld name="Content with Caption">
+    <p:spTree>
+      <p:nvGrpSpPr>
+        <p:cNvPr id="1" name=""/>
+        <p:cNvGrpSpPr/>
+        <p:nvPr/>
+      </p:nvGrpSpPr>
+      <p:grpSpPr>
+        <a:xfrm>
+          <a:off x="0" y="0"/>
+          <a:ext cx="0" cy="0"/>
+          <a:chOff x="0" y="0"/>
+          <a:chExt cx="0" cy="0"/>
+        </a:xfrm>
+      </p:grpSpPr>
+      <p:sp>
+        <p:nvSpPr>
+          <p:cNvPr id="2" name="Title 1">
+            <a:extLst>
+              <a:ext uri="{FF2B5EF4-FFF2-40B4-BE49-F238E27FC236}">
+                <a16:creationId xmlns:a16="http://schemas.microsoft.com/office/drawing/2014/main" id="{3DA724F0-FC25-4442-B0BF-BA8CE018DCC6}"/>
+              </a:ext>
+            </a:extLst>
+          </p:cNvPr>
+          <p:cNvSpPr>
+            <a:spLocks noGrp="1"/>
+          </p:cNvSpPr>
+          <p:nvPr>
+            <p:ph type="title"/>
+          </p:nvPr>
+        </p:nvSpPr>
+        <p:spPr>
+          <a:xfrm>
+            <a:off x="629841" y="457200"/>
+            <a:ext cx="2949178" cy="1600200"/>
+          </a:xfrm>
+        </p:spPr>
+        <p:txBody>
+          <a:bodyPr anchor="b"/>
+          <a:lstStyle>
+            <a:lvl1pPr>
+              <a:defRPr sz="2400"/>
+            </a:lvl1pPr>
+          </a:lstStyle>
+          <a:p>
+            <a:r>
+              <a:rPr lang="en-US"/>
+              <a:t>Click to edit Master title style</a:t>
+            </a:r>
+          </a:p>
+        </p:txBody>
+      </p:sp>
+      <p:sp>
+        <p:nvSpPr>
+          <p:cNvPr id="3" name="Content Placeholder 2">
+            <a:extLst>
+              <a:ext uri="{FF2B5EF4-FFF2-40B4-BE49-F238E27FC236}">
+                <a16:creationId xmlns:a16="http://schemas.microsoft.com/office/drawing/2014/main" id="{988FC00E-6690-4AD8-A046-4B5C64407E0A}"/>
+              </a:ext>
+            </a:extLst>
+          </p:cNvPr>
+          <p:cNvSpPr>
+            <a:spLocks noGrp="1"/>
+          </p:cNvSpPr>
+          <p:nvPr>
+            <p:ph idx="1"/>
+          </p:nvPr>
+        </p:nvSpPr>
+        <p:spPr>
+          <a:xfrm>
+            <a:off x="3887391" y="987426"/>
+            <a:ext cx="4629150" cy="4873625"/>
+          </a:xfrm>
+        </p:spPr>
+        <p:txBody>
+          <a:bodyPr/>
+          <a:lstStyle>
+            <a:lvl1pPr>
+              <a:defRPr sz="2400"/>
+            </a:lvl1pPr>
+            <a:lvl2pPr>
+              <a:defRPr sz="2100"/>
+            </a:lvl2pPr>
+            <a:lvl3pPr>
+              <a:defRPr sz="1800"/>
+            </a:lvl3pPr>
+            <a:lvl4pPr>
+              <a:defRPr sz="1500"/>
+            </a:lvl4pPr>
+            <a:lvl5pPr>
+              <a:defRPr sz="1500"/>
+            </a:lvl5pPr>
+            <a:lvl6pPr>
+              <a:defRPr sz="1500"/>
+            </a:lvl6pPr>
+            <a:lvl7pPr>
+              <a:defRPr sz="1500"/>
+            </a:lvl7pPr>
+            <a:lvl8pPr>
+              <a:defRPr sz="1500"/>
+            </a:lvl8pPr>
+            <a:lvl9pPr>
+              <a:defRPr sz="1500"/>
+            </a:lvl9pPr>
+          </a:lstStyle>
+          <a:p>
+            <a:pPr lvl="0"/>
+            <a:r>
+              <a:rPr lang="en-US" dirty="0"/>
+              <a:t>Click to edit Master text styles</a:t>
+            </a:r>
+          </a:p>
+          <a:p>
+            <a:pPr lvl="1"/>
+            <a:r>
+              <a:rPr lang="en-US" dirty="0"/>
+              <a:t>Second level</a:t>
+            </a:r>
+          </a:p>
+          <a:p>
+            <a:pPr lvl="2"/>
+            <a:r>
+              <a:rPr lang="en-US" dirty="0"/>
+              <a:t>Third level</a:t>
+            </a:r>
+          </a:p>
+          <a:p>
+            <a:pPr lvl="3"/>
+            <a:r>
+              <a:rPr lang="en-US" dirty="0"/>
+              <a:t>Fourth level</a:t>
+            </a:r>
+          </a:p>
+          <a:p>
+            <a:pPr lvl="4"/>
+            <a:r>
+              <a:rPr lang="en-US" dirty="0"/>
+              <a:t>Fifth level</a:t>
+            </a:r>
+          </a:p>
+        </p:txBody>
+      </p:sp>
+      <p:sp>
+        <p:nvSpPr>
+          <p:cNvPr id="4" name="Text Placeholder 3">
+            <a:extLst>
+              <a:ext uri="{FF2B5EF4-FFF2-40B4-BE49-F238E27FC236}">
+                <a16:creationId xmlns:a16="http://schemas.microsoft.com/office/drawing/2014/main" id="{C72E2489-E8B1-4638-8450-E6A93485AC19}"/>
+              </a:ext>
+            </a:extLst>
+          </p:cNvPr>
+          <p:cNvSpPr>
+            <a:spLocks noGrp="1"/>
+          </p:cNvSpPr>
+          <p:nvPr>
+            <p:ph type="body" sz="half" idx="2"/>
+          </p:nvPr>
+        </p:nvSpPr>
+        <p:spPr>
+          <a:xfrm>
+            <a:off x="629841" y="2057400"/>
+            <a:ext cx="2949178" cy="3811588"/>
+          </a:xfrm>
+        </p:spPr>
+        <p:txBody>
+          <a:bodyPr/>
+          <a:lstStyle>
+            <a:lvl1pPr marL="0" indent="0">
+              <a:buNone/>
+              <a:defRPr sz="1200"/>
+            </a:lvl1pPr>
+            <a:lvl2pPr marL="342900" indent="0">
+              <a:buNone/>
+              <a:defRPr sz="1050"/>
+            </a:lvl2pPr>
+            <a:lvl3pPr marL="685800" indent="0">
+              <a:buNone/>
+              <a:defRPr sz="900"/>
+            </a:lvl3pPr>
+            <a:lvl4pPr marL="1028700" indent="0">
+              <a:buNone/>
+              <a:defRPr sz="750"/>
+            </a:lvl4pPr>
+            <a:lvl5pPr marL="1371600" indent="0">
+              <a:buNone/>
+              <a:defRPr sz="750"/>
+            </a:lvl5pPr>
+            <a:lvl6pPr marL="1714500" indent="0">
+              <a:buNone/>
+              <a:defRPr sz="750"/>
+            </a:lvl6pPr>
+            <a:lvl7pPr marL="2057400" indent="0">
+              <a:buNone/>
+              <a:defRPr sz="750"/>
+            </a:lvl7pPr>
+            <a:lvl8pPr marL="2400300" indent="0">
+              <a:buNone/>
+              <a:defRPr sz="750"/>
+            </a:lvl8pPr>
+            <a:lvl9pPr marL="2743200" indent="0">
+              <a:buNone/>
+              <a:defRPr sz="750"/>
+            </a:lvl9pPr>
+          </a:lstStyle>
+          <a:p>
+            <a:pPr lvl="0"/>
+            <a:r>
+              <a:rPr lang="en-US"/>
+              <a:t>Click to edit Master text styles</a:t>
+            </a:r>
+          </a:p>
+        </p:txBody>
+      </p:sp>
+      <p:sp>
+        <p:nvSpPr>
+          <p:cNvPr id="5" name="Date Placeholder 4">
+            <a:extLst>
+              <a:ext uri="{FF2B5EF4-FFF2-40B4-BE49-F238E27FC236}">
+                <a16:creationId xmlns:a16="http://schemas.microsoft.com/office/drawing/2014/main" id="{B82D3769-D87D-4AC3-842D-25FA6FB4636F}"/>
+              </a:ext>
+            </a:extLst>
+          </p:cNvPr>
+          <p:cNvSpPr>
+            <a:spLocks noGrp="1"/>
+          </p:cNvSpPr>
+          <p:nvPr>
+            <p:ph type="dt" sz="half" idx="10"/>
+          </p:nvPr>
+        </p:nvSpPr>
+        <p:spPr>
+          <a:xfrm>
+            <a:off x="692434" y="6356350"/>
+            <a:ext cx="1174141" cy="365125"/>
+          </a:xfrm>
+          <a:prstGeom prst="rect">
+            <a:avLst/>
+          </a:prstGeom>
+        </p:spPr>
+        <p:txBody>
+          <a:bodyPr/>
+          <a:lstStyle/>
+          <a:p>
+            <a:fld id="{4736CA40-B21E-4BC1-BF1D-883E6BE6094B}" type="datetime1">
+              <a:rPr lang="en-US" smtClean="0"/>
+              <a:t>1/11/2021</a:t>
+            </a:fld>
+            <a:endParaRPr lang="en-US"/>
+          </a:p>
+        </p:txBody>
+      </p:sp>
+      <p:sp>
+        <p:nvSpPr>
+          <p:cNvPr id="6" name="Footer Placeholder 5">
+            <a:extLst>
+              <a:ext uri="{FF2B5EF4-FFF2-40B4-BE49-F238E27FC236}">
+                <a16:creationId xmlns:a16="http://schemas.microsoft.com/office/drawing/2014/main" id="{7F72A216-50B5-446A-B870-D3E1EE07A8B0}"/>
+              </a:ext>
+            </a:extLst>
+          </p:cNvPr>
+          <p:cNvSpPr>
+            <a:spLocks noGrp="1"/>
+          </p:cNvSpPr>
+          <p:nvPr>
+            <p:ph type="ftr" sz="quarter" idx="11"/>
+          </p:nvPr>
+        </p:nvSpPr>
+        <p:spPr/>
+        <p:txBody>
+          <a:bodyPr/>
+          <a:lstStyle/>
+          <a:p>
+            <a:endParaRPr lang="en-US"/>
+          </a:p>
+        </p:txBody>
+      </p:sp>
+      <p:sp>
+        <p:nvSpPr>
+          <p:cNvPr id="7" name="Slide Number Placeholder 6">
+            <a:extLst>
+              <a:ext uri="{FF2B5EF4-FFF2-40B4-BE49-F238E27FC236}">
+                <a16:creationId xmlns:a16="http://schemas.microsoft.com/office/drawing/2014/main" id="{2B581DF2-3E25-47D5-861D-21090FF0B2CF}"/>
+              </a:ext>
+            </a:extLst>
+          </p:cNvPr>
+          <p:cNvSpPr>
+            <a:spLocks noGrp="1"/>
+          </p:cNvSpPr>
+          <p:nvPr>
+            <p:ph type="sldNum" sz="quarter" idx="12"/>
+          </p:nvPr>
+        </p:nvSpPr>
+        <p:spPr/>
+        <p:txBody>
+          <a:bodyPr/>
+          <a:lstStyle/>
+          <a:p>
+            <a:fld id="{C064A79B-B315-413E-88BB-EFE0B5D603D0}" type="slidenum">
+              <a:rPr lang="en-US" smtClean="0"/>
+              <a:t>‹#›</a:t>
+            </a:fld>
+            <a:endParaRPr lang="en-US"/>
+          </a:p>
+        </p:txBody>
+      </p:sp>
+    </p:spTree>
+    <p:extLst>
+      <p:ext uri="{BB962C8B-B14F-4D97-AF65-F5344CB8AC3E}">
+        <p14:creationId xmlns:p14="http://schemas.microsoft.com/office/powerpoint/2010/main" val="3987783925"/>
+      </p:ext>
+    </p:extLst>
+  </p:cSld>
+  <p:clrMapOvr>
+    <a:masterClrMapping/>
+  </p:clrMapOvr>
+</p:sldLayout>
+</file>
+
+<file path=ppt/slideLayouts/slideLayout15.xml><?xml version="1.0" encoding="utf-8"?>
+<p:sldLayout xmlns:a="http://schemas.openxmlformats.org/drawingml/2006/main" xmlns:r="http://schemas.openxmlformats.org/officeDocument/2006/relationships" xmlns:p="http://schemas.openxmlformats.org/presentationml/2006/main" type="picTx" preserve="1">
+  <p:cSld name="Picture with Caption">
+    <p:spTree>
+      <p:nvGrpSpPr>
+        <p:cNvPr id="1" name=""/>
+        <p:cNvGrpSpPr/>
+        <p:nvPr/>
+      </p:nvGrpSpPr>
+      <p:grpSpPr>
+        <a:xfrm>
+          <a:off x="0" y="0"/>
+          <a:ext cx="0" cy="0"/>
+          <a:chOff x="0" y="0"/>
+          <a:chExt cx="0" cy="0"/>
+        </a:xfrm>
+      </p:grpSpPr>
+      <p:sp>
+        <p:nvSpPr>
+          <p:cNvPr id="2" name="Title 1">
+            <a:extLst>
+              <a:ext uri="{FF2B5EF4-FFF2-40B4-BE49-F238E27FC236}">
+                <a16:creationId xmlns:a16="http://schemas.microsoft.com/office/drawing/2014/main" id="{61956508-A225-4874-9EAF-22917310F7AB}"/>
+              </a:ext>
+            </a:extLst>
+          </p:cNvPr>
+          <p:cNvSpPr>
+            <a:spLocks noGrp="1"/>
+          </p:cNvSpPr>
+          <p:nvPr>
+            <p:ph type="title"/>
+          </p:nvPr>
+        </p:nvSpPr>
+        <p:spPr>
+          <a:xfrm>
+            <a:off x="629841" y="457200"/>
+            <a:ext cx="2949178" cy="1600200"/>
+          </a:xfrm>
+        </p:spPr>
+        <p:txBody>
+          <a:bodyPr anchor="b"/>
+          <a:lstStyle>
+            <a:lvl1pPr>
+              <a:defRPr sz="2400"/>
+            </a:lvl1pPr>
+          </a:lstStyle>
+          <a:p>
+            <a:r>
+              <a:rPr lang="en-US"/>
+              <a:t>Click to edit Master title style</a:t>
+            </a:r>
+          </a:p>
+        </p:txBody>
+      </p:sp>
+      <p:sp>
+        <p:nvSpPr>
+          <p:cNvPr id="3" name="Picture Placeholder 2">
+            <a:extLst>
+              <a:ext uri="{FF2B5EF4-FFF2-40B4-BE49-F238E27FC236}">
+                <a16:creationId xmlns:a16="http://schemas.microsoft.com/office/drawing/2014/main" id="{4D82C181-9AF7-4887-A58E-9CD34DE9C596}"/>
+              </a:ext>
+            </a:extLst>
+          </p:cNvPr>
+          <p:cNvSpPr>
+            <a:spLocks noGrp="1"/>
+          </p:cNvSpPr>
+          <p:nvPr>
+            <p:ph type="pic" idx="1"/>
+          </p:nvPr>
+        </p:nvSpPr>
+        <p:spPr>
+          <a:xfrm>
+            <a:off x="3887391" y="987426"/>
+            <a:ext cx="4629150" cy="4873625"/>
+          </a:xfrm>
+        </p:spPr>
+        <p:txBody>
+          <a:bodyPr/>
+          <a:lstStyle>
+            <a:lvl1pPr marL="0" indent="0">
+              <a:buNone/>
+              <a:defRPr sz="2400"/>
+            </a:lvl1pPr>
+            <a:lvl2pPr marL="342900" indent="0">
+              <a:buNone/>
+              <a:defRPr sz="2100"/>
+            </a:lvl2pPr>
+            <a:lvl3pPr marL="685800" indent="0">
+              <a:buNone/>
+              <a:defRPr sz="1800"/>
+            </a:lvl3pPr>
+            <a:lvl4pPr marL="1028700" indent="0">
+              <a:buNone/>
+              <a:defRPr sz="1500"/>
+            </a:lvl4pPr>
+            <a:lvl5pPr marL="1371600" indent="0">
+              <a:buNone/>
+              <a:defRPr sz="1500"/>
+            </a:lvl5pPr>
+            <a:lvl6pPr marL="1714500" indent="0">
+              <a:buNone/>
+              <a:defRPr sz="1500"/>
+            </a:lvl6pPr>
+            <a:lvl7pPr marL="2057400" indent="0">
+              <a:buNone/>
+              <a:defRPr sz="1500"/>
+            </a:lvl7pPr>
+            <a:lvl8pPr marL="2400300" indent="0">
+              <a:buNone/>
+              <a:defRPr sz="1500"/>
+            </a:lvl8pPr>
+            <a:lvl9pPr marL="2743200" indent="0">
+              <a:buNone/>
+              <a:defRPr sz="1500"/>
+            </a:lvl9pPr>
+          </a:lstStyle>
+          <a:p>
+            <a:endParaRPr lang="en-US" dirty="0"/>
+          </a:p>
+        </p:txBody>
+      </p:sp>
+      <p:sp>
+        <p:nvSpPr>
+          <p:cNvPr id="4" name="Text Placeholder 3">
+            <a:extLst>
+              <a:ext uri="{FF2B5EF4-FFF2-40B4-BE49-F238E27FC236}">
+                <a16:creationId xmlns:a16="http://schemas.microsoft.com/office/drawing/2014/main" id="{D9423641-3CA3-41A0-908F-A9202B5D1F10}"/>
+              </a:ext>
+            </a:extLst>
+          </p:cNvPr>
+          <p:cNvSpPr>
+            <a:spLocks noGrp="1"/>
+          </p:cNvSpPr>
+          <p:nvPr>
+            <p:ph type="body" sz="half" idx="2"/>
+          </p:nvPr>
+        </p:nvSpPr>
+        <p:spPr>
+          <a:xfrm>
+            <a:off x="629841" y="2057400"/>
+            <a:ext cx="2949178" cy="3811588"/>
+          </a:xfrm>
+        </p:spPr>
+        <p:txBody>
+          <a:bodyPr/>
+          <a:lstStyle>
+            <a:lvl1pPr marL="0" indent="0">
+              <a:buNone/>
+              <a:defRPr sz="1200"/>
+            </a:lvl1pPr>
+            <a:lvl2pPr marL="342900" indent="0">
+              <a:buNone/>
+              <a:defRPr sz="1050"/>
+            </a:lvl2pPr>
+            <a:lvl3pPr marL="685800" indent="0">
+              <a:buNone/>
+              <a:defRPr sz="900"/>
+            </a:lvl3pPr>
+            <a:lvl4pPr marL="1028700" indent="0">
+              <a:buNone/>
+              <a:defRPr sz="750"/>
+            </a:lvl4pPr>
+            <a:lvl5pPr marL="1371600" indent="0">
+              <a:buNone/>
+              <a:defRPr sz="750"/>
+            </a:lvl5pPr>
+            <a:lvl6pPr marL="1714500" indent="0">
+              <a:buNone/>
+              <a:defRPr sz="750"/>
+            </a:lvl6pPr>
+            <a:lvl7pPr marL="2057400" indent="0">
+              <a:buNone/>
+              <a:defRPr sz="750"/>
+            </a:lvl7pPr>
+            <a:lvl8pPr marL="2400300" indent="0">
+              <a:buNone/>
+              <a:defRPr sz="750"/>
+            </a:lvl8pPr>
+            <a:lvl9pPr marL="2743200" indent="0">
+              <a:buNone/>
+              <a:defRPr sz="750"/>
+            </a:lvl9pPr>
+          </a:lstStyle>
+          <a:p>
+            <a:pPr lvl="0"/>
+            <a:r>
+              <a:rPr lang="en-US"/>
+              <a:t>Click to edit Master text styles</a:t>
+            </a:r>
+          </a:p>
+        </p:txBody>
+      </p:sp>
+      <p:sp>
+        <p:nvSpPr>
+          <p:cNvPr id="5" name="Date Placeholder 4">
+            <a:extLst>
+              <a:ext uri="{FF2B5EF4-FFF2-40B4-BE49-F238E27FC236}">
+                <a16:creationId xmlns:a16="http://schemas.microsoft.com/office/drawing/2014/main" id="{BDB42A99-71B3-40D2-882D-E5CB06AF89DB}"/>
+              </a:ext>
+            </a:extLst>
+          </p:cNvPr>
+          <p:cNvSpPr>
+            <a:spLocks noGrp="1"/>
+          </p:cNvSpPr>
+          <p:nvPr>
+            <p:ph type="dt" sz="half" idx="10"/>
+          </p:nvPr>
+        </p:nvSpPr>
+        <p:spPr>
+          <a:xfrm>
+            <a:off x="692434" y="6356350"/>
+            <a:ext cx="1174141" cy="365125"/>
+          </a:xfrm>
+          <a:prstGeom prst="rect">
+            <a:avLst/>
+          </a:prstGeom>
+        </p:spPr>
+        <p:txBody>
+          <a:bodyPr/>
+          <a:lstStyle/>
+          <a:p>
+            <a:fld id="{06D10DB8-659B-4958-A792-DE05210DF328}" type="datetime1">
+              <a:rPr lang="en-US" smtClean="0"/>
+              <a:t>1/11/2021</a:t>
+            </a:fld>
+            <a:endParaRPr lang="en-US"/>
+          </a:p>
+        </p:txBody>
+      </p:sp>
+      <p:sp>
+        <p:nvSpPr>
+          <p:cNvPr id="6" name="Footer Placeholder 5">
+            <a:extLst>
+              <a:ext uri="{FF2B5EF4-FFF2-40B4-BE49-F238E27FC236}">
+                <a16:creationId xmlns:a16="http://schemas.microsoft.com/office/drawing/2014/main" id="{E264F32E-5C4C-4465-800A-4B1AC8DBD021}"/>
+              </a:ext>
+            </a:extLst>
+          </p:cNvPr>
+          <p:cNvSpPr>
+            <a:spLocks noGrp="1"/>
+          </p:cNvSpPr>
+          <p:nvPr>
+            <p:ph type="ftr" sz="quarter" idx="11"/>
+          </p:nvPr>
+        </p:nvSpPr>
+        <p:spPr/>
+        <p:txBody>
+          <a:bodyPr/>
+          <a:lstStyle/>
+          <a:p>
+            <a:endParaRPr lang="en-US"/>
+          </a:p>
+        </p:txBody>
+      </p:sp>
+      <p:sp>
+        <p:nvSpPr>
+          <p:cNvPr id="7" name="Slide Number Placeholder 6">
+            <a:extLst>
+              <a:ext uri="{FF2B5EF4-FFF2-40B4-BE49-F238E27FC236}">
+                <a16:creationId xmlns:a16="http://schemas.microsoft.com/office/drawing/2014/main" id="{2FA2F93E-9F34-4A6B-936A-74C4DF7133A9}"/>
+              </a:ext>
+            </a:extLst>
+          </p:cNvPr>
+          <p:cNvSpPr>
+            <a:spLocks noGrp="1"/>
+          </p:cNvSpPr>
+          <p:nvPr>
+            <p:ph type="sldNum" sz="quarter" idx="12"/>
+          </p:nvPr>
+        </p:nvSpPr>
+        <p:spPr/>
+        <p:txBody>
+          <a:bodyPr/>
+          <a:lstStyle/>
+          <a:p>
+            <a:fld id="{C064A79B-B315-413E-88BB-EFE0B5D603D0}" type="slidenum">
+              <a:rPr lang="en-US" smtClean="0"/>
+              <a:t>‹#›</a:t>
+            </a:fld>
+            <a:endParaRPr lang="en-US"/>
+          </a:p>
+        </p:txBody>
+      </p:sp>
+    </p:spTree>
+    <p:extLst>
+      <p:ext uri="{BB962C8B-B14F-4D97-AF65-F5344CB8AC3E}">
+        <p14:creationId xmlns:p14="http://schemas.microsoft.com/office/powerpoint/2010/main" val="4178626241"/>
+      </p:ext>
+    </p:extLst>
+  </p:cSld>
+  <p:clrMapOvr>
+    <a:masterClrMapping/>
+  </p:clrMapOvr>
+</p:sldLayout>
+</file>
+
+<file path=ppt/slideLayouts/slideLayout16.xml><?xml version="1.0" encoding="utf-8"?>
+<p:sldLayout xmlns:a="http://schemas.openxmlformats.org/drawingml/2006/main" xmlns:r="http://schemas.openxmlformats.org/officeDocument/2006/relationships" xmlns:p="http://schemas.openxmlformats.org/presentationml/2006/main" type="vertTx" preserve="1">
+  <p:cSld name="Title and Vertical Text">
+    <p:spTree>
+      <p:nvGrpSpPr>
+        <p:cNvPr id="1" name=""/>
+        <p:cNvGrpSpPr/>
+        <p:nvPr/>
+      </p:nvGrpSpPr>
+      <p:grpSpPr>
+        <a:xfrm>
+          <a:off x="0" y="0"/>
+          <a:ext cx="0" cy="0"/>
+          <a:chOff x="0" y="0"/>
+          <a:chExt cx="0" cy="0"/>
+        </a:xfrm>
+      </p:grpSpPr>
+      <p:sp>
+        <p:nvSpPr>
+          <p:cNvPr id="2" name="Title 1">
+            <a:extLst>
+              <a:ext uri="{FF2B5EF4-FFF2-40B4-BE49-F238E27FC236}">
+                <a16:creationId xmlns:a16="http://schemas.microsoft.com/office/drawing/2014/main" id="{68300869-D881-4114-9250-92447B95BFC0}"/>
+              </a:ext>
+            </a:extLst>
+          </p:cNvPr>
+          <p:cNvSpPr>
+            <a:spLocks noGrp="1"/>
+          </p:cNvSpPr>
+          <p:nvPr>
+            <p:ph type="title"/>
+          </p:nvPr>
+        </p:nvSpPr>
+        <p:spPr/>
+        <p:txBody>
+          <a:bodyPr/>
+          <a:lstStyle/>
+          <a:p>
+            <a:r>
+              <a:rPr lang="en-US"/>
+              <a:t>Click to edit Master title style</a:t>
+            </a:r>
+          </a:p>
+        </p:txBody>
+      </p:sp>
+      <p:sp>
+        <p:nvSpPr>
+          <p:cNvPr id="3" name="Vertical Text Placeholder 2">
+            <a:extLst>
+              <a:ext uri="{FF2B5EF4-FFF2-40B4-BE49-F238E27FC236}">
+                <a16:creationId xmlns:a16="http://schemas.microsoft.com/office/drawing/2014/main" id="{39305416-A94C-4542-97F1-92AAFB0E10EC}"/>
+              </a:ext>
+            </a:extLst>
+          </p:cNvPr>
+          <p:cNvSpPr>
+            <a:spLocks noGrp="1"/>
+          </p:cNvSpPr>
+          <p:nvPr>
+            <p:ph type="body" orient="vert" idx="1"/>
+          </p:nvPr>
+        </p:nvSpPr>
+        <p:spPr/>
+        <p:txBody>
+          <a:bodyPr vert="eaVert"/>
+          <a:lstStyle/>
+          <a:p>
+            <a:pPr lvl="0"/>
+            <a:r>
+              <a:rPr lang="en-US"/>
+              <a:t>Click to edit Master text styles</a:t>
+            </a:r>
+          </a:p>
+          <a:p>
+            <a:pPr lvl="1"/>
+            <a:r>
+              <a:rPr lang="en-US"/>
+              <a:t>Second level</a:t>
+            </a:r>
+          </a:p>
+          <a:p>
+            <a:pPr lvl="2"/>
+            <a:r>
+              <a:rPr lang="en-US"/>
+              <a:t>Third level</a:t>
+            </a:r>
+          </a:p>
+          <a:p>
+            <a:pPr lvl="3"/>
+            <a:r>
+              <a:rPr lang="en-US"/>
+              <a:t>Fourth level</a:t>
+            </a:r>
+          </a:p>
+          <a:p>
+            <a:pPr lvl="4"/>
+            <a:r>
+              <a:rPr lang="en-US"/>
+              <a:t>Fifth level</a:t>
+            </a:r>
+          </a:p>
+        </p:txBody>
+      </p:sp>
+      <p:sp>
+        <p:nvSpPr>
+          <p:cNvPr id="4" name="Date Placeholder 3">
+            <a:extLst>
+              <a:ext uri="{FF2B5EF4-FFF2-40B4-BE49-F238E27FC236}">
+                <a16:creationId xmlns:a16="http://schemas.microsoft.com/office/drawing/2014/main" id="{1CB0D993-0F1C-40EA-AFEE-B6B5B14132B7}"/>
+              </a:ext>
+            </a:extLst>
+          </p:cNvPr>
+          <p:cNvSpPr>
+            <a:spLocks noGrp="1"/>
+          </p:cNvSpPr>
+          <p:nvPr>
+            <p:ph type="dt" sz="half" idx="10"/>
+          </p:nvPr>
+        </p:nvSpPr>
+        <p:spPr>
+          <a:xfrm>
+            <a:off x="692434" y="6356350"/>
+            <a:ext cx="1174141" cy="365125"/>
+          </a:xfrm>
+          <a:prstGeom prst="rect">
+            <a:avLst/>
+          </a:prstGeom>
+        </p:spPr>
+        <p:txBody>
+          <a:bodyPr/>
+          <a:lstStyle/>
+          <a:p>
+            <a:fld id="{E7CF5876-4B3B-4A39-B999-95B42A2340FE}" type="datetime1">
+              <a:rPr lang="en-US" smtClean="0"/>
+              <a:t>1/11/2021</a:t>
+            </a:fld>
+            <a:endParaRPr lang="en-US"/>
+          </a:p>
+        </p:txBody>
+      </p:sp>
+      <p:sp>
+        <p:nvSpPr>
+          <p:cNvPr id="5" name="Footer Placeholder 4">
+            <a:extLst>
+              <a:ext uri="{FF2B5EF4-FFF2-40B4-BE49-F238E27FC236}">
+                <a16:creationId xmlns:a16="http://schemas.microsoft.com/office/drawing/2014/main" id="{540BE058-B0D8-4632-9A14-D825C824FF66}"/>
+              </a:ext>
+            </a:extLst>
+          </p:cNvPr>
+          <p:cNvSpPr>
+            <a:spLocks noGrp="1"/>
+          </p:cNvSpPr>
+          <p:nvPr>
+            <p:ph type="ftr" sz="quarter" idx="11"/>
+          </p:nvPr>
+        </p:nvSpPr>
+        <p:spPr/>
+        <p:txBody>
+          <a:bodyPr/>
+          <a:lstStyle/>
+          <a:p>
+            <a:endParaRPr lang="en-US"/>
+          </a:p>
+        </p:txBody>
+      </p:sp>
+      <p:sp>
+        <p:nvSpPr>
+          <p:cNvPr id="6" name="Slide Number Placeholder 5">
+            <a:extLst>
+              <a:ext uri="{FF2B5EF4-FFF2-40B4-BE49-F238E27FC236}">
+                <a16:creationId xmlns:a16="http://schemas.microsoft.com/office/drawing/2014/main" id="{7F5B8F12-4D34-44B5-9B1D-9E63AA9F897E}"/>
+              </a:ext>
+            </a:extLst>
+          </p:cNvPr>
+          <p:cNvSpPr>
+            <a:spLocks noGrp="1"/>
+          </p:cNvSpPr>
+          <p:nvPr>
+            <p:ph type="sldNum" sz="quarter" idx="12"/>
+          </p:nvPr>
+        </p:nvSpPr>
+        <p:spPr/>
+        <p:txBody>
+          <a:bodyPr/>
+          <a:lstStyle/>
+          <a:p>
+            <a:fld id="{C064A79B-B315-413E-88BB-EFE0B5D603D0}" type="slidenum">
+              <a:rPr lang="en-US" smtClean="0"/>
+              <a:t>‹#›</a:t>
+            </a:fld>
+            <a:endParaRPr lang="en-US"/>
+          </a:p>
+        </p:txBody>
+      </p:sp>
+    </p:spTree>
+    <p:extLst>
+      <p:ext uri="{BB962C8B-B14F-4D97-AF65-F5344CB8AC3E}">
+        <p14:creationId xmlns:p14="http://schemas.microsoft.com/office/powerpoint/2010/main" val="3107147916"/>
+      </p:ext>
+    </p:extLst>
+  </p:cSld>
+  <p:clrMapOvr>
+    <a:masterClrMapping/>
+  </p:clrMapOvr>
+</p:sldLayout>
+</file>
+
+<file path=ppt/slideLayouts/slideLayout17.xml><?xml version="1.0" encoding="utf-8"?>
+<p:sldLayout xmlns:a="http://schemas.openxmlformats.org/drawingml/2006/main" xmlns:r="http://schemas.openxmlformats.org/officeDocument/2006/relationships" xmlns:p="http://schemas.openxmlformats.org/presentationml/2006/main" type="vertTitleAndTx" preserve="1">
+  <p:cSld name="Vertical Title and Text">
+    <p:spTree>
+      <p:nvGrpSpPr>
+        <p:cNvPr id="1" name=""/>
+        <p:cNvGrpSpPr/>
+        <p:nvPr/>
+      </p:nvGrpSpPr>
+      <p:grpSpPr>
+        <a:xfrm>
+          <a:off x="0" y="0"/>
+          <a:ext cx="0" cy="0"/>
+          <a:chOff x="0" y="0"/>
+          <a:chExt cx="0" cy="0"/>
+        </a:xfrm>
+      </p:grpSpPr>
+      <p:sp>
+        <p:nvSpPr>
+          <p:cNvPr id="2" name="Vertical Title 1">
+            <a:extLst>
+              <a:ext uri="{FF2B5EF4-FFF2-40B4-BE49-F238E27FC236}">
+                <a16:creationId xmlns:a16="http://schemas.microsoft.com/office/drawing/2014/main" id="{BDA00737-11BB-4E95-A748-27DD621789BF}"/>
+              </a:ext>
+            </a:extLst>
+          </p:cNvPr>
+          <p:cNvSpPr>
+            <a:spLocks noGrp="1"/>
+          </p:cNvSpPr>
+          <p:nvPr>
+            <p:ph type="title" orient="vert"/>
+          </p:nvPr>
+        </p:nvSpPr>
+        <p:spPr>
+          <a:xfrm>
+            <a:off x="6543675" y="365125"/>
+            <a:ext cx="1971675" cy="5811838"/>
+          </a:xfrm>
+        </p:spPr>
+        <p:txBody>
+          <a:bodyPr vert="eaVert"/>
+          <a:lstStyle/>
+          <a:p>
+            <a:r>
+              <a:rPr lang="en-US"/>
+              <a:t>Click to edit Master title style</a:t>
+            </a:r>
+          </a:p>
+        </p:txBody>
+      </p:sp>
+      <p:sp>
+        <p:nvSpPr>
+          <p:cNvPr id="3" name="Vertical Text Placeholder 2">
+            <a:extLst>
+              <a:ext uri="{FF2B5EF4-FFF2-40B4-BE49-F238E27FC236}">
+                <a16:creationId xmlns:a16="http://schemas.microsoft.com/office/drawing/2014/main" id="{12F31580-301F-4D45-BF3F-3B77F3F072A5}"/>
+              </a:ext>
+            </a:extLst>
+          </p:cNvPr>
+          <p:cNvSpPr>
+            <a:spLocks noGrp="1"/>
+          </p:cNvSpPr>
+          <p:nvPr>
+            <p:ph type="body" orient="vert" idx="1"/>
+          </p:nvPr>
+        </p:nvSpPr>
+        <p:spPr>
+          <a:xfrm>
+            <a:off x="628650" y="365125"/>
+            <a:ext cx="5800725" cy="5811838"/>
+          </a:xfrm>
+        </p:spPr>
+        <p:txBody>
+          <a:bodyPr vert="eaVert"/>
+          <a:lstStyle/>
+          <a:p>
+            <a:pPr lvl="0"/>
+            <a:r>
+              <a:rPr lang="en-US"/>
+              <a:t>Click to edit Master text styles</a:t>
+            </a:r>
+          </a:p>
+          <a:p>
+            <a:pPr lvl="1"/>
+            <a:r>
+              <a:rPr lang="en-US"/>
+              <a:t>Second level</a:t>
+            </a:r>
+          </a:p>
+          <a:p>
+            <a:pPr lvl="2"/>
+            <a:r>
+              <a:rPr lang="en-US"/>
+              <a:t>Third level</a:t>
+            </a:r>
+          </a:p>
+          <a:p>
+            <a:pPr lvl="3"/>
+            <a:r>
+              <a:rPr lang="en-US"/>
+              <a:t>Fourth level</a:t>
+            </a:r>
+          </a:p>
+          <a:p>
+            <a:pPr lvl="4"/>
+            <a:r>
+              <a:rPr lang="en-US"/>
+              <a:t>Fifth level</a:t>
+            </a:r>
+          </a:p>
+        </p:txBody>
+      </p:sp>
+      <p:sp>
+        <p:nvSpPr>
+          <p:cNvPr id="4" name="Date Placeholder 3">
+            <a:extLst>
+              <a:ext uri="{FF2B5EF4-FFF2-40B4-BE49-F238E27FC236}">
+                <a16:creationId xmlns:a16="http://schemas.microsoft.com/office/drawing/2014/main" id="{099AB469-45B1-4622-B0A1-4CC1F7F0E6F1}"/>
+              </a:ext>
+            </a:extLst>
+          </p:cNvPr>
+          <p:cNvSpPr>
+            <a:spLocks noGrp="1"/>
+          </p:cNvSpPr>
+          <p:nvPr>
+            <p:ph type="dt" sz="half" idx="10"/>
+          </p:nvPr>
+        </p:nvSpPr>
+        <p:spPr>
+          <a:xfrm>
+            <a:off x="692434" y="6356350"/>
+            <a:ext cx="1174141" cy="365125"/>
+          </a:xfrm>
+          <a:prstGeom prst="rect">
+            <a:avLst/>
+          </a:prstGeom>
+        </p:spPr>
+        <p:txBody>
+          <a:bodyPr/>
+          <a:lstStyle/>
+          <a:p>
+            <a:fld id="{88D61156-842F-4F67-B06A-C4646596C268}" type="datetime1">
+              <a:rPr lang="en-US" smtClean="0"/>
+              <a:t>1/11/2021</a:t>
+            </a:fld>
+            <a:endParaRPr lang="en-US"/>
+          </a:p>
+        </p:txBody>
+      </p:sp>
+      <p:sp>
+        <p:nvSpPr>
+          <p:cNvPr id="5" name="Footer Placeholder 4">
+            <a:extLst>
+              <a:ext uri="{FF2B5EF4-FFF2-40B4-BE49-F238E27FC236}">
+                <a16:creationId xmlns:a16="http://schemas.microsoft.com/office/drawing/2014/main" id="{6D98CB7E-0935-47AE-8D41-C2E027A47EBB}"/>
+              </a:ext>
+            </a:extLst>
+          </p:cNvPr>
+          <p:cNvSpPr>
+            <a:spLocks noGrp="1"/>
+          </p:cNvSpPr>
+          <p:nvPr>
+            <p:ph type="ftr" sz="quarter" idx="11"/>
+          </p:nvPr>
+        </p:nvSpPr>
+        <p:spPr/>
+        <p:txBody>
+          <a:bodyPr/>
+          <a:lstStyle/>
+          <a:p>
+            <a:endParaRPr lang="en-US"/>
+          </a:p>
+        </p:txBody>
+      </p:sp>
+      <p:sp>
+        <p:nvSpPr>
+          <p:cNvPr id="6" name="Slide Number Placeholder 5">
+            <a:extLst>
+              <a:ext uri="{FF2B5EF4-FFF2-40B4-BE49-F238E27FC236}">
+                <a16:creationId xmlns:a16="http://schemas.microsoft.com/office/drawing/2014/main" id="{A1D5C856-5925-49B5-A3FB-38FA764DD7F2}"/>
+              </a:ext>
+            </a:extLst>
+          </p:cNvPr>
+          <p:cNvSpPr>
+            <a:spLocks noGrp="1"/>
+          </p:cNvSpPr>
+          <p:nvPr>
+            <p:ph type="sldNum" sz="quarter" idx="12"/>
+          </p:nvPr>
+        </p:nvSpPr>
+        <p:spPr/>
+        <p:txBody>
+          <a:bodyPr/>
+          <a:lstStyle/>
+          <a:p>
+            <a:fld id="{C064A79B-B315-413E-88BB-EFE0B5D603D0}" type="slidenum">
+              <a:rPr lang="en-US" smtClean="0"/>
+              <a:t>‹#›</a:t>
+            </a:fld>
+            <a:endParaRPr lang="en-US"/>
+          </a:p>
+        </p:txBody>
+      </p:sp>
+    </p:spTree>
+    <p:extLst>
+      <p:ext uri="{BB962C8B-B14F-4D97-AF65-F5344CB8AC3E}">
+        <p14:creationId xmlns:p14="http://schemas.microsoft.com/office/powerpoint/2010/main" val="3547732887"/>
+      </p:ext>
+    </p:extLst>
+  </p:cSld>
+  <p:clrMapOvr>
+    <a:masterClrMapping/>
+  </p:clrMapOvr>
+</p:sldLayout>
+</file>
+
+<file path=ppt/slideLayouts/slideLayout2.xml><?xml version="1.0" encoding="utf-8"?>
+<p:sldLayout xmlns:a="http://schemas.openxmlformats.org/drawingml/2006/main" xmlns:r="http://schemas.openxmlformats.org/officeDocument/2006/relationships" xmlns:p="http://schemas.openxmlformats.org/presentationml/2006/main" type="obj" preserve="1">
+  <p:cSld name="Title and Content">
+    <p:spTree>
+      <p:nvGrpSpPr>
+        <p:cNvPr id="1" name=""/>
+        <p:cNvGrpSpPr/>
+        <p:nvPr/>
+      </p:nvGrpSpPr>
+      <p:grpSpPr>
+        <a:xfrm>
+          <a:off x="0" y="0"/>
+          <a:ext cx="0" cy="0"/>
+          <a:chOff x="0" y="0"/>
+          <a:chExt cx="0" cy="0"/>
+        </a:xfrm>
+      </p:grpSpPr>
+      <p:sp>
+        <p:nvSpPr>
+          <p:cNvPr id="2" name="Title 1">
+            <a:extLst>
+              <a:ext uri="{FF2B5EF4-FFF2-40B4-BE49-F238E27FC236}">
+                <a16:creationId xmlns:a16="http://schemas.microsoft.com/office/drawing/2014/main" id="{4905F3F5-CD26-4383-BCD3-A8D434E2D639}"/>
+              </a:ext>
+            </a:extLst>
+          </p:cNvPr>
+          <p:cNvSpPr>
+            <a:spLocks noGrp="1"/>
+          </p:cNvSpPr>
+          <p:nvPr>
+            <p:ph type="title"/>
+          </p:nvPr>
+        </p:nvSpPr>
+        <p:spPr>
+          <a:xfrm>
+            <a:off x="0" y="1"/>
+            <a:ext cx="9144000" cy="1013635"/>
+          </a:xfrm>
+        </p:spPr>
+        <p:txBody>
+          <a:bodyPr/>
+          <a:lstStyle/>
+          <a:p>
+            <a:r>
+              <a:rPr lang="en-US" dirty="0"/>
+              <a:t>Click to edit Master title style</a:t>
+            </a:r>
+          </a:p>
+        </p:txBody>
+      </p:sp>
+      <p:sp>
+        <p:nvSpPr>
+          <p:cNvPr id="3" name="Content Placeholder 2">
+            <a:extLst>
+              <a:ext uri="{FF2B5EF4-FFF2-40B4-BE49-F238E27FC236}">
+                <a16:creationId xmlns:a16="http://schemas.microsoft.com/office/drawing/2014/main" id="{3FBC0A59-A7F8-4091-BC22-97B46458BECE}"/>
+              </a:ext>
+            </a:extLst>
+          </p:cNvPr>
+          <p:cNvSpPr>
+            <a:spLocks noGrp="1"/>
+          </p:cNvSpPr>
+          <p:nvPr>
+            <p:ph idx="1"/>
+          </p:nvPr>
+        </p:nvSpPr>
+        <p:spPr/>
+        <p:txBody>
+          <a:bodyPr/>
+          <a:lstStyle/>
+          <a:p>
+            <a:pPr lvl="0"/>
+            <a:r>
+              <a:rPr lang="en-US" dirty="0"/>
+              <a:t>Click to edit Master text styles</a:t>
+            </a:r>
+          </a:p>
+          <a:p>
+            <a:pPr lvl="1"/>
+            <a:r>
+              <a:rPr lang="en-US" dirty="0"/>
+              <a:t>Second level</a:t>
+            </a:r>
+          </a:p>
+          <a:p>
+            <a:pPr lvl="2"/>
+            <a:r>
+              <a:rPr lang="en-US" dirty="0"/>
+              <a:t>Third level</a:t>
+            </a:r>
+          </a:p>
+          <a:p>
+            <a:pPr lvl="3"/>
+            <a:r>
+              <a:rPr lang="en-US" dirty="0"/>
+              <a:t>Fourth level</a:t>
+            </a:r>
+          </a:p>
+          <a:p>
+            <a:pPr lvl="4"/>
+            <a:r>
+              <a:rPr lang="en-US" dirty="0"/>
+              <a:t>Fifth level</a:t>
+            </a:r>
+          </a:p>
+        </p:txBody>
+      </p:sp>
+      <p:sp>
+        <p:nvSpPr>
+          <p:cNvPr id="4" name="Date Placeholder 3">
+            <a:extLst>
+              <a:ext uri="{FF2B5EF4-FFF2-40B4-BE49-F238E27FC236}">
+                <a16:creationId xmlns:a16="http://schemas.microsoft.com/office/drawing/2014/main" id="{5E4D15F2-B97A-4D46-A56B-AACA64275B31}"/>
+              </a:ext>
+            </a:extLst>
+          </p:cNvPr>
+          <p:cNvSpPr>
+            <a:spLocks noGrp="1"/>
+          </p:cNvSpPr>
+          <p:nvPr>
+            <p:ph type="dt" sz="half" idx="10"/>
+          </p:nvPr>
+        </p:nvSpPr>
+        <p:spPr>
+          <a:xfrm>
+            <a:off x="692434" y="6356350"/>
+            <a:ext cx="1174141" cy="365125"/>
+          </a:xfrm>
+          <a:prstGeom prst="rect">
+            <a:avLst/>
+          </a:prstGeom>
+        </p:spPr>
+        <p:txBody>
+          <a:bodyPr/>
+          <a:lstStyle/>
+          <a:p>
+            <a:fld id="{4A448851-F1FF-4B89-82AB-47C2886C2712}" type="datetime1">
+              <a:rPr lang="en-US" smtClean="0"/>
+              <a:t>1/11/2021</a:t>
+            </a:fld>
+            <a:endParaRPr lang="en-US"/>
+          </a:p>
+        </p:txBody>
+      </p:sp>
+      <p:sp>
+        <p:nvSpPr>
+          <p:cNvPr id="5" name="Footer Placeholder 4">
+            <a:extLst>
+              <a:ext uri="{FF2B5EF4-FFF2-40B4-BE49-F238E27FC236}">
+                <a16:creationId xmlns:a16="http://schemas.microsoft.com/office/drawing/2014/main" id="{EFDF8A97-3399-44D7-ACF7-3642988247E1}"/>
+              </a:ext>
+            </a:extLst>
+          </p:cNvPr>
+          <p:cNvSpPr>
+            <a:spLocks noGrp="1"/>
+          </p:cNvSpPr>
+          <p:nvPr>
+            <p:ph type="ftr" sz="quarter" idx="11"/>
+          </p:nvPr>
+        </p:nvSpPr>
+        <p:spPr/>
+        <p:txBody>
+          <a:bodyPr/>
+          <a:lstStyle/>
+          <a:p>
+            <a:endParaRPr lang="en-US"/>
+          </a:p>
+        </p:txBody>
+      </p:sp>
+      <p:sp>
+        <p:nvSpPr>
+          <p:cNvPr id="6" name="Slide Number Placeholder 5">
+            <a:extLst>
+              <a:ext uri="{FF2B5EF4-FFF2-40B4-BE49-F238E27FC236}">
+                <a16:creationId xmlns:a16="http://schemas.microsoft.com/office/drawing/2014/main" id="{BCBF6AC6-8F39-4227-B48E-79664419D365}"/>
+              </a:ext>
+            </a:extLst>
+          </p:cNvPr>
+          <p:cNvSpPr>
+            <a:spLocks noGrp="1"/>
+          </p:cNvSpPr>
+          <p:nvPr>
+            <p:ph type="sldNum" sz="quarter" idx="12"/>
+          </p:nvPr>
+        </p:nvSpPr>
+        <p:spPr/>
+        <p:txBody>
+          <a:bodyPr/>
+          <a:lstStyle/>
+          <a:p>
+            <a:fld id="{C064A79B-B315-413E-88BB-EFE0B5D603D0}" type="slidenum">
+              <a:rPr lang="en-US" smtClean="0"/>
+              <a:t>‹#›</a:t>
+            </a:fld>
+            <a:endParaRPr lang="en-US"/>
+          </a:p>
+        </p:txBody>
+      </p:sp>
+    </p:spTree>
+    <p:extLst>
+      <p:ext uri="{BB962C8B-B14F-4D97-AF65-F5344CB8AC3E}">
+        <p14:creationId xmlns:p14="http://schemas.microsoft.com/office/powerpoint/2010/main" val="2663580007"/>
+      </p:ext>
+    </p:extLst>
+  </p:cSld>
+  <p:clrMapOvr>
+    <a:masterClrMapping/>
+  </p:clrMapOvr>
+</p:sldLayout>
+</file>
+
+<file path=ppt/slideLayouts/slideLayout3.xml><?xml version="1.0" encoding="utf-8"?>
+<p:sldLayout xmlns:a="http://schemas.openxmlformats.org/drawingml/2006/main" xmlns:r="http://schemas.openxmlformats.org/officeDocument/2006/relationships" xmlns:p="http://schemas.openxmlformats.org/presentationml/2006/main" type="obj" preserve="1">
+  <p:cSld name="Title and Content Wide">
+    <p:spTree>
+      <p:nvGrpSpPr>
+        <p:cNvPr id="1" name=""/>
+        <p:cNvGrpSpPr/>
+        <p:nvPr/>
+      </p:nvGrpSpPr>
+      <p:grpSpPr>
+        <a:xfrm>
+          <a:off x="0" y="0"/>
+          <a:ext cx="0" cy="0"/>
+          <a:chOff x="0" y="0"/>
+          <a:chExt cx="0" cy="0"/>
+        </a:xfrm>
+      </p:grpSpPr>
+      <p:sp>
+        <p:nvSpPr>
+          <p:cNvPr id="2" name="Title 1">
+            <a:extLst>
+              <a:ext uri="{FF2B5EF4-FFF2-40B4-BE49-F238E27FC236}">
+                <a16:creationId xmlns:a16="http://schemas.microsoft.com/office/drawing/2014/main" id="{4905F3F5-CD26-4383-BCD3-A8D434E2D639}"/>
+              </a:ext>
+            </a:extLst>
+          </p:cNvPr>
+          <p:cNvSpPr>
+            <a:spLocks noGrp="1"/>
+          </p:cNvSpPr>
+          <p:nvPr>
+            <p:ph type="title"/>
+          </p:nvPr>
+        </p:nvSpPr>
+        <p:spPr>
+          <a:xfrm>
+            <a:off x="0" y="1"/>
+            <a:ext cx="3475892" cy="6857999"/>
+          </a:xfrm>
+        </p:spPr>
+        <p:txBody>
+          <a:bodyPr/>
+          <a:lstStyle>
+            <a:lvl1pPr>
+              <a:defRPr sz="3200"/>
+            </a:lvl1pPr>
+          </a:lstStyle>
+          <a:p>
+            <a:r>
+              <a:rPr lang="en-US" dirty="0"/>
+              <a:t>Click to edit Master title style</a:t>
+            </a:r>
+          </a:p>
+        </p:txBody>
+      </p:sp>
+      <p:sp>
+        <p:nvSpPr>
+          <p:cNvPr id="3" name="Content Placeholder 2">
+            <a:extLst>
+              <a:ext uri="{FF2B5EF4-FFF2-40B4-BE49-F238E27FC236}">
+                <a16:creationId xmlns:a16="http://schemas.microsoft.com/office/drawing/2014/main" id="{3FBC0A59-A7F8-4091-BC22-97B46458BECE}"/>
+              </a:ext>
+            </a:extLst>
+          </p:cNvPr>
+          <p:cNvSpPr>
+            <a:spLocks noGrp="1"/>
+          </p:cNvSpPr>
+          <p:nvPr>
+            <p:ph idx="1"/>
+          </p:nvPr>
+        </p:nvSpPr>
+        <p:spPr>
+          <a:xfrm>
+            <a:off x="3563815" y="234462"/>
+            <a:ext cx="5360981" cy="5942501"/>
+          </a:xfrm>
+        </p:spPr>
+        <p:txBody>
+          <a:bodyPr/>
+          <a:lstStyle/>
+          <a:p>
+            <a:pPr lvl="0"/>
+            <a:r>
+              <a:rPr lang="en-US" dirty="0"/>
+              <a:t>Click to edit Master text styles</a:t>
+            </a:r>
+          </a:p>
+          <a:p>
+            <a:pPr lvl="1"/>
+            <a:r>
+              <a:rPr lang="en-US" dirty="0"/>
+              <a:t>Second level</a:t>
+            </a:r>
+          </a:p>
+          <a:p>
+            <a:pPr lvl="2"/>
+            <a:r>
+              <a:rPr lang="en-US" dirty="0"/>
+              <a:t>Third level</a:t>
+            </a:r>
+          </a:p>
+          <a:p>
+            <a:pPr lvl="3"/>
+            <a:r>
+              <a:rPr lang="en-US" dirty="0"/>
+              <a:t>Fourth level</a:t>
+            </a:r>
+          </a:p>
+          <a:p>
+            <a:pPr lvl="4"/>
+            <a:r>
+              <a:rPr lang="en-US" dirty="0"/>
+              <a:t>Fifth level</a:t>
+            </a:r>
+          </a:p>
+        </p:txBody>
+      </p:sp>
+      <p:sp>
+        <p:nvSpPr>
+          <p:cNvPr id="4" name="Date Placeholder 3">
+            <a:extLst>
+              <a:ext uri="{FF2B5EF4-FFF2-40B4-BE49-F238E27FC236}">
+                <a16:creationId xmlns:a16="http://schemas.microsoft.com/office/drawing/2014/main" id="{5E4D15F2-B97A-4D46-A56B-AACA64275B31}"/>
+              </a:ext>
+            </a:extLst>
+          </p:cNvPr>
+          <p:cNvSpPr>
+            <a:spLocks noGrp="1"/>
+          </p:cNvSpPr>
+          <p:nvPr>
+            <p:ph type="dt" sz="half" idx="10"/>
+          </p:nvPr>
+        </p:nvSpPr>
+        <p:spPr>
+          <a:xfrm>
+            <a:off x="692434" y="6356350"/>
+            <a:ext cx="866735" cy="365125"/>
+          </a:xfrm>
+          <a:prstGeom prst="rect">
+            <a:avLst/>
+          </a:prstGeom>
+        </p:spPr>
+        <p:txBody>
+          <a:bodyPr/>
+          <a:lstStyle/>
+          <a:p>
+            <a:fld id="{4A448851-F1FF-4B89-82AB-47C2886C2712}" type="datetime1">
+              <a:rPr lang="en-US" smtClean="0"/>
+              <a:t>1/11/2021</a:t>
+            </a:fld>
+            <a:endParaRPr lang="en-US" dirty="0"/>
+          </a:p>
+        </p:txBody>
+      </p:sp>
+      <p:sp>
+        <p:nvSpPr>
+          <p:cNvPr id="5" name="Footer Placeholder 4">
+            <a:extLst>
+              <a:ext uri="{FF2B5EF4-FFF2-40B4-BE49-F238E27FC236}">
+                <a16:creationId xmlns:a16="http://schemas.microsoft.com/office/drawing/2014/main" id="{EFDF8A97-3399-44D7-ACF7-3642988247E1}"/>
+              </a:ext>
+            </a:extLst>
+          </p:cNvPr>
+          <p:cNvSpPr>
+            <a:spLocks noGrp="1"/>
+          </p:cNvSpPr>
+          <p:nvPr>
+            <p:ph type="ftr" sz="quarter" idx="11"/>
+          </p:nvPr>
+        </p:nvSpPr>
+        <p:spPr>
+          <a:xfrm>
+            <a:off x="3563815" y="6356349"/>
+            <a:ext cx="5360981" cy="365125"/>
+          </a:xfrm>
+          <a:solidFill>
+            <a:schemeClr val="bg1"/>
+          </a:solidFill>
+        </p:spPr>
+        <p:txBody>
+          <a:bodyPr/>
+          <a:lstStyle/>
+          <a:p>
+            <a:endParaRPr lang="en-US" dirty="0"/>
+          </a:p>
+        </p:txBody>
+      </p:sp>
+      <p:sp>
+        <p:nvSpPr>
+          <p:cNvPr id="6" name="Slide Number Placeholder 5">
+            <a:extLst>
+              <a:ext uri="{FF2B5EF4-FFF2-40B4-BE49-F238E27FC236}">
+                <a16:creationId xmlns:a16="http://schemas.microsoft.com/office/drawing/2014/main" id="{BCBF6AC6-8F39-4227-B48E-79664419D365}"/>
+              </a:ext>
+            </a:extLst>
+          </p:cNvPr>
+          <p:cNvSpPr>
+            <a:spLocks noGrp="1"/>
+          </p:cNvSpPr>
+          <p:nvPr>
+            <p:ph type="sldNum" sz="quarter" idx="12"/>
+          </p:nvPr>
+        </p:nvSpPr>
+        <p:spPr/>
+        <p:txBody>
+          <a:bodyPr/>
+          <a:lstStyle/>
+          <a:p>
+            <a:fld id="{C064A79B-B315-413E-88BB-EFE0B5D603D0}" type="slidenum">
+              <a:rPr lang="en-US" smtClean="0"/>
+              <a:t>‹#›</a:t>
+            </a:fld>
+            <a:endParaRPr lang="en-US"/>
+          </a:p>
+        </p:txBody>
+      </p:sp>
+      <p:pic>
+        <p:nvPicPr>
+          <p:cNvPr id="7" name="Picture 6">
+            <a:extLst>
+              <a:ext uri="{FF2B5EF4-FFF2-40B4-BE49-F238E27FC236}">
+                <a16:creationId xmlns:a16="http://schemas.microsoft.com/office/drawing/2014/main" id="{9CC1B7E0-79E3-40AA-ABEB-48B3E6B3621C}"/>
+              </a:ext>
+            </a:extLst>
+          </p:cNvPr>
+          <p:cNvPicPr>
+            <a:picLocks noChangeAspect="1"/>
+          </p:cNvPicPr>
+          <p:nvPr userDrawn="1"/>
+        </p:nvPicPr>
+        <p:blipFill>
+          <a:blip r:embed="rId2"/>
+          <a:stretch>
+            <a:fillRect/>
+          </a:stretch>
+        </p:blipFill>
+        <p:spPr>
+          <a:xfrm>
+            <a:off x="1249776" y="6235154"/>
+            <a:ext cx="2280102" cy="755970"/>
+          </a:xfrm>
+          <a:prstGeom prst="rect">
+            <a:avLst/>
+          </a:prstGeom>
+        </p:spPr>
+      </p:pic>
+    </p:spTree>
+    <p:extLst>
+      <p:ext uri="{BB962C8B-B14F-4D97-AF65-F5344CB8AC3E}">
+        <p14:creationId xmlns:p14="http://schemas.microsoft.com/office/powerpoint/2010/main" val="1607737143"/>
+      </p:ext>
+    </p:extLst>
+  </p:cSld>
+  <p:clrMapOvr>
+    <a:masterClrMapping/>
+  </p:clrMapOvr>
+</p:sldLayout>
+</file>
+
+<file path=ppt/slideLayouts/slideLayout4.xml><?xml version="1.0" encoding="utf-8"?>
+<p:sldLayout xmlns:a="http://schemas.openxmlformats.org/drawingml/2006/main" xmlns:r="http://schemas.openxmlformats.org/officeDocument/2006/relationships" xmlns:p="http://schemas.openxmlformats.org/presentationml/2006/main" preserve="1" userDrawn="1">
+  <p:cSld name="Title and Content and Caption">
+    <p:spTree>
+      <p:nvGrpSpPr>
+        <p:cNvPr id="1" name=""/>
+        <p:cNvGrpSpPr/>
+        <p:nvPr/>
+      </p:nvGrpSpPr>
+      <p:grpSpPr>
+        <a:xfrm>
+          <a:off x="0" y="0"/>
+          <a:ext cx="0" cy="0"/>
+          <a:chOff x="0" y="0"/>
+          <a:chExt cx="0" cy="0"/>
+        </a:xfrm>
+      </p:grpSpPr>
+      <p:sp>
+        <p:nvSpPr>
+          <p:cNvPr id="2" name="Title 1">
+            <a:extLst>
+              <a:ext uri="{FF2B5EF4-FFF2-40B4-BE49-F238E27FC236}">
+                <a16:creationId xmlns:a16="http://schemas.microsoft.com/office/drawing/2014/main" id="{4905F3F5-CD26-4383-BCD3-A8D434E2D639}"/>
+              </a:ext>
+            </a:extLst>
+          </p:cNvPr>
+          <p:cNvSpPr>
+            <a:spLocks noGrp="1"/>
+          </p:cNvSpPr>
+          <p:nvPr>
+            <p:ph type="title"/>
+          </p:nvPr>
+        </p:nvSpPr>
+        <p:spPr>
+          <a:xfrm>
+            <a:off x="0" y="1"/>
+            <a:ext cx="9144000" cy="1013635"/>
+          </a:xfrm>
+        </p:spPr>
+        <p:txBody>
+          <a:bodyPr/>
+          <a:lstStyle/>
+          <a:p>
+            <a:r>
+              <a:rPr lang="en-US" dirty="0"/>
+              <a:t>Click to edit Master title style</a:t>
+            </a:r>
+          </a:p>
+        </p:txBody>
+      </p:sp>
+      <p:sp>
+        <p:nvSpPr>
+          <p:cNvPr id="3" name="Content Placeholder 2">
+            <a:extLst>
+              <a:ext uri="{FF2B5EF4-FFF2-40B4-BE49-F238E27FC236}">
+                <a16:creationId xmlns:a16="http://schemas.microsoft.com/office/drawing/2014/main" id="{3FBC0A59-A7F8-4091-BC22-97B46458BECE}"/>
+              </a:ext>
+            </a:extLst>
+          </p:cNvPr>
+          <p:cNvSpPr>
+            <a:spLocks noGrp="1"/>
+          </p:cNvSpPr>
+          <p:nvPr>
+            <p:ph idx="1"/>
+          </p:nvPr>
+        </p:nvSpPr>
+        <p:spPr>
+          <a:xfrm>
+            <a:off x="187891" y="1227552"/>
+            <a:ext cx="8736905" cy="4479285"/>
+          </a:xfrm>
+        </p:spPr>
+        <p:txBody>
+          <a:bodyPr/>
+          <a:lstStyle/>
+          <a:p>
+            <a:pPr lvl="0"/>
+            <a:r>
+              <a:rPr lang="en-US" dirty="0"/>
+              <a:t>Click to edit Master text styles</a:t>
+            </a:r>
+          </a:p>
+          <a:p>
+            <a:pPr lvl="1"/>
+            <a:r>
+              <a:rPr lang="en-US" dirty="0"/>
+              <a:t>Second level</a:t>
+            </a:r>
+          </a:p>
+          <a:p>
+            <a:pPr lvl="2"/>
+            <a:r>
+              <a:rPr lang="en-US" dirty="0"/>
+              <a:t>Third level</a:t>
+            </a:r>
+          </a:p>
+          <a:p>
+            <a:pPr lvl="3"/>
+            <a:r>
+              <a:rPr lang="en-US" dirty="0"/>
+              <a:t>Fourth level</a:t>
+            </a:r>
+          </a:p>
+          <a:p>
+            <a:pPr lvl="4"/>
+            <a:r>
+              <a:rPr lang="en-US" dirty="0"/>
+              <a:t>Fifth level</a:t>
+            </a:r>
+          </a:p>
+        </p:txBody>
+      </p:sp>
+      <p:sp>
+        <p:nvSpPr>
+          <p:cNvPr id="4" name="Date Placeholder 3">
+            <a:extLst>
+              <a:ext uri="{FF2B5EF4-FFF2-40B4-BE49-F238E27FC236}">
+                <a16:creationId xmlns:a16="http://schemas.microsoft.com/office/drawing/2014/main" id="{5E4D15F2-B97A-4D46-A56B-AACA64275B31}"/>
+              </a:ext>
+            </a:extLst>
+          </p:cNvPr>
+          <p:cNvSpPr>
+            <a:spLocks noGrp="1"/>
+          </p:cNvSpPr>
+          <p:nvPr>
+            <p:ph type="dt" sz="half" idx="10"/>
+          </p:nvPr>
+        </p:nvSpPr>
+        <p:spPr>
+          <a:xfrm>
+            <a:off x="692434" y="6356350"/>
+            <a:ext cx="1174141" cy="365125"/>
+          </a:xfrm>
+          <a:prstGeom prst="rect">
+            <a:avLst/>
+          </a:prstGeom>
+        </p:spPr>
+        <p:txBody>
+          <a:bodyPr/>
+          <a:lstStyle/>
+          <a:p>
+            <a:fld id="{9FC0DEDD-AAD6-481E-BA52-3D7C9DFC702B}" type="datetime1">
+              <a:rPr lang="en-US" smtClean="0"/>
+              <a:t>1/11/2021</a:t>
+            </a:fld>
+            <a:endParaRPr lang="en-US"/>
+          </a:p>
+        </p:txBody>
+      </p:sp>
+      <p:sp>
+        <p:nvSpPr>
+          <p:cNvPr id="5" name="Footer Placeholder 4">
+            <a:extLst>
+              <a:ext uri="{FF2B5EF4-FFF2-40B4-BE49-F238E27FC236}">
+                <a16:creationId xmlns:a16="http://schemas.microsoft.com/office/drawing/2014/main" id="{EFDF8A97-3399-44D7-ACF7-3642988247E1}"/>
+              </a:ext>
+            </a:extLst>
+          </p:cNvPr>
+          <p:cNvSpPr>
+            <a:spLocks noGrp="1"/>
+          </p:cNvSpPr>
+          <p:nvPr>
+            <p:ph type="ftr" sz="quarter" idx="11"/>
+          </p:nvPr>
+        </p:nvSpPr>
+        <p:spPr/>
+        <p:txBody>
+          <a:bodyPr/>
+          <a:lstStyle/>
+          <a:p>
+            <a:endParaRPr lang="en-US"/>
+          </a:p>
+        </p:txBody>
+      </p:sp>
+      <p:sp>
+        <p:nvSpPr>
+          <p:cNvPr id="6" name="Slide Number Placeholder 5">
+            <a:extLst>
+              <a:ext uri="{FF2B5EF4-FFF2-40B4-BE49-F238E27FC236}">
+                <a16:creationId xmlns:a16="http://schemas.microsoft.com/office/drawing/2014/main" id="{BCBF6AC6-8F39-4227-B48E-79664419D365}"/>
+              </a:ext>
+            </a:extLst>
+          </p:cNvPr>
+          <p:cNvSpPr>
+            <a:spLocks noGrp="1"/>
+          </p:cNvSpPr>
+          <p:nvPr>
+            <p:ph type="sldNum" sz="quarter" idx="12"/>
+          </p:nvPr>
+        </p:nvSpPr>
+        <p:spPr/>
+        <p:txBody>
+          <a:bodyPr/>
+          <a:lstStyle/>
+          <a:p>
+            <a:fld id="{C064A79B-B315-413E-88BB-EFE0B5D603D0}" type="slidenum">
+              <a:rPr lang="en-US" smtClean="0"/>
+              <a:t>‹#›</a:t>
+            </a:fld>
+            <a:endParaRPr lang="en-US"/>
+          </a:p>
+        </p:txBody>
+      </p:sp>
+      <p:sp>
+        <p:nvSpPr>
+          <p:cNvPr id="9" name="Text Placeholder 8">
+            <a:extLst>
+              <a:ext uri="{FF2B5EF4-FFF2-40B4-BE49-F238E27FC236}">
+                <a16:creationId xmlns:a16="http://schemas.microsoft.com/office/drawing/2014/main" id="{F6B30566-8B30-4362-BCB6-7F3B3746AF24}"/>
+              </a:ext>
+            </a:extLst>
+          </p:cNvPr>
+          <p:cNvSpPr>
+            <a:spLocks noGrp="1"/>
+          </p:cNvSpPr>
+          <p:nvPr>
+            <p:ph type="body" sz="quarter" idx="13"/>
+          </p:nvPr>
+        </p:nvSpPr>
+        <p:spPr>
+          <a:xfrm>
+            <a:off x="187891" y="5816375"/>
+            <a:ext cx="8736905" cy="365125"/>
+          </a:xfrm>
+        </p:spPr>
+        <p:txBody>
+          <a:bodyPr>
+            <a:noAutofit/>
+          </a:bodyPr>
+          <a:lstStyle>
+            <a:lvl1pPr marL="0" indent="0">
+              <a:buNone/>
+              <a:defRPr sz="900"/>
+            </a:lvl1pPr>
+            <a:lvl2pPr marL="342900" indent="0">
+              <a:buNone/>
+              <a:defRPr sz="825"/>
+            </a:lvl2pPr>
+            <a:lvl3pPr marL="685800" indent="0">
+              <a:buNone/>
+              <a:defRPr sz="788"/>
+            </a:lvl3pPr>
+            <a:lvl4pPr marL="1028700" indent="0">
+              <a:buNone/>
+              <a:defRPr sz="750"/>
+            </a:lvl4pPr>
+            <a:lvl5pPr marL="1371600" indent="0">
+              <a:buNone/>
+              <a:defRPr sz="750"/>
+            </a:lvl5pPr>
+          </a:lstStyle>
+          <a:p>
+            <a:pPr lvl="0"/>
+            <a:r>
+              <a:rPr lang="en-US" dirty="0"/>
+              <a:t>Click to edit Master text styles</a:t>
+            </a:r>
+          </a:p>
+          <a:p>
+            <a:pPr lvl="1"/>
+            <a:r>
+              <a:rPr lang="en-US" dirty="0"/>
+              <a:t>Second level</a:t>
+            </a:r>
+          </a:p>
+          <a:p>
+            <a:pPr lvl="2"/>
+            <a:r>
+              <a:rPr lang="en-US" dirty="0"/>
+              <a:t>Third level</a:t>
+            </a:r>
+          </a:p>
+          <a:p>
+            <a:pPr lvl="3"/>
+            <a:r>
+              <a:rPr lang="en-US" dirty="0"/>
+              <a:t>Fourth level</a:t>
+            </a:r>
+          </a:p>
+          <a:p>
+            <a:pPr lvl="4"/>
+            <a:r>
+              <a:rPr lang="en-US" dirty="0"/>
+              <a:t>Fifth level</a:t>
+            </a:r>
+            <a:endParaRPr lang="en-CH" dirty="0"/>
+          </a:p>
+        </p:txBody>
+      </p:sp>
+    </p:spTree>
+    <p:extLst>
+      <p:ext uri="{BB962C8B-B14F-4D97-AF65-F5344CB8AC3E}">
+        <p14:creationId xmlns:p14="http://schemas.microsoft.com/office/powerpoint/2010/main" val="3745588820"/>
+      </p:ext>
+    </p:extLst>
+  </p:cSld>
+  <p:clrMapOvr>
+    <a:masterClrMapping/>
+  </p:clrMapOvr>
+</p:sldLayout>
+</file>
+
+<file path=ppt/slideLayouts/slideLayout5.xml><?xml version="1.0" encoding="utf-8"?>
+<p:sldLayout xmlns:a="http://schemas.openxmlformats.org/drawingml/2006/main" xmlns:r="http://schemas.openxmlformats.org/officeDocument/2006/relationships" xmlns:p="http://schemas.openxmlformats.org/presentationml/2006/main" preserve="1" userDrawn="1">
+  <p:cSld name="Title and Content and Caption Wide">
+    <p:spTree>
+      <p:nvGrpSpPr>
+        <p:cNvPr id="1" name=""/>
+        <p:cNvGrpSpPr/>
+        <p:nvPr/>
+      </p:nvGrpSpPr>
+      <p:grpSpPr>
+        <a:xfrm>
+          <a:off x="0" y="0"/>
+          <a:ext cx="0" cy="0"/>
+          <a:chOff x="0" y="0"/>
+          <a:chExt cx="0" cy="0"/>
+        </a:xfrm>
+      </p:grpSpPr>
+      <p:sp>
+        <p:nvSpPr>
+          <p:cNvPr id="2" name="Title 1">
+            <a:extLst>
+              <a:ext uri="{FF2B5EF4-FFF2-40B4-BE49-F238E27FC236}">
+                <a16:creationId xmlns:a16="http://schemas.microsoft.com/office/drawing/2014/main" id="{4905F3F5-CD26-4383-BCD3-A8D434E2D639}"/>
+              </a:ext>
+            </a:extLst>
+          </p:cNvPr>
+          <p:cNvSpPr>
+            <a:spLocks noGrp="1"/>
+          </p:cNvSpPr>
+          <p:nvPr>
+            <p:ph type="title"/>
+          </p:nvPr>
+        </p:nvSpPr>
+        <p:spPr>
+          <a:xfrm>
+            <a:off x="0" y="1"/>
+            <a:ext cx="3477600" cy="6857999"/>
+          </a:xfrm>
+        </p:spPr>
+        <p:txBody>
+          <a:bodyPr/>
+          <a:lstStyle>
+            <a:lvl1pPr>
+              <a:defRPr sz="3200"/>
+            </a:lvl1pPr>
+          </a:lstStyle>
+          <a:p>
+            <a:r>
+              <a:rPr lang="en-US" dirty="0"/>
+              <a:t>Click to edit Master title style</a:t>
+            </a:r>
+          </a:p>
+        </p:txBody>
+      </p:sp>
+      <p:sp>
+        <p:nvSpPr>
+          <p:cNvPr id="3" name="Content Placeholder 2">
+            <a:extLst>
+              <a:ext uri="{FF2B5EF4-FFF2-40B4-BE49-F238E27FC236}">
+                <a16:creationId xmlns:a16="http://schemas.microsoft.com/office/drawing/2014/main" id="{3FBC0A59-A7F8-4091-BC22-97B46458BECE}"/>
+              </a:ext>
+            </a:extLst>
+          </p:cNvPr>
+          <p:cNvSpPr>
+            <a:spLocks noGrp="1"/>
+          </p:cNvSpPr>
+          <p:nvPr>
+            <p:ph idx="1"/>
+          </p:nvPr>
+        </p:nvSpPr>
+        <p:spPr>
+          <a:xfrm>
+            <a:off x="3564000" y="233999"/>
+            <a:ext cx="5360400" cy="5498586"/>
+          </a:xfrm>
+        </p:spPr>
+        <p:txBody>
+          <a:bodyPr/>
+          <a:lstStyle/>
+          <a:p>
+            <a:pPr lvl="0"/>
+            <a:r>
+              <a:rPr lang="en-US" dirty="0"/>
+              <a:t>Click to edit Master text styles</a:t>
+            </a:r>
+          </a:p>
+          <a:p>
+            <a:pPr lvl="1"/>
+            <a:r>
+              <a:rPr lang="en-US" dirty="0"/>
+              <a:t>Second level</a:t>
+            </a:r>
+          </a:p>
+          <a:p>
+            <a:pPr lvl="2"/>
+            <a:r>
+              <a:rPr lang="en-US" dirty="0"/>
+              <a:t>Third level</a:t>
+            </a:r>
+          </a:p>
+          <a:p>
+            <a:pPr lvl="3"/>
+            <a:r>
+              <a:rPr lang="en-US" dirty="0"/>
+              <a:t>Fourth level</a:t>
+            </a:r>
+          </a:p>
+          <a:p>
+            <a:pPr lvl="4"/>
+            <a:r>
+              <a:rPr lang="en-US" dirty="0"/>
+              <a:t>Fifth level</a:t>
+            </a:r>
+          </a:p>
+        </p:txBody>
+      </p:sp>
+      <p:sp>
+        <p:nvSpPr>
+          <p:cNvPr id="4" name="Date Placeholder 3">
+            <a:extLst>
+              <a:ext uri="{FF2B5EF4-FFF2-40B4-BE49-F238E27FC236}">
+                <a16:creationId xmlns:a16="http://schemas.microsoft.com/office/drawing/2014/main" id="{5E4D15F2-B97A-4D46-A56B-AACA64275B31}"/>
+              </a:ext>
+            </a:extLst>
+          </p:cNvPr>
+          <p:cNvSpPr>
+            <a:spLocks noGrp="1"/>
+          </p:cNvSpPr>
+          <p:nvPr>
+            <p:ph type="dt" sz="half" idx="10"/>
+          </p:nvPr>
+        </p:nvSpPr>
+        <p:spPr>
+          <a:xfrm>
+            <a:off x="692434" y="6356350"/>
+            <a:ext cx="1174141" cy="365125"/>
+          </a:xfrm>
+          <a:prstGeom prst="rect">
+            <a:avLst/>
+          </a:prstGeom>
+        </p:spPr>
+        <p:txBody>
+          <a:bodyPr/>
+          <a:lstStyle/>
+          <a:p>
+            <a:fld id="{9FC0DEDD-AAD6-481E-BA52-3D7C9DFC702B}" type="datetime1">
+              <a:rPr lang="en-US" smtClean="0"/>
+              <a:t>1/11/2021</a:t>
+            </a:fld>
+            <a:endParaRPr lang="en-US"/>
+          </a:p>
+        </p:txBody>
+      </p:sp>
+      <p:sp>
+        <p:nvSpPr>
+          <p:cNvPr id="5" name="Footer Placeholder 4">
+            <a:extLst>
+              <a:ext uri="{FF2B5EF4-FFF2-40B4-BE49-F238E27FC236}">
+                <a16:creationId xmlns:a16="http://schemas.microsoft.com/office/drawing/2014/main" id="{EFDF8A97-3399-44D7-ACF7-3642988247E1}"/>
+              </a:ext>
+            </a:extLst>
+          </p:cNvPr>
+          <p:cNvSpPr>
+            <a:spLocks noGrp="1"/>
+          </p:cNvSpPr>
+          <p:nvPr>
+            <p:ph type="ftr" sz="quarter" idx="11"/>
+          </p:nvPr>
+        </p:nvSpPr>
+        <p:spPr>
+          <a:xfrm>
+            <a:off x="3564000" y="6356350"/>
+            <a:ext cx="5360796" cy="365125"/>
+          </a:xfrm>
+          <a:solidFill>
+            <a:schemeClr val="bg1"/>
+          </a:solidFill>
+        </p:spPr>
+        <p:txBody>
+          <a:bodyPr/>
+          <a:lstStyle/>
+          <a:p>
+            <a:endParaRPr lang="en-US"/>
+          </a:p>
+        </p:txBody>
+      </p:sp>
+      <p:sp>
+        <p:nvSpPr>
+          <p:cNvPr id="6" name="Slide Number Placeholder 5">
+            <a:extLst>
+              <a:ext uri="{FF2B5EF4-FFF2-40B4-BE49-F238E27FC236}">
+                <a16:creationId xmlns:a16="http://schemas.microsoft.com/office/drawing/2014/main" id="{BCBF6AC6-8F39-4227-B48E-79664419D365}"/>
+              </a:ext>
+            </a:extLst>
+          </p:cNvPr>
+          <p:cNvSpPr>
+            <a:spLocks noGrp="1"/>
+          </p:cNvSpPr>
+          <p:nvPr>
+            <p:ph type="sldNum" sz="quarter" idx="12"/>
+          </p:nvPr>
+        </p:nvSpPr>
+        <p:spPr/>
+        <p:txBody>
+          <a:bodyPr/>
+          <a:lstStyle/>
+          <a:p>
+            <a:fld id="{C064A79B-B315-413E-88BB-EFE0B5D603D0}" type="slidenum">
+              <a:rPr lang="en-US" smtClean="0"/>
+              <a:t>‹#›</a:t>
+            </a:fld>
+            <a:endParaRPr lang="en-US"/>
+          </a:p>
+        </p:txBody>
+      </p:sp>
+      <p:sp>
+        <p:nvSpPr>
+          <p:cNvPr id="9" name="Text Placeholder 8">
+            <a:extLst>
+              <a:ext uri="{FF2B5EF4-FFF2-40B4-BE49-F238E27FC236}">
+                <a16:creationId xmlns:a16="http://schemas.microsoft.com/office/drawing/2014/main" id="{F6B30566-8B30-4362-BCB6-7F3B3746AF24}"/>
+              </a:ext>
+            </a:extLst>
+          </p:cNvPr>
+          <p:cNvSpPr>
+            <a:spLocks noGrp="1"/>
+          </p:cNvSpPr>
+          <p:nvPr>
+            <p:ph type="body" sz="quarter" idx="13"/>
+          </p:nvPr>
+        </p:nvSpPr>
+        <p:spPr>
+          <a:xfrm>
+            <a:off x="3564000" y="5816375"/>
+            <a:ext cx="5360796" cy="365125"/>
+          </a:xfrm>
+        </p:spPr>
+        <p:txBody>
+          <a:bodyPr>
+            <a:noAutofit/>
+          </a:bodyPr>
+          <a:lstStyle>
+            <a:lvl1pPr marL="0" indent="0">
+              <a:buNone/>
+              <a:defRPr sz="900"/>
+            </a:lvl1pPr>
+            <a:lvl2pPr marL="342900" indent="0">
+              <a:buNone/>
+              <a:defRPr sz="825"/>
+            </a:lvl2pPr>
+            <a:lvl3pPr marL="685800" indent="0">
+              <a:buNone/>
+              <a:defRPr sz="788"/>
+            </a:lvl3pPr>
+            <a:lvl4pPr marL="1028700" indent="0">
+              <a:buNone/>
+              <a:defRPr sz="750"/>
+            </a:lvl4pPr>
+            <a:lvl5pPr marL="1371600" indent="0">
+              <a:buNone/>
+              <a:defRPr sz="750"/>
+            </a:lvl5pPr>
+          </a:lstStyle>
+          <a:p>
+            <a:pPr lvl="0"/>
+            <a:r>
+              <a:rPr lang="en-US" dirty="0"/>
+              <a:t>Click to edit Master text styles</a:t>
+            </a:r>
+          </a:p>
+          <a:p>
+            <a:pPr lvl="1"/>
+            <a:r>
+              <a:rPr lang="en-US" dirty="0"/>
+              <a:t>Second level</a:t>
+            </a:r>
+          </a:p>
+          <a:p>
+            <a:pPr lvl="2"/>
+            <a:r>
+              <a:rPr lang="en-US" dirty="0"/>
+              <a:t>Third level</a:t>
+            </a:r>
+          </a:p>
+          <a:p>
+            <a:pPr lvl="3"/>
+            <a:r>
+              <a:rPr lang="en-US" dirty="0"/>
+              <a:t>Fourth level</a:t>
+            </a:r>
+          </a:p>
+          <a:p>
+            <a:pPr lvl="4"/>
+            <a:r>
+              <a:rPr lang="en-US" dirty="0"/>
+              <a:t>Fifth level</a:t>
+            </a:r>
+            <a:endParaRPr lang="en-CH" dirty="0"/>
+          </a:p>
+        </p:txBody>
+      </p:sp>
+      <p:pic>
+        <p:nvPicPr>
+          <p:cNvPr id="10" name="Picture 9">
+            <a:extLst>
+              <a:ext uri="{FF2B5EF4-FFF2-40B4-BE49-F238E27FC236}">
+                <a16:creationId xmlns:a16="http://schemas.microsoft.com/office/drawing/2014/main" id="{F5C81F92-669C-4873-9E73-40B11D4197F6}"/>
+              </a:ext>
+            </a:extLst>
+          </p:cNvPr>
+          <p:cNvPicPr>
+            <a:picLocks noChangeAspect="1"/>
+          </p:cNvPicPr>
+          <p:nvPr userDrawn="1"/>
+        </p:nvPicPr>
+        <p:blipFill>
+          <a:blip r:embed="rId2"/>
+          <a:stretch>
+            <a:fillRect/>
+          </a:stretch>
+        </p:blipFill>
+        <p:spPr>
+          <a:xfrm>
+            <a:off x="1249776" y="6235154"/>
+            <a:ext cx="2280102" cy="755970"/>
+          </a:xfrm>
+          <a:prstGeom prst="rect">
+            <a:avLst/>
+          </a:prstGeom>
+        </p:spPr>
+      </p:pic>
+    </p:spTree>
+    <p:extLst>
+      <p:ext uri="{BB962C8B-B14F-4D97-AF65-F5344CB8AC3E}">
+        <p14:creationId xmlns:p14="http://schemas.microsoft.com/office/powerpoint/2010/main" val="3065396631"/>
+      </p:ext>
+    </p:extLst>
+  </p:cSld>
+  <p:clrMapOvr>
+    <a:masterClrMapping/>
+  </p:clrMapOvr>
+</p:sldLayout>
+</file>
+
+<file path=ppt/slideLayouts/slideLayout6.xml><?xml version="1.0" encoding="utf-8"?>
+<p:sldLayout xmlns:a="http://schemas.openxmlformats.org/drawingml/2006/main" xmlns:r="http://schemas.openxmlformats.org/officeDocument/2006/relationships" xmlns:p="http://schemas.openxmlformats.org/presentationml/2006/main" type="secHead" preserve="1">
+  <p:cSld name="Section Header">
+    <p:spTree>
+      <p:nvGrpSpPr>
+        <p:cNvPr id="1" name=""/>
+        <p:cNvGrpSpPr/>
+        <p:nvPr/>
+      </p:nvGrpSpPr>
+      <p:grpSpPr>
+        <a:xfrm>
+          <a:off x="0" y="0"/>
+          <a:ext cx="0" cy="0"/>
+          <a:chOff x="0" y="0"/>
+          <a:chExt cx="0" cy="0"/>
+        </a:xfrm>
+      </p:grpSpPr>
+      <p:sp>
+        <p:nvSpPr>
+          <p:cNvPr id="2" name="Title 1">
+            <a:extLst>
+              <a:ext uri="{FF2B5EF4-FFF2-40B4-BE49-F238E27FC236}">
+                <a16:creationId xmlns:a16="http://schemas.microsoft.com/office/drawing/2014/main" id="{CAC83E8A-D652-4338-AF10-2620BEDD68FB}"/>
+              </a:ext>
+            </a:extLst>
+          </p:cNvPr>
+          <p:cNvSpPr>
+            <a:spLocks noGrp="1"/>
+          </p:cNvSpPr>
+          <p:nvPr>
+            <p:ph type="title"/>
+          </p:nvPr>
+        </p:nvSpPr>
+        <p:spPr>
+          <a:xfrm>
+            <a:off x="623888" y="1709739"/>
+            <a:ext cx="7886700" cy="2852737"/>
+          </a:xfrm>
+        </p:spPr>
+        <p:txBody>
+          <a:bodyPr anchor="b"/>
+          <a:lstStyle>
+            <a:lvl1pPr>
+              <a:defRPr sz="4500"/>
+            </a:lvl1pPr>
+          </a:lstStyle>
+          <a:p>
+            <a:r>
+              <a:rPr lang="en-US"/>
+              <a:t>Click to edit Master title style</a:t>
+            </a:r>
+          </a:p>
+        </p:txBody>
+      </p:sp>
+      <p:sp>
+        <p:nvSpPr>
+          <p:cNvPr id="3" name="Text Placeholder 2">
+            <a:extLst>
+              <a:ext uri="{FF2B5EF4-FFF2-40B4-BE49-F238E27FC236}">
+                <a16:creationId xmlns:a16="http://schemas.microsoft.com/office/drawing/2014/main" id="{773CD88D-4D3C-412E-9FE0-022A074066A0}"/>
+              </a:ext>
+            </a:extLst>
+          </p:cNvPr>
+          <p:cNvSpPr>
+            <a:spLocks noGrp="1"/>
+          </p:cNvSpPr>
+          <p:nvPr>
+            <p:ph type="body" idx="1"/>
+          </p:nvPr>
+        </p:nvSpPr>
+        <p:spPr>
+          <a:xfrm>
+            <a:off x="623888" y="4589464"/>
+            <a:ext cx="7886700" cy="1500187"/>
+          </a:xfrm>
+        </p:spPr>
+        <p:txBody>
+          <a:bodyPr/>
+          <a:lstStyle>
+            <a:lvl1pPr marL="0" indent="0">
+              <a:buNone/>
+              <a:defRPr sz="1800">
+                <a:solidFill>
+                  <a:schemeClr val="tx1">
+                    <a:tint val="75000"/>
+                  </a:schemeClr>
+                </a:solidFill>
+              </a:defRPr>
+            </a:lvl1pPr>
+            <a:lvl2pPr marL="342900" indent="0">
+              <a:buNone/>
+              <a:defRPr sz="1500">
+                <a:solidFill>
+                  <a:schemeClr val="tx1">
+                    <a:tint val="75000"/>
+                  </a:schemeClr>
+                </a:solidFill>
+              </a:defRPr>
+            </a:lvl2pPr>
+            <a:lvl3pPr marL="685800" indent="0">
+              <a:buNone/>
+              <a:defRPr sz="1350">
+                <a:solidFill>
+                  <a:schemeClr val="tx1">
+                    <a:tint val="75000"/>
+                  </a:schemeClr>
+                </a:solidFill>
+              </a:defRPr>
+            </a:lvl3pPr>
+            <a:lvl4pPr marL="1028700" indent="0">
+              <a:buNone/>
+              <a:defRPr sz="1200">
+                <a:solidFill>
+                  <a:schemeClr val="tx1">
+                    <a:tint val="75000"/>
+                  </a:schemeClr>
+                </a:solidFill>
+              </a:defRPr>
+            </a:lvl4pPr>
+            <a:lvl5pPr marL="1371600" indent="0">
+              <a:buNone/>
+              <a:defRPr sz="1200">
+                <a:solidFill>
+                  <a:schemeClr val="tx1">
+                    <a:tint val="75000"/>
+                  </a:schemeClr>
+                </a:solidFill>
+              </a:defRPr>
+            </a:lvl5pPr>
+            <a:lvl6pPr marL="1714500" indent="0">
+              <a:buNone/>
+              <a:defRPr sz="1200">
+                <a:solidFill>
+                  <a:schemeClr val="tx1">
+                    <a:tint val="75000"/>
+                  </a:schemeClr>
+                </a:solidFill>
+              </a:defRPr>
+            </a:lvl6pPr>
+            <a:lvl7pPr marL="2057400" indent="0">
+              <a:buNone/>
+              <a:defRPr sz="1200">
+                <a:solidFill>
+                  <a:schemeClr val="tx1">
+                    <a:tint val="75000"/>
+                  </a:schemeClr>
+                </a:solidFill>
+              </a:defRPr>
+            </a:lvl7pPr>
+            <a:lvl8pPr marL="2400300" indent="0">
+              <a:buNone/>
+              <a:defRPr sz="1200">
+                <a:solidFill>
+                  <a:schemeClr val="tx1">
+                    <a:tint val="75000"/>
+                  </a:schemeClr>
+                </a:solidFill>
+              </a:defRPr>
+            </a:lvl8pPr>
+            <a:lvl9pPr marL="2743200" indent="0">
+              <a:buNone/>
+              <a:defRPr sz="1200">
+                <a:solidFill>
+                  <a:schemeClr val="tx1">
+                    <a:tint val="75000"/>
+                  </a:schemeClr>
+                </a:solidFill>
+              </a:defRPr>
+            </a:lvl9pPr>
+          </a:lstStyle>
+          <a:p>
+            <a:pPr lvl="0"/>
+            <a:r>
+              <a:rPr lang="en-US"/>
+              <a:t>Click to edit Master text styles</a:t>
+            </a:r>
+          </a:p>
+        </p:txBody>
+      </p:sp>
+      <p:sp>
+        <p:nvSpPr>
+          <p:cNvPr id="4" name="Date Placeholder 3">
+            <a:extLst>
+              <a:ext uri="{FF2B5EF4-FFF2-40B4-BE49-F238E27FC236}">
+                <a16:creationId xmlns:a16="http://schemas.microsoft.com/office/drawing/2014/main" id="{8CEBA95A-B650-41C7-9489-6DC88967C068}"/>
+              </a:ext>
+            </a:extLst>
+          </p:cNvPr>
+          <p:cNvSpPr>
+            <a:spLocks noGrp="1"/>
+          </p:cNvSpPr>
+          <p:nvPr>
+            <p:ph type="dt" sz="half" idx="10"/>
+          </p:nvPr>
+        </p:nvSpPr>
+        <p:spPr>
+          <a:xfrm>
+            <a:off x="692434" y="6356350"/>
+            <a:ext cx="1174141" cy="365125"/>
+          </a:xfrm>
+          <a:prstGeom prst="rect">
+            <a:avLst/>
+          </a:prstGeom>
+        </p:spPr>
+        <p:txBody>
+          <a:bodyPr/>
+          <a:lstStyle/>
+          <a:p>
+            <a:fld id="{EC5C82F9-F59C-4CE5-9289-1898459AF428}" type="datetime1">
+              <a:rPr lang="en-US" smtClean="0"/>
+              <a:t>1/11/2021</a:t>
+            </a:fld>
+            <a:endParaRPr lang="en-US"/>
+          </a:p>
+        </p:txBody>
+      </p:sp>
+      <p:sp>
+        <p:nvSpPr>
+          <p:cNvPr id="5" name="Footer Placeholder 4">
+            <a:extLst>
+              <a:ext uri="{FF2B5EF4-FFF2-40B4-BE49-F238E27FC236}">
+                <a16:creationId xmlns:a16="http://schemas.microsoft.com/office/drawing/2014/main" id="{A66BC28A-637A-4CE6-988A-B637DDE1F8A1}"/>
+              </a:ext>
+            </a:extLst>
+          </p:cNvPr>
+          <p:cNvSpPr>
+            <a:spLocks noGrp="1"/>
+          </p:cNvSpPr>
+          <p:nvPr>
+            <p:ph type="ftr" sz="quarter" idx="11"/>
+          </p:nvPr>
+        </p:nvSpPr>
+        <p:spPr/>
+        <p:txBody>
+          <a:bodyPr/>
+          <a:lstStyle/>
+          <a:p>
+            <a:endParaRPr lang="en-US"/>
+          </a:p>
+        </p:txBody>
+      </p:sp>
+      <p:sp>
+        <p:nvSpPr>
+          <p:cNvPr id="6" name="Slide Number Placeholder 5">
+            <a:extLst>
+              <a:ext uri="{FF2B5EF4-FFF2-40B4-BE49-F238E27FC236}">
+                <a16:creationId xmlns:a16="http://schemas.microsoft.com/office/drawing/2014/main" id="{AEFFEDC3-9E77-41A8-88FA-0756CBBE5CAB}"/>
+              </a:ext>
+            </a:extLst>
+          </p:cNvPr>
+          <p:cNvSpPr>
+            <a:spLocks noGrp="1"/>
+          </p:cNvSpPr>
+          <p:nvPr>
+            <p:ph type="sldNum" sz="quarter" idx="12"/>
+          </p:nvPr>
+        </p:nvSpPr>
+        <p:spPr/>
+        <p:txBody>
+          <a:bodyPr/>
+          <a:lstStyle/>
+          <a:p>
+            <a:fld id="{C064A79B-B315-413E-88BB-EFE0B5D603D0}" type="slidenum">
+              <a:rPr lang="en-US" smtClean="0"/>
+              <a:t>‹#›</a:t>
+            </a:fld>
+            <a:endParaRPr lang="en-US"/>
+          </a:p>
+        </p:txBody>
+      </p:sp>
+    </p:spTree>
+    <p:extLst>
+      <p:ext uri="{BB962C8B-B14F-4D97-AF65-F5344CB8AC3E}">
+        <p14:creationId xmlns:p14="http://schemas.microsoft.com/office/powerpoint/2010/main" val="195960324"/>
+      </p:ext>
+    </p:extLst>
+  </p:cSld>
+  <p:clrMapOvr>
+    <a:masterClrMapping/>
+  </p:clrMapOvr>
+</p:sldLayout>
+</file>
+
+<file path=ppt/slideLayouts/slideLayout7.xml><?xml version="1.0" encoding="utf-8"?>
+<p:sldLayout xmlns:a="http://schemas.openxmlformats.org/drawingml/2006/main" xmlns:r="http://schemas.openxmlformats.org/officeDocument/2006/relationships" xmlns:p="http://schemas.openxmlformats.org/presentationml/2006/main" preserve="1" userDrawn="1">
+  <p:cSld name="Two Content">
+    <p:bg>
+      <p:bgPr>
+        <a:solidFill>
+          <a:schemeClr val="bg1"/>
+        </a:solidFill>
+        <a:effectLst/>
+      </p:bgPr>
+    </p:bg>
+    <p:spTree>
+      <p:nvGrpSpPr>
+        <p:cNvPr id="1" name=""/>
+        <p:cNvGrpSpPr/>
+        <p:nvPr/>
+      </p:nvGrpSpPr>
+      <p:grpSpPr>
+        <a:xfrm>
+          <a:off x="0" y="0"/>
+          <a:ext cx="0" cy="0"/>
+          <a:chOff x="0" y="0"/>
+          <a:chExt cx="0" cy="0"/>
+        </a:xfrm>
+      </p:grpSpPr>
+      <p:sp>
+        <p:nvSpPr>
+          <p:cNvPr id="5" name="Date Placeholder 4">
+            <a:extLst>
+              <a:ext uri="{FF2B5EF4-FFF2-40B4-BE49-F238E27FC236}">
+                <a16:creationId xmlns:a16="http://schemas.microsoft.com/office/drawing/2014/main" id="{985F3433-3055-4279-A232-CDB35C481677}"/>
+              </a:ext>
+            </a:extLst>
+          </p:cNvPr>
+          <p:cNvSpPr>
+            <a:spLocks noGrp="1"/>
+          </p:cNvSpPr>
+          <p:nvPr>
+            <p:ph type="dt" sz="half" idx="10"/>
+          </p:nvPr>
+        </p:nvSpPr>
+        <p:spPr>
+          <a:xfrm>
+            <a:off x="692434" y="6356350"/>
+            <a:ext cx="1174141" cy="365125"/>
+          </a:xfrm>
+          <a:prstGeom prst="rect">
+            <a:avLst/>
+          </a:prstGeom>
+        </p:spPr>
+        <p:txBody>
+          <a:bodyPr/>
+          <a:lstStyle/>
+          <a:p>
+            <a:fld id="{DA0CDD85-E753-4251-B347-F1BEE1D272E1}" type="datetime1">
+              <a:rPr lang="en-US" smtClean="0"/>
+              <a:t>1/11/2021</a:t>
+            </a:fld>
+            <a:endParaRPr lang="en-US"/>
+          </a:p>
+        </p:txBody>
+      </p:sp>
+      <p:sp>
+        <p:nvSpPr>
+          <p:cNvPr id="6" name="Footer Placeholder 5">
+            <a:extLst>
+              <a:ext uri="{FF2B5EF4-FFF2-40B4-BE49-F238E27FC236}">
+                <a16:creationId xmlns:a16="http://schemas.microsoft.com/office/drawing/2014/main" id="{C4190A63-5D67-4FD5-97FD-79F7445B6A2E}"/>
+              </a:ext>
+            </a:extLst>
+          </p:cNvPr>
+          <p:cNvSpPr>
+            <a:spLocks noGrp="1"/>
+          </p:cNvSpPr>
+          <p:nvPr>
+            <p:ph type="ftr" sz="quarter" idx="11"/>
+          </p:nvPr>
+        </p:nvSpPr>
+        <p:spPr/>
+        <p:txBody>
+          <a:bodyPr/>
+          <a:lstStyle/>
+          <a:p>
+            <a:endParaRPr lang="en-US"/>
+          </a:p>
+        </p:txBody>
+      </p:sp>
+      <p:sp>
+        <p:nvSpPr>
+          <p:cNvPr id="7" name="Slide Number Placeholder 6">
+            <a:extLst>
+              <a:ext uri="{FF2B5EF4-FFF2-40B4-BE49-F238E27FC236}">
+                <a16:creationId xmlns:a16="http://schemas.microsoft.com/office/drawing/2014/main" id="{D2687DAE-A442-4DC3-8550-20F58B781EC7}"/>
+              </a:ext>
+            </a:extLst>
+          </p:cNvPr>
+          <p:cNvSpPr>
+            <a:spLocks noGrp="1"/>
+          </p:cNvSpPr>
+          <p:nvPr>
+            <p:ph type="sldNum" sz="quarter" idx="12"/>
+          </p:nvPr>
+        </p:nvSpPr>
+        <p:spPr/>
+        <p:txBody>
+          <a:bodyPr/>
+          <a:lstStyle/>
+          <a:p>
+            <a:fld id="{C064A79B-B315-413E-88BB-EFE0B5D603D0}" type="slidenum">
+              <a:rPr lang="en-US" smtClean="0"/>
+              <a:t>‹#›</a:t>
+            </a:fld>
+            <a:endParaRPr lang="en-US"/>
+          </a:p>
+        </p:txBody>
+      </p:sp>
+      <p:sp>
+        <p:nvSpPr>
+          <p:cNvPr id="9" name="Title 1">
+            <a:extLst>
+              <a:ext uri="{FF2B5EF4-FFF2-40B4-BE49-F238E27FC236}">
+                <a16:creationId xmlns:a16="http://schemas.microsoft.com/office/drawing/2014/main" id="{177E17F1-D3B2-42A6-9982-8788655386CF}"/>
+              </a:ext>
+            </a:extLst>
+          </p:cNvPr>
+          <p:cNvSpPr>
+            <a:spLocks noGrp="1"/>
+          </p:cNvSpPr>
+          <p:nvPr>
+            <p:ph type="title"/>
+          </p:nvPr>
+        </p:nvSpPr>
+        <p:spPr>
+          <a:xfrm>
+            <a:off x="0" y="1"/>
+            <a:ext cx="9144000" cy="1013635"/>
+          </a:xfrm>
+          <a:solidFill>
+            <a:srgbClr val="0070C0"/>
+          </a:solidFill>
+        </p:spPr>
+        <p:txBody>
+          <a:bodyPr/>
+          <a:lstStyle>
+            <a:lvl1pPr>
+              <a:defRPr lang="en-US" dirty="0"/>
+            </a:lvl1pPr>
+          </a:lstStyle>
+          <a:p>
+            <a:r>
+              <a:rPr lang="en-US" dirty="0"/>
+              <a:t>Click to edit Master title style</a:t>
+            </a:r>
+          </a:p>
+        </p:txBody>
+      </p:sp>
+      <p:sp>
+        <p:nvSpPr>
+          <p:cNvPr id="10" name="Content Placeholder 2">
+            <a:extLst>
+              <a:ext uri="{FF2B5EF4-FFF2-40B4-BE49-F238E27FC236}">
+                <a16:creationId xmlns:a16="http://schemas.microsoft.com/office/drawing/2014/main" id="{F1A58CC4-526C-4991-898F-C0879D5343E8}"/>
+              </a:ext>
+            </a:extLst>
+          </p:cNvPr>
+          <p:cNvSpPr>
+            <a:spLocks noGrp="1"/>
+          </p:cNvSpPr>
+          <p:nvPr>
+            <p:ph sz="half" idx="1"/>
+          </p:nvPr>
+        </p:nvSpPr>
+        <p:spPr>
+          <a:xfrm>
+            <a:off x="187892" y="1205547"/>
+            <a:ext cx="3479234" cy="4971416"/>
+          </a:xfrm>
+        </p:spPr>
+        <p:txBody>
+          <a:bodyPr/>
+          <a:lstStyle/>
+          <a:p>
+            <a:pPr lvl="0"/>
+            <a:r>
+              <a:rPr lang="en-US" dirty="0"/>
+              <a:t>Click to edit Master text styles</a:t>
+            </a:r>
+          </a:p>
+          <a:p>
+            <a:pPr lvl="1"/>
+            <a:r>
+              <a:rPr lang="en-US" dirty="0"/>
+              <a:t>Second level</a:t>
+            </a:r>
+          </a:p>
+          <a:p>
+            <a:pPr lvl="2"/>
+            <a:r>
+              <a:rPr lang="en-US" dirty="0"/>
+              <a:t>Third level</a:t>
+            </a:r>
+          </a:p>
+          <a:p>
+            <a:pPr lvl="3"/>
+            <a:r>
+              <a:rPr lang="en-US" dirty="0"/>
+              <a:t>Fourth level</a:t>
+            </a:r>
+          </a:p>
+          <a:p>
+            <a:pPr lvl="4"/>
+            <a:r>
+              <a:rPr lang="en-US" dirty="0"/>
+              <a:t>Fifth level</a:t>
+            </a:r>
+          </a:p>
+        </p:txBody>
+      </p:sp>
+      <p:sp>
+        <p:nvSpPr>
+          <p:cNvPr id="11" name="Content Placeholder 3">
+            <a:extLst>
+              <a:ext uri="{FF2B5EF4-FFF2-40B4-BE49-F238E27FC236}">
+                <a16:creationId xmlns:a16="http://schemas.microsoft.com/office/drawing/2014/main" id="{CB008E43-F727-4C47-9855-9440A412ACCB}"/>
+              </a:ext>
+            </a:extLst>
+          </p:cNvPr>
+          <p:cNvSpPr>
+            <a:spLocks noGrp="1"/>
+          </p:cNvSpPr>
+          <p:nvPr>
+            <p:ph sz="half" idx="2"/>
+          </p:nvPr>
+        </p:nvSpPr>
+        <p:spPr>
+          <a:xfrm>
+            <a:off x="3771900" y="1205547"/>
+            <a:ext cx="5152895" cy="4971416"/>
+          </a:xfrm>
+        </p:spPr>
+        <p:txBody>
+          <a:bodyPr/>
+          <a:lstStyle/>
+          <a:p>
+            <a:pPr lvl="0"/>
+            <a:r>
+              <a:rPr lang="en-US" dirty="0"/>
+              <a:t>Click to edit Master text styles</a:t>
+            </a:r>
+          </a:p>
+          <a:p>
+            <a:pPr lvl="1"/>
+            <a:r>
+              <a:rPr lang="en-US" dirty="0"/>
+              <a:t>Second level</a:t>
+            </a:r>
+          </a:p>
+          <a:p>
+            <a:pPr lvl="2"/>
+            <a:r>
+              <a:rPr lang="en-US" dirty="0"/>
+              <a:t>Third level</a:t>
+            </a:r>
+          </a:p>
+          <a:p>
+            <a:pPr lvl="3"/>
+            <a:r>
+              <a:rPr lang="en-US" dirty="0"/>
+              <a:t>Fourth level</a:t>
+            </a:r>
+          </a:p>
+          <a:p>
+            <a:pPr lvl="4"/>
+            <a:r>
+              <a:rPr lang="en-US" dirty="0"/>
+              <a:t>Fifth level</a:t>
+            </a:r>
+          </a:p>
+        </p:txBody>
+      </p:sp>
+    </p:spTree>
+    <p:extLst>
+      <p:ext uri="{BB962C8B-B14F-4D97-AF65-F5344CB8AC3E}">
+        <p14:creationId xmlns:p14="http://schemas.microsoft.com/office/powerpoint/2010/main" val="2000806371"/>
+      </p:ext>
+    </p:extLst>
+  </p:cSld>
+  <p:clrMapOvr>
+    <a:masterClrMapping/>
+  </p:clrMapOvr>
+</p:sldLayout>
+</file>
+
+<file path=ppt/slideLayouts/slideLayout8.xml><?xml version="1.0" encoding="utf-8"?>
+<p:sldLayout xmlns:a="http://schemas.openxmlformats.org/drawingml/2006/main" xmlns:r="http://schemas.openxmlformats.org/officeDocument/2006/relationships" xmlns:p="http://schemas.openxmlformats.org/presentationml/2006/main" preserve="1" userDrawn="1">
+  <p:cSld name="Two Content and Caption Right">
+    <p:bg>
+      <p:bgPr>
+        <a:solidFill>
+          <a:schemeClr val="bg1"/>
+        </a:solidFill>
+        <a:effectLst/>
+      </p:bgPr>
+    </p:bg>
+    <p:spTree>
+      <p:nvGrpSpPr>
+        <p:cNvPr id="1" name=""/>
+        <p:cNvGrpSpPr/>
+        <p:nvPr/>
+      </p:nvGrpSpPr>
+      <p:grpSpPr>
+        <a:xfrm>
+          <a:off x="0" y="0"/>
+          <a:ext cx="0" cy="0"/>
+          <a:chOff x="0" y="0"/>
+          <a:chExt cx="0" cy="0"/>
+        </a:xfrm>
+      </p:grpSpPr>
+      <p:sp>
+        <p:nvSpPr>
+          <p:cNvPr id="5" name="Date Placeholder 4">
+            <a:extLst>
+              <a:ext uri="{FF2B5EF4-FFF2-40B4-BE49-F238E27FC236}">
+                <a16:creationId xmlns:a16="http://schemas.microsoft.com/office/drawing/2014/main" id="{985F3433-3055-4279-A232-CDB35C481677}"/>
+              </a:ext>
+            </a:extLst>
+          </p:cNvPr>
+          <p:cNvSpPr>
+            <a:spLocks noGrp="1"/>
+          </p:cNvSpPr>
+          <p:nvPr>
+            <p:ph type="dt" sz="half" idx="10"/>
+          </p:nvPr>
+        </p:nvSpPr>
+        <p:spPr>
+          <a:xfrm>
+            <a:off x="692434" y="6356350"/>
+            <a:ext cx="1174141" cy="365125"/>
+          </a:xfrm>
+          <a:prstGeom prst="rect">
+            <a:avLst/>
+          </a:prstGeom>
+        </p:spPr>
+        <p:txBody>
+          <a:bodyPr/>
+          <a:lstStyle/>
+          <a:p>
+            <a:fld id="{57B4F576-FC99-4961-BD4C-E8B281EB9C39}" type="datetime1">
+              <a:rPr lang="en-US" smtClean="0"/>
+              <a:t>1/11/2021</a:t>
+            </a:fld>
+            <a:endParaRPr lang="en-US"/>
+          </a:p>
+        </p:txBody>
+      </p:sp>
+      <p:sp>
+        <p:nvSpPr>
+          <p:cNvPr id="6" name="Footer Placeholder 5">
+            <a:extLst>
+              <a:ext uri="{FF2B5EF4-FFF2-40B4-BE49-F238E27FC236}">
+                <a16:creationId xmlns:a16="http://schemas.microsoft.com/office/drawing/2014/main" id="{C4190A63-5D67-4FD5-97FD-79F7445B6A2E}"/>
+              </a:ext>
+            </a:extLst>
+          </p:cNvPr>
+          <p:cNvSpPr>
+            <a:spLocks noGrp="1"/>
+          </p:cNvSpPr>
+          <p:nvPr>
+            <p:ph type="ftr" sz="quarter" idx="11"/>
+          </p:nvPr>
+        </p:nvSpPr>
+        <p:spPr/>
+        <p:txBody>
+          <a:bodyPr/>
+          <a:lstStyle/>
+          <a:p>
+            <a:endParaRPr lang="en-US"/>
+          </a:p>
+        </p:txBody>
+      </p:sp>
+      <p:sp>
+        <p:nvSpPr>
+          <p:cNvPr id="7" name="Slide Number Placeholder 6">
+            <a:extLst>
+              <a:ext uri="{FF2B5EF4-FFF2-40B4-BE49-F238E27FC236}">
+                <a16:creationId xmlns:a16="http://schemas.microsoft.com/office/drawing/2014/main" id="{D2687DAE-A442-4DC3-8550-20F58B781EC7}"/>
+              </a:ext>
+            </a:extLst>
+          </p:cNvPr>
+          <p:cNvSpPr>
+            <a:spLocks noGrp="1"/>
+          </p:cNvSpPr>
+          <p:nvPr>
+            <p:ph type="sldNum" sz="quarter" idx="12"/>
+          </p:nvPr>
+        </p:nvSpPr>
+        <p:spPr/>
+        <p:txBody>
+          <a:bodyPr/>
+          <a:lstStyle/>
+          <a:p>
+            <a:fld id="{C064A79B-B315-413E-88BB-EFE0B5D603D0}" type="slidenum">
+              <a:rPr lang="en-US" smtClean="0"/>
+              <a:t>‹#›</a:t>
+            </a:fld>
+            <a:endParaRPr lang="en-US"/>
+          </a:p>
+        </p:txBody>
+      </p:sp>
+      <p:sp>
+        <p:nvSpPr>
+          <p:cNvPr id="9" name="Title 1">
+            <a:extLst>
+              <a:ext uri="{FF2B5EF4-FFF2-40B4-BE49-F238E27FC236}">
+                <a16:creationId xmlns:a16="http://schemas.microsoft.com/office/drawing/2014/main" id="{177E17F1-D3B2-42A6-9982-8788655386CF}"/>
+              </a:ext>
+            </a:extLst>
+          </p:cNvPr>
+          <p:cNvSpPr>
+            <a:spLocks noGrp="1"/>
+          </p:cNvSpPr>
+          <p:nvPr>
+            <p:ph type="title"/>
+          </p:nvPr>
+        </p:nvSpPr>
+        <p:spPr>
+          <a:xfrm>
+            <a:off x="0" y="1"/>
+            <a:ext cx="9144000" cy="1013635"/>
+          </a:xfrm>
+          <a:solidFill>
+            <a:srgbClr val="0070C0"/>
+          </a:solidFill>
+        </p:spPr>
+        <p:txBody>
+          <a:bodyPr/>
+          <a:lstStyle>
+            <a:lvl1pPr>
+              <a:defRPr lang="en-US" dirty="0"/>
+            </a:lvl1pPr>
+          </a:lstStyle>
+          <a:p>
+            <a:r>
+              <a:rPr lang="en-US" dirty="0"/>
+              <a:t>Click to edit Master title style</a:t>
+            </a:r>
+          </a:p>
+        </p:txBody>
+      </p:sp>
+      <p:sp>
+        <p:nvSpPr>
+          <p:cNvPr id="10" name="Content Placeholder 2">
+            <a:extLst>
+              <a:ext uri="{FF2B5EF4-FFF2-40B4-BE49-F238E27FC236}">
+                <a16:creationId xmlns:a16="http://schemas.microsoft.com/office/drawing/2014/main" id="{F1A58CC4-526C-4991-898F-C0879D5343E8}"/>
+              </a:ext>
+            </a:extLst>
+          </p:cNvPr>
+          <p:cNvSpPr>
+            <a:spLocks noGrp="1"/>
+          </p:cNvSpPr>
+          <p:nvPr>
+            <p:ph sz="half" idx="1"/>
+          </p:nvPr>
+        </p:nvSpPr>
+        <p:spPr>
+          <a:xfrm>
+            <a:off x="187892" y="1205547"/>
+            <a:ext cx="3231584" cy="4971416"/>
+          </a:xfrm>
+        </p:spPr>
+        <p:txBody>
+          <a:bodyPr/>
+          <a:lstStyle/>
+          <a:p>
+            <a:pPr lvl="0"/>
+            <a:r>
+              <a:rPr lang="en-US" dirty="0"/>
+              <a:t>Click to edit Master text styles</a:t>
+            </a:r>
+          </a:p>
+          <a:p>
+            <a:pPr lvl="1"/>
+            <a:r>
+              <a:rPr lang="en-US" dirty="0"/>
+              <a:t>Second level</a:t>
+            </a:r>
+          </a:p>
+          <a:p>
+            <a:pPr lvl="2"/>
+            <a:r>
+              <a:rPr lang="en-US" dirty="0"/>
+              <a:t>Third level</a:t>
+            </a:r>
+          </a:p>
+          <a:p>
+            <a:pPr lvl="3"/>
+            <a:r>
+              <a:rPr lang="en-US" dirty="0"/>
+              <a:t>Fourth level</a:t>
+            </a:r>
+          </a:p>
+          <a:p>
+            <a:pPr lvl="4"/>
+            <a:r>
+              <a:rPr lang="en-US" dirty="0"/>
+              <a:t>Fifth level</a:t>
+            </a:r>
+          </a:p>
+        </p:txBody>
+      </p:sp>
+      <p:sp>
+        <p:nvSpPr>
+          <p:cNvPr id="11" name="Content Placeholder 3">
+            <a:extLst>
+              <a:ext uri="{FF2B5EF4-FFF2-40B4-BE49-F238E27FC236}">
+                <a16:creationId xmlns:a16="http://schemas.microsoft.com/office/drawing/2014/main" id="{CB008E43-F727-4C47-9855-9440A412ACCB}"/>
+              </a:ext>
+            </a:extLst>
+          </p:cNvPr>
+          <p:cNvSpPr>
+            <a:spLocks noGrp="1"/>
+          </p:cNvSpPr>
+          <p:nvPr>
+            <p:ph sz="half" idx="2"/>
+          </p:nvPr>
+        </p:nvSpPr>
+        <p:spPr>
+          <a:xfrm>
+            <a:off x="3514726" y="1205548"/>
+            <a:ext cx="5410070" cy="4446906"/>
+          </a:xfrm>
+        </p:spPr>
+        <p:txBody>
+          <a:bodyPr/>
+          <a:lstStyle/>
+          <a:p>
+            <a:pPr lvl="0"/>
+            <a:r>
+              <a:rPr lang="en-US" dirty="0"/>
+              <a:t>Click to edit Master text styles</a:t>
+            </a:r>
+          </a:p>
+          <a:p>
+            <a:pPr lvl="1"/>
+            <a:r>
+              <a:rPr lang="en-US" dirty="0"/>
+              <a:t>Second level</a:t>
+            </a:r>
+          </a:p>
+          <a:p>
+            <a:pPr lvl="2"/>
+            <a:r>
+              <a:rPr lang="en-US" dirty="0"/>
+              <a:t>Third level</a:t>
+            </a:r>
+          </a:p>
+          <a:p>
+            <a:pPr lvl="3"/>
+            <a:r>
+              <a:rPr lang="en-US" dirty="0"/>
+              <a:t>Fourth level</a:t>
+            </a:r>
+          </a:p>
+          <a:p>
+            <a:pPr lvl="4"/>
+            <a:r>
+              <a:rPr lang="en-US" dirty="0"/>
+              <a:t>Fifth level</a:t>
+            </a:r>
+          </a:p>
+        </p:txBody>
+      </p:sp>
+      <p:sp>
+        <p:nvSpPr>
+          <p:cNvPr id="3" name="Text Placeholder 2">
+            <a:extLst>
+              <a:ext uri="{FF2B5EF4-FFF2-40B4-BE49-F238E27FC236}">
+                <a16:creationId xmlns:a16="http://schemas.microsoft.com/office/drawing/2014/main" id="{B6810FF5-0B9C-4441-B73D-B10146FB8996}"/>
+              </a:ext>
+            </a:extLst>
+          </p:cNvPr>
+          <p:cNvSpPr>
+            <a:spLocks noGrp="1"/>
+          </p:cNvSpPr>
+          <p:nvPr>
+            <p:ph type="body" sz="quarter" idx="13"/>
+          </p:nvPr>
+        </p:nvSpPr>
+        <p:spPr>
+          <a:xfrm>
+            <a:off x="3514727" y="5731330"/>
+            <a:ext cx="5410070" cy="445634"/>
+          </a:xfrm>
+        </p:spPr>
+        <p:txBody>
+          <a:bodyPr/>
+          <a:lstStyle>
+            <a:lvl1pPr marL="0" indent="0">
+              <a:buFont typeface="Arial" panose="020B0604020202020204" pitchFamily="34" charset="0"/>
+              <a:buNone/>
+              <a:defRPr sz="900"/>
+            </a:lvl1pPr>
+            <a:lvl2pPr marL="342900" indent="0">
+              <a:buFont typeface="Arial" panose="020B0604020202020204" pitchFamily="34" charset="0"/>
+              <a:buNone/>
+              <a:defRPr sz="825"/>
+            </a:lvl2pPr>
+            <a:lvl3pPr marL="685800" indent="0">
+              <a:buFont typeface="Arial" panose="020B0604020202020204" pitchFamily="34" charset="0"/>
+              <a:buNone/>
+              <a:defRPr sz="788"/>
+            </a:lvl3pPr>
+            <a:lvl4pPr marL="1028700" indent="0">
+              <a:buFont typeface="Arial" panose="020B0604020202020204" pitchFamily="34" charset="0"/>
+              <a:buNone/>
+              <a:defRPr sz="750"/>
+            </a:lvl4pPr>
+            <a:lvl5pPr marL="1371600" indent="0">
+              <a:buFont typeface="Arial" panose="020B0604020202020204" pitchFamily="34" charset="0"/>
+              <a:buNone/>
+              <a:defRPr sz="750"/>
+            </a:lvl5pPr>
+          </a:lstStyle>
+          <a:p>
+            <a:pPr lvl="0"/>
+            <a:r>
+              <a:rPr lang="en-US" dirty="0"/>
+              <a:t>Click to edit Master text styles</a:t>
+            </a:r>
+          </a:p>
+          <a:p>
+            <a:pPr lvl="1"/>
+            <a:r>
+              <a:rPr lang="en-US" dirty="0"/>
+              <a:t>Second level</a:t>
+            </a:r>
+          </a:p>
+          <a:p>
+            <a:pPr lvl="2"/>
+            <a:r>
+              <a:rPr lang="en-US" dirty="0"/>
+              <a:t>Third level</a:t>
+            </a:r>
+          </a:p>
+          <a:p>
+            <a:pPr lvl="3"/>
+            <a:r>
+              <a:rPr lang="en-US" dirty="0"/>
+              <a:t>Fourth level</a:t>
+            </a:r>
+          </a:p>
+          <a:p>
+            <a:pPr lvl="4"/>
+            <a:r>
+              <a:rPr lang="en-US" dirty="0"/>
+              <a:t>Fifth level</a:t>
+            </a:r>
+            <a:endParaRPr lang="en-CH" dirty="0"/>
+          </a:p>
+        </p:txBody>
+      </p:sp>
+    </p:spTree>
+    <p:extLst>
+      <p:ext uri="{BB962C8B-B14F-4D97-AF65-F5344CB8AC3E}">
+        <p14:creationId xmlns:p14="http://schemas.microsoft.com/office/powerpoint/2010/main" val="3584477701"/>
+      </p:ext>
+    </p:extLst>
+  </p:cSld>
+  <p:clrMapOvr>
+    <a:masterClrMapping/>
+  </p:clrMapOvr>
+</p:sldLayout>
+</file>
+
+<file path=ppt/slideLayouts/slideLayout9.xml><?xml version="1.0" encoding="utf-8"?>
+<p:sldLayout xmlns:a="http://schemas.openxmlformats.org/drawingml/2006/main" xmlns:r="http://schemas.openxmlformats.org/officeDocument/2006/relationships" xmlns:p="http://schemas.openxmlformats.org/presentationml/2006/main" preserve="1" userDrawn="1">
+  <p:cSld name="Two Content and Caption Left">
+    <p:bg>
+      <p:bgPr>
+        <a:solidFill>
+          <a:schemeClr val="bg1"/>
+        </a:solidFill>
+        <a:effectLst/>
+      </p:bgPr>
+    </p:bg>
+    <p:spTree>
+      <p:nvGrpSpPr>
+        <p:cNvPr id="1" name=""/>
+        <p:cNvGrpSpPr/>
+        <p:nvPr/>
+      </p:nvGrpSpPr>
+      <p:grpSpPr>
+        <a:xfrm>
+          <a:off x="0" y="0"/>
+          <a:ext cx="0" cy="0"/>
+          <a:chOff x="0" y="0"/>
+          <a:chExt cx="0" cy="0"/>
+        </a:xfrm>
+      </p:grpSpPr>
+      <p:sp>
+        <p:nvSpPr>
+          <p:cNvPr id="5" name="Date Placeholder 4">
+            <a:extLst>
+              <a:ext uri="{FF2B5EF4-FFF2-40B4-BE49-F238E27FC236}">
+                <a16:creationId xmlns:a16="http://schemas.microsoft.com/office/drawing/2014/main" id="{985F3433-3055-4279-A232-CDB35C481677}"/>
+              </a:ext>
+            </a:extLst>
+          </p:cNvPr>
+          <p:cNvSpPr>
+            <a:spLocks noGrp="1"/>
+          </p:cNvSpPr>
+          <p:nvPr>
+            <p:ph type="dt" sz="half" idx="10"/>
+          </p:nvPr>
+        </p:nvSpPr>
+        <p:spPr>
+          <a:xfrm>
+            <a:off x="692434" y="6356350"/>
+            <a:ext cx="1174141" cy="365125"/>
+          </a:xfrm>
+          <a:prstGeom prst="rect">
+            <a:avLst/>
+          </a:prstGeom>
+        </p:spPr>
+        <p:txBody>
+          <a:bodyPr/>
+          <a:lstStyle/>
+          <a:p>
+            <a:fld id="{F55EAF3D-9CFA-4FC9-AA0C-DF7E220E11CA}" type="datetime1">
+              <a:rPr lang="en-US" smtClean="0"/>
+              <a:t>1/11/2021</a:t>
+            </a:fld>
+            <a:endParaRPr lang="en-US"/>
+          </a:p>
+        </p:txBody>
+      </p:sp>
+      <p:sp>
+        <p:nvSpPr>
+          <p:cNvPr id="6" name="Footer Placeholder 5">
+            <a:extLst>
+              <a:ext uri="{FF2B5EF4-FFF2-40B4-BE49-F238E27FC236}">
+                <a16:creationId xmlns:a16="http://schemas.microsoft.com/office/drawing/2014/main" id="{C4190A63-5D67-4FD5-97FD-79F7445B6A2E}"/>
+              </a:ext>
+            </a:extLst>
+          </p:cNvPr>
+          <p:cNvSpPr>
+            <a:spLocks noGrp="1"/>
+          </p:cNvSpPr>
+          <p:nvPr>
+            <p:ph type="ftr" sz="quarter" idx="11"/>
+          </p:nvPr>
+        </p:nvSpPr>
+        <p:spPr/>
+        <p:txBody>
+          <a:bodyPr/>
+          <a:lstStyle/>
+          <a:p>
+            <a:endParaRPr lang="en-US"/>
+          </a:p>
+        </p:txBody>
+      </p:sp>
+      <p:sp>
+        <p:nvSpPr>
+          <p:cNvPr id="7" name="Slide Number Placeholder 6">
+            <a:extLst>
+              <a:ext uri="{FF2B5EF4-FFF2-40B4-BE49-F238E27FC236}">
+                <a16:creationId xmlns:a16="http://schemas.microsoft.com/office/drawing/2014/main" id="{D2687DAE-A442-4DC3-8550-20F58B781EC7}"/>
+              </a:ext>
+            </a:extLst>
+          </p:cNvPr>
+          <p:cNvSpPr>
+            <a:spLocks noGrp="1"/>
+          </p:cNvSpPr>
+          <p:nvPr>
+            <p:ph type="sldNum" sz="quarter" idx="12"/>
+          </p:nvPr>
+        </p:nvSpPr>
+        <p:spPr/>
+        <p:txBody>
+          <a:bodyPr/>
+          <a:lstStyle/>
+          <a:p>
+            <a:fld id="{C064A79B-B315-413E-88BB-EFE0B5D603D0}" type="slidenum">
+              <a:rPr lang="en-US" smtClean="0"/>
+              <a:t>‹#›</a:t>
+            </a:fld>
+            <a:endParaRPr lang="en-US"/>
+          </a:p>
+        </p:txBody>
+      </p:sp>
+      <p:sp>
+        <p:nvSpPr>
+          <p:cNvPr id="9" name="Title 1">
+            <a:extLst>
+              <a:ext uri="{FF2B5EF4-FFF2-40B4-BE49-F238E27FC236}">
+                <a16:creationId xmlns:a16="http://schemas.microsoft.com/office/drawing/2014/main" id="{177E17F1-D3B2-42A6-9982-8788655386CF}"/>
+              </a:ext>
+            </a:extLst>
+          </p:cNvPr>
+          <p:cNvSpPr>
+            <a:spLocks noGrp="1"/>
+          </p:cNvSpPr>
+          <p:nvPr>
+            <p:ph type="title"/>
+          </p:nvPr>
+        </p:nvSpPr>
+        <p:spPr>
+          <a:xfrm>
+            <a:off x="0" y="1"/>
+            <a:ext cx="9144000" cy="1013635"/>
+          </a:xfrm>
+          <a:solidFill>
+            <a:srgbClr val="0070C0"/>
+          </a:solidFill>
+        </p:spPr>
+        <p:txBody>
+          <a:bodyPr/>
+          <a:lstStyle>
+            <a:lvl1pPr>
+              <a:defRPr lang="en-US" dirty="0"/>
+            </a:lvl1pPr>
+          </a:lstStyle>
+          <a:p>
+            <a:r>
+              <a:rPr lang="en-US" dirty="0"/>
+              <a:t>Click to edit Master title style</a:t>
+            </a:r>
+          </a:p>
+        </p:txBody>
+      </p:sp>
+      <p:sp>
+        <p:nvSpPr>
+          <p:cNvPr id="10" name="Content Placeholder 2">
+            <a:extLst>
+              <a:ext uri="{FF2B5EF4-FFF2-40B4-BE49-F238E27FC236}">
+                <a16:creationId xmlns:a16="http://schemas.microsoft.com/office/drawing/2014/main" id="{F1A58CC4-526C-4991-898F-C0879D5343E8}"/>
+              </a:ext>
+            </a:extLst>
+          </p:cNvPr>
+          <p:cNvSpPr>
+            <a:spLocks noGrp="1"/>
+          </p:cNvSpPr>
+          <p:nvPr>
+            <p:ph sz="half" idx="1"/>
+          </p:nvPr>
+        </p:nvSpPr>
+        <p:spPr>
+          <a:xfrm>
+            <a:off x="187891" y="1205547"/>
+            <a:ext cx="5403284" cy="4446906"/>
+          </a:xfrm>
+        </p:spPr>
+        <p:txBody>
+          <a:bodyPr/>
+          <a:lstStyle/>
+          <a:p>
+            <a:pPr lvl="0"/>
+            <a:r>
+              <a:rPr lang="en-US" dirty="0"/>
+              <a:t>Click to edit Master text styles</a:t>
+            </a:r>
+          </a:p>
+          <a:p>
+            <a:pPr lvl="1"/>
+            <a:r>
+              <a:rPr lang="en-US" dirty="0"/>
+              <a:t>Second level</a:t>
+            </a:r>
+          </a:p>
+          <a:p>
+            <a:pPr lvl="2"/>
+            <a:r>
+              <a:rPr lang="en-US" dirty="0"/>
+              <a:t>Third level</a:t>
+            </a:r>
+          </a:p>
+          <a:p>
+            <a:pPr lvl="3"/>
+            <a:r>
+              <a:rPr lang="en-US" dirty="0"/>
+              <a:t>Fourth level</a:t>
+            </a:r>
+          </a:p>
+          <a:p>
+            <a:pPr lvl="4"/>
+            <a:r>
+              <a:rPr lang="en-US" dirty="0"/>
+              <a:t>Fifth level</a:t>
+            </a:r>
+          </a:p>
+        </p:txBody>
+      </p:sp>
+      <p:sp>
+        <p:nvSpPr>
+          <p:cNvPr id="11" name="Content Placeholder 3">
+            <a:extLst>
+              <a:ext uri="{FF2B5EF4-FFF2-40B4-BE49-F238E27FC236}">
+                <a16:creationId xmlns:a16="http://schemas.microsoft.com/office/drawing/2014/main" id="{CB008E43-F727-4C47-9855-9440A412ACCB}"/>
+              </a:ext>
+            </a:extLst>
+          </p:cNvPr>
+          <p:cNvSpPr>
+            <a:spLocks noGrp="1"/>
+          </p:cNvSpPr>
+          <p:nvPr>
+            <p:ph sz="half" idx="2"/>
+          </p:nvPr>
+        </p:nvSpPr>
+        <p:spPr>
+          <a:xfrm>
+            <a:off x="5695950" y="1205548"/>
+            <a:ext cx="3228845" cy="5021670"/>
+          </a:xfrm>
+        </p:spPr>
+        <p:txBody>
+          <a:bodyPr/>
+          <a:lstStyle/>
+          <a:p>
+            <a:pPr lvl="0"/>
+            <a:r>
+              <a:rPr lang="en-US" dirty="0"/>
+              <a:t>Click to edit Master text styles</a:t>
+            </a:r>
+          </a:p>
+          <a:p>
+            <a:pPr lvl="1"/>
+            <a:r>
+              <a:rPr lang="en-US" dirty="0"/>
+              <a:t>Second level</a:t>
+            </a:r>
+          </a:p>
+          <a:p>
+            <a:pPr lvl="2"/>
+            <a:r>
+              <a:rPr lang="en-US" dirty="0"/>
+              <a:t>Third level</a:t>
+            </a:r>
+          </a:p>
+          <a:p>
+            <a:pPr lvl="3"/>
+            <a:r>
+              <a:rPr lang="en-US" dirty="0"/>
+              <a:t>Fourth level</a:t>
+            </a:r>
+          </a:p>
+          <a:p>
+            <a:pPr lvl="4"/>
+            <a:r>
+              <a:rPr lang="en-US" dirty="0"/>
+              <a:t>Fifth level</a:t>
+            </a:r>
+          </a:p>
+        </p:txBody>
+      </p:sp>
+      <p:sp>
+        <p:nvSpPr>
+          <p:cNvPr id="3" name="Text Placeholder 2">
+            <a:extLst>
+              <a:ext uri="{FF2B5EF4-FFF2-40B4-BE49-F238E27FC236}">
+                <a16:creationId xmlns:a16="http://schemas.microsoft.com/office/drawing/2014/main" id="{B6810FF5-0B9C-4441-B73D-B10146FB8996}"/>
+              </a:ext>
+            </a:extLst>
+          </p:cNvPr>
+          <p:cNvSpPr>
+            <a:spLocks noGrp="1"/>
+          </p:cNvSpPr>
+          <p:nvPr>
+            <p:ph type="body" sz="quarter" idx="13"/>
+          </p:nvPr>
+        </p:nvSpPr>
+        <p:spPr>
+          <a:xfrm>
+            <a:off x="187891" y="5781584"/>
+            <a:ext cx="5403284" cy="445634"/>
+          </a:xfrm>
+        </p:spPr>
+        <p:txBody>
+          <a:bodyPr/>
+          <a:lstStyle>
+            <a:lvl1pPr marL="0" indent="0">
+              <a:buFont typeface="Arial" panose="020B0604020202020204" pitchFamily="34" charset="0"/>
+              <a:buNone/>
+              <a:defRPr sz="900"/>
+            </a:lvl1pPr>
+            <a:lvl2pPr marL="342900" indent="0">
+              <a:buFont typeface="Arial" panose="020B0604020202020204" pitchFamily="34" charset="0"/>
+              <a:buNone/>
+              <a:defRPr sz="825"/>
+            </a:lvl2pPr>
+            <a:lvl3pPr marL="685800" indent="0">
+              <a:buFont typeface="Arial" panose="020B0604020202020204" pitchFamily="34" charset="0"/>
+              <a:buNone/>
+              <a:defRPr sz="788"/>
+            </a:lvl3pPr>
+            <a:lvl4pPr marL="1028700" indent="0">
+              <a:buFont typeface="Arial" panose="020B0604020202020204" pitchFamily="34" charset="0"/>
+              <a:buNone/>
+              <a:defRPr sz="750"/>
+            </a:lvl4pPr>
+            <a:lvl5pPr marL="1371600" indent="0">
+              <a:buFont typeface="Arial" panose="020B0604020202020204" pitchFamily="34" charset="0"/>
+              <a:buNone/>
+              <a:defRPr sz="750"/>
+            </a:lvl5pPr>
+          </a:lstStyle>
+          <a:p>
+            <a:pPr lvl="0"/>
+            <a:r>
+              <a:rPr lang="en-US" dirty="0"/>
+              <a:t>Click to edit Master text styles</a:t>
+            </a:r>
+          </a:p>
+          <a:p>
+            <a:pPr lvl="1"/>
+            <a:r>
+              <a:rPr lang="en-US" dirty="0"/>
+              <a:t>Second level</a:t>
+            </a:r>
+          </a:p>
+          <a:p>
+            <a:pPr lvl="2"/>
+            <a:r>
+              <a:rPr lang="en-US" dirty="0"/>
+              <a:t>Third level</a:t>
+            </a:r>
+          </a:p>
+          <a:p>
+            <a:pPr lvl="3"/>
+            <a:r>
+              <a:rPr lang="en-US" dirty="0"/>
+              <a:t>Fourth level</a:t>
+            </a:r>
+          </a:p>
+          <a:p>
+            <a:pPr lvl="4"/>
+            <a:r>
+              <a:rPr lang="en-US" dirty="0"/>
+              <a:t>Fifth level</a:t>
+            </a:r>
+            <a:endParaRPr lang="en-CH" dirty="0"/>
+          </a:p>
+        </p:txBody>
+      </p:sp>
+    </p:spTree>
+    <p:extLst>
+      <p:ext uri="{BB962C8B-B14F-4D97-AF65-F5344CB8AC3E}">
+        <p14:creationId xmlns:p14="http://schemas.microsoft.com/office/powerpoint/2010/main" val="3059227006"/>
+      </p:ext>
+    </p:extLst>
+  </p:cSld>
+  <p:clrMapOvr>
+    <a:masterClrMapping/>
+  </p:clrMapOvr>
+</p:sldLayout>
+</file>
+
 <file path=ppt/slideMasters/slideMaster1.xml><?xml version="1.0" encoding="utf-8"?>
 <p:sldMaster xmlns:a="http://schemas.openxmlformats.org/drawingml/2006/main" xmlns:r="http://schemas.openxmlformats.org/officeDocument/2006/relationships" xmlns:p="http://schemas.openxmlformats.org/presentationml/2006/main">
   <p:cSld>
@@ -5268,7 +5870,7 @@
           <p:nvPr userDrawn="1"/>
         </p:nvPicPr>
         <p:blipFill rotWithShape="1">
-          <a:blip r:embed="rId17"/>
+          <a:blip r:embed="rId19"/>
           <a:srcRect l="10942" t="14424" r="10940" b="34605"/>
           <a:stretch/>
         </p:blipFill>
@@ -5293,19 +5895,21 @@
   <p:sldLayoutIdLst>
     <p:sldLayoutId id="2147483649" r:id="rId1"/>
     <p:sldLayoutId id="2147483650" r:id="rId2"/>
-    <p:sldLayoutId id="2147483660" r:id="rId3"/>
-    <p:sldLayoutId id="2147483651" r:id="rId4"/>
-    <p:sldLayoutId id="2147483652" r:id="rId5"/>
-    <p:sldLayoutId id="2147483661" r:id="rId6"/>
-    <p:sldLayoutId id="2147483662" r:id="rId7"/>
-    <p:sldLayoutId id="2147483663" r:id="rId8"/>
-    <p:sldLayoutId id="2147483653" r:id="rId9"/>
-    <p:sldLayoutId id="2147483654" r:id="rId10"/>
-    <p:sldLayoutId id="2147483655" r:id="rId11"/>
-    <p:sldLayoutId id="2147483656" r:id="rId12"/>
-    <p:sldLayoutId id="2147483657" r:id="rId13"/>
-    <p:sldLayoutId id="2147483658" r:id="rId14"/>
-    <p:sldLayoutId id="2147483659" r:id="rId15"/>
+    <p:sldLayoutId id="2147483664" r:id="rId3"/>
+    <p:sldLayoutId id="2147483660" r:id="rId4"/>
+    <p:sldLayoutId id="2147483665" r:id="rId5"/>
+    <p:sldLayoutId id="2147483651" r:id="rId6"/>
+    <p:sldLayoutId id="2147483652" r:id="rId7"/>
+    <p:sldLayoutId id="2147483661" r:id="rId8"/>
+    <p:sldLayoutId id="2147483662" r:id="rId9"/>
+    <p:sldLayoutId id="2147483663" r:id="rId10"/>
+    <p:sldLayoutId id="2147483653" r:id="rId11"/>
+    <p:sldLayoutId id="2147483654" r:id="rId12"/>
+    <p:sldLayoutId id="2147483655" r:id="rId13"/>
+    <p:sldLayoutId id="2147483656" r:id="rId14"/>
+    <p:sldLayoutId id="2147483657" r:id="rId15"/>
+    <p:sldLayoutId id="2147483658" r:id="rId16"/>
+    <p:sldLayoutId id="2147483659" r:id="rId17"/>
   </p:sldLayoutIdLst>
   <p:hf hdr="0" dt="0"/>
   <p:txStyles>
@@ -5817,7 +6421,7 @@
           <a:p>
             <a:r>
               <a:rPr/>
-              <a:t>script_IQSlidedeck.R | Date: 2021-01-11 17:08:06</a:t>
+              <a:t>script_IQSlidedeck.R | Date: 2021-01-11 18:21:08</a:t>
             </a:r>
           </a:p>
         </p:txBody>
@@ -6153,7 +6757,7 @@
           <a:p>
             <a:r>
               <a:rPr/>
-              <a:t>script_IQSlidedeck.R | Date: 2021-01-11 17:08:07</a:t>
+              <a:t>script_IQSlidedeck.R | Date: 2021-01-11 18:21:09</a:t>
             </a:r>
           </a:p>
         </p:txBody>
@@ -6489,7 +7093,7 @@
           <a:p>
             <a:r>
               <a:rPr/>
-              <a:t>script_IQSlidedeck.R | Date: 2021-01-11 17:08:08</a:t>
+              <a:t>script_IQSlidedeck.R | Date: 2021-01-11 18:21:10</a:t>
             </a:r>
           </a:p>
         </p:txBody>
@@ -6895,7 +7499,7 @@
           <a:p>
             <a:r>
               <a:rPr/>
-              <a:t>IQSlidedeck_IQRobjects.R | Date: 2021-01-11 17:08:37</a:t>
+              <a:t>IQSlidedeck_IQRobjects.R | Date: 2021-01-11 18:21:38</a:t>
             </a:r>
           </a:p>
         </p:txBody>
@@ -7249,7 +7853,7 @@
           <a:p>
             <a:r>
               <a:rPr/>
-              <a:t>IQSlidedeck_IQRobjects.R | Date: 2021-01-11 17:08:37</a:t>
+              <a:t>IQSlidedeck_IQRobjects.R | Date: 2021-01-11 18:21:38</a:t>
             </a:r>
           </a:p>
         </p:txBody>
@@ -7603,7 +8207,7 @@
           <a:p>
             <a:r>
               <a:rPr/>
-              <a:t>IQSlidedeck_IQRobjects.R | Date: 2021-01-11 17:08:37</a:t>
+              <a:t>IQSlidedeck_IQRobjects.R | Date: 2021-01-11 18:21:39</a:t>
             </a:r>
           </a:p>
         </p:txBody>
@@ -7922,7 +8526,7 @@
           <a:p>
             <a:r>
               <a:rPr/>
-              <a:t>IQSlidedeck_IQRobjects.R | Date: 2021-01-11 17:08:38</a:t>
+              <a:t>IQSlidedeck_IQRobjects.R | Date: 2021-01-11 18:21:39</a:t>
             </a:r>
           </a:p>
         </p:txBody>
@@ -7965,7 +8569,7 @@
         <p:spPr>
           <a:xfrm>
             <a:off x="0" y="1"/>
-            <a:ext cx="9144000" cy="1013635"/>
+            <a:ext cx="3477600" cy="6857999"/>
           </a:xfrm>
         </p:spPr>
         <p:txBody>
@@ -7974,7 +8578,7 @@
           <a:p>
             <a:r>
               <a:rPr/>
-              <a:t>Plotting white noise</a:t>
+              <a:t>Plotting white noise and testing the wide title layout</a:t>
             </a:r>
           </a:p>
         </p:txBody>
@@ -7997,8 +8601,8 @@
         </p:blipFill>
         <p:spPr>
           <a:xfrm>
-            <a:off x="187891" y="1227552"/>
-            <a:ext cx="8736905" cy="4479285"/>
+            <a:off x="3564000" y="233999"/>
+            <a:ext cx="5360400" cy="5498586"/>
           </a:xfrm>
           <a:prstGeom prst="rect">
             <a:avLst/>
@@ -8017,8 +8621,8 @@
         </p:nvSpPr>
         <p:spPr>
           <a:xfrm>
-            <a:off x="187891" y="5816375"/>
-            <a:ext cx="8736905" cy="365125"/>
+            <a:off x="3564000" y="5816375"/>
+            <a:ext cx="5360796" cy="365125"/>
           </a:xfrm>
         </p:spPr>
         <p:txBody>
@@ -8044,8 +8648,8 @@
         </p:nvSpPr>
         <p:spPr>
           <a:xfrm>
-            <a:off x="1974547" y="6356350"/>
-            <a:ext cx="5302878" cy="365125"/>
+            <a:off x="3564000" y="6356350"/>
+            <a:ext cx="5360796" cy="365125"/>
           </a:xfrm>
         </p:spPr>
         <p:txBody>
@@ -8054,7 +8658,7 @@
           <a:p>
             <a:r>
               <a:rPr/>
-              <a:t>IQSlidedeck_IQRobjects.R | Date: 2021-01-11 17:08:39</a:t>
+              <a:t>IQSlidedeck_IQRobjects.R | Date: 2021-01-11 18:21:41</a:t>
             </a:r>
           </a:p>
         </p:txBody>
@@ -8218,7 +8822,7 @@
           <a:p>
             <a:r>
               <a:rPr/>
-              <a:t>script_IQSlidedeck.R | Date: 2021-01-11 17:08:05</a:t>
+              <a:t>script_IQSlidedeck.R | Date: 2021-01-11 18:21:07</a:t>
             </a:r>
           </a:p>
         </p:txBody>
@@ -8435,7 +9039,7 @@
           <a:p>
             <a:r>
               <a:rPr/>
-              <a:t>script_IQSlidedeck.R | Date: 2021-01-11 17:08:05</a:t>
+              <a:t>script_IQSlidedeck.R | Date: 2021-01-11 18:21:07</a:t>
             </a:r>
           </a:p>
         </p:txBody>
@@ -8540,7 +9144,7 @@
           <a:p>
             <a:r>
               <a:rPr/>
-              <a:t>script_IQSlidedeck.R | Date: 2021-01-11 17:08:09</a:t>
+              <a:t>script_IQSlidedeck.R | Date: 2021-01-11 18:21:11</a:t>
             </a:r>
           </a:p>
         </p:txBody>
@@ -8645,7 +9249,7 @@
           <a:p>
             <a:r>
               <a:rPr/>
-              <a:t>script_IQSlidedeck.R | Date: 2021-01-11 17:08:10</a:t>
+              <a:t>script_IQSlidedeck.R | Date: 2021-01-11 18:21:12</a:t>
             </a:r>
           </a:p>
         </p:txBody>
@@ -8750,7 +9354,7 @@
           <a:p>
             <a:r>
               <a:rPr/>
-              <a:t>script_IQSlidedeck.R | Date: 2021-01-11 17:08:16</a:t>
+              <a:t>script_IQSlidedeck.R | Date: 2021-01-11 18:21:18</a:t>
             </a:r>
           </a:p>
         </p:txBody>

--- a/tests/testresults/script_IQSlidedeck_IQobjects_IQ_4_3.pptx
+++ b/tests/testresults/script_IQSlidedeck_IQobjects_IQ_4_3.pptx
@@ -6283,7 +6283,7 @@
               <a:rPr/>
               <a:t>IQR Objects
 Daniel Kaschek, IntiQuan
-2021-01-11</a:t>
+2021-03-09</a:t>
             </a:r>
           </a:p>
         </p:txBody>
@@ -6421,7 +6421,7 @@
           <a:p>
             <a:r>
               <a:rPr/>
-              <a:t>script_IQSlidedeck.R | Date: 2021-01-11 18:21:08</a:t>
+              <a:t>script_IQSlidedeck.R | Date: 2021-03-09 17:50:18</a:t>
             </a:r>
           </a:p>
         </p:txBody>
@@ -6757,7 +6757,7 @@
           <a:p>
             <a:r>
               <a:rPr/>
-              <a:t>script_IQSlidedeck.R | Date: 2021-01-11 18:21:09</a:t>
+              <a:t>script_IQSlidedeck.R | Date: 2021-03-09 17:50:19</a:t>
             </a:r>
           </a:p>
         </p:txBody>
@@ -7093,7 +7093,7 @@
           <a:p>
             <a:r>
               <a:rPr/>
-              <a:t>script_IQSlidedeck.R | Date: 2021-01-11 18:21:10</a:t>
+              <a:t>script_IQSlidedeck.R | Date: 2021-03-09 17:50:20</a:t>
             </a:r>
           </a:p>
         </p:txBody>
@@ -7499,7 +7499,7 @@
           <a:p>
             <a:r>
               <a:rPr/>
-              <a:t>IQSlidedeck_IQRobjects.R | Date: 2021-01-11 18:21:38</a:t>
+              <a:t>IQSlidedeck_IQRobjects.R | Date: 2021-03-09 17:50:45</a:t>
             </a:r>
           </a:p>
         </p:txBody>
@@ -7853,7 +7853,7 @@
           <a:p>
             <a:r>
               <a:rPr/>
-              <a:t>IQSlidedeck_IQRobjects.R | Date: 2021-01-11 18:21:38</a:t>
+              <a:t>IQSlidedeck_IQRobjects.R | Date: 2021-03-09 17:50:46</a:t>
             </a:r>
           </a:p>
         </p:txBody>
@@ -8207,7 +8207,7 @@
           <a:p>
             <a:r>
               <a:rPr/>
-              <a:t>IQSlidedeck_IQRobjects.R | Date: 2021-01-11 18:21:39</a:t>
+              <a:t>IQSlidedeck_IQRobjects.R | Date: 2021-03-09 17:50:46</a:t>
             </a:r>
           </a:p>
         </p:txBody>
@@ -8526,7 +8526,7 @@
           <a:p>
             <a:r>
               <a:rPr/>
-              <a:t>IQSlidedeck_IQRobjects.R | Date: 2021-01-11 18:21:39</a:t>
+              <a:t>IQSlidedeck_IQRobjects.R | Date: 2021-03-09 17:50:47</a:t>
             </a:r>
           </a:p>
         </p:txBody>
@@ -8658,7 +8658,7 @@
           <a:p>
             <a:r>
               <a:rPr/>
-              <a:t>IQSlidedeck_IQRobjects.R | Date: 2021-01-11 18:21:41</a:t>
+              <a:t>IQSlidedeck_IQRobjects.R | Date: 2021-03-09 17:50:48</a:t>
             </a:r>
           </a:p>
         </p:txBody>
@@ -8822,7 +8822,7 @@
           <a:p>
             <a:r>
               <a:rPr/>
-              <a:t>script_IQSlidedeck.R | Date: 2021-01-11 18:21:07</a:t>
+              <a:t>script_IQSlidedeck.R | Date: 2021-03-09 17:50:17</a:t>
             </a:r>
           </a:p>
         </p:txBody>
@@ -9039,7 +9039,7 @@
           <a:p>
             <a:r>
               <a:rPr/>
-              <a:t>script_IQSlidedeck.R | Date: 2021-01-11 18:21:07</a:t>
+              <a:t>script_IQSlidedeck.R | Date: 2021-03-09 17:50:17</a:t>
             </a:r>
           </a:p>
         </p:txBody>
@@ -9144,7 +9144,7 @@
           <a:p>
             <a:r>
               <a:rPr/>
-              <a:t>script_IQSlidedeck.R | Date: 2021-01-11 18:21:11</a:t>
+              <a:t>script_IQSlidedeck.R | Date: 2021-03-09 17:50:21</a:t>
             </a:r>
           </a:p>
         </p:txBody>
@@ -9249,7 +9249,7 @@
           <a:p>
             <a:r>
               <a:rPr/>
-              <a:t>script_IQSlidedeck.R | Date: 2021-01-11 18:21:12</a:t>
+              <a:t>script_IQSlidedeck.R | Date: 2021-03-09 17:50:22</a:t>
             </a:r>
           </a:p>
         </p:txBody>
@@ -9354,7 +9354,7 @@
           <a:p>
             <a:r>
               <a:rPr/>
-              <a:t>script_IQSlidedeck.R | Date: 2021-01-11 18:21:18</a:t>
+              <a:t>script_IQSlidedeck.R | Date: 2021-03-09 17:50:28</a:t>
             </a:r>
           </a:p>
         </p:txBody>

--- a/tests/testresults/script_IQSlidedeck_IQobjects_IQ_4_3.pptx
+++ b/tests/testresults/script_IQSlidedeck_IQobjects_IQ_4_3.pptx
@@ -6283,7 +6283,7 @@
               <a:rPr/>
               <a:t>IQR Objects
 Daniel Kaschek, IntiQuan
-2021-03-09</a:t>
+2021-04-26</a:t>
             </a:r>
           </a:p>
         </p:txBody>
@@ -6421,7 +6421,7 @@
           <a:p>
             <a:r>
               <a:rPr/>
-              <a:t>script_IQSlidedeck.R | Date: 2021-03-09 17:50:18</a:t>
+              <a:t>script_IQSlidedeck.R | Date: 2021-04-26 10:12:54</a:t>
             </a:r>
           </a:p>
         </p:txBody>
@@ -6757,7 +6757,7 @@
           <a:p>
             <a:r>
               <a:rPr/>
-              <a:t>script_IQSlidedeck.R | Date: 2021-03-09 17:50:19</a:t>
+              <a:t>script_IQSlidedeck.R | Date: 2021-04-26 10:12:55</a:t>
             </a:r>
           </a:p>
         </p:txBody>
@@ -7093,7 +7093,7 @@
           <a:p>
             <a:r>
               <a:rPr/>
-              <a:t>script_IQSlidedeck.R | Date: 2021-03-09 17:50:20</a:t>
+              <a:t>script_IQSlidedeck.R | Date: 2021-04-26 10:12:56</a:t>
             </a:r>
           </a:p>
         </p:txBody>
@@ -7499,7 +7499,7 @@
           <a:p>
             <a:r>
               <a:rPr/>
-              <a:t>IQSlidedeck_IQRobjects.R | Date: 2021-03-09 17:50:45</a:t>
+              <a:t>IQSlidedeck_IQRobjects.R | Date: 2021-04-26 10:13:21</a:t>
             </a:r>
           </a:p>
         </p:txBody>
@@ -7853,7 +7853,7 @@
           <a:p>
             <a:r>
               <a:rPr/>
-              <a:t>IQSlidedeck_IQRobjects.R | Date: 2021-03-09 17:50:46</a:t>
+              <a:t>IQSlidedeck_IQRobjects.R | Date: 2021-04-26 10:13:21</a:t>
             </a:r>
           </a:p>
         </p:txBody>
@@ -8207,7 +8207,7 @@
           <a:p>
             <a:r>
               <a:rPr/>
-              <a:t>IQSlidedeck_IQRobjects.R | Date: 2021-03-09 17:50:46</a:t>
+              <a:t>IQSlidedeck_IQRobjects.R | Date: 2021-04-26 10:13:21</a:t>
             </a:r>
           </a:p>
         </p:txBody>
@@ -8526,7 +8526,7 @@
           <a:p>
             <a:r>
               <a:rPr/>
-              <a:t>IQSlidedeck_IQRobjects.R | Date: 2021-03-09 17:50:47</a:t>
+              <a:t>IQSlidedeck_IQRobjects.R | Date: 2021-04-26 10:13:22</a:t>
             </a:r>
           </a:p>
         </p:txBody>
@@ -8658,7 +8658,7 @@
           <a:p>
             <a:r>
               <a:rPr/>
-              <a:t>IQSlidedeck_IQRobjects.R | Date: 2021-03-09 17:50:48</a:t>
+              <a:t>IQSlidedeck_IQRobjects.R | Date: 2021-04-26 10:13:23</a:t>
             </a:r>
           </a:p>
         </p:txBody>
@@ -8822,7 +8822,7 @@
           <a:p>
             <a:r>
               <a:rPr/>
-              <a:t>script_IQSlidedeck.R | Date: 2021-03-09 17:50:17</a:t>
+              <a:t>script_IQSlidedeck.R | Date: 2021-04-26 10:12:53</a:t>
             </a:r>
           </a:p>
         </p:txBody>
@@ -9039,7 +9039,7 @@
           <a:p>
             <a:r>
               <a:rPr/>
-              <a:t>script_IQSlidedeck.R | Date: 2021-03-09 17:50:17</a:t>
+              <a:t>script_IQSlidedeck.R | Date: 2021-04-26 10:12:53</a:t>
             </a:r>
           </a:p>
         </p:txBody>
@@ -9144,7 +9144,7 @@
           <a:p>
             <a:r>
               <a:rPr/>
-              <a:t>script_IQSlidedeck.R | Date: 2021-03-09 17:50:21</a:t>
+              <a:t>script_IQSlidedeck.R | Date: 2021-04-26 10:12:57</a:t>
             </a:r>
           </a:p>
         </p:txBody>
@@ -9249,7 +9249,7 @@
           <a:p>
             <a:r>
               <a:rPr/>
-              <a:t>script_IQSlidedeck.R | Date: 2021-03-09 17:50:22</a:t>
+              <a:t>script_IQSlidedeck.R | Date: 2021-04-26 10:12:58</a:t>
             </a:r>
           </a:p>
         </p:txBody>
@@ -9354,7 +9354,7 @@
           <a:p>
             <a:r>
               <a:rPr/>
-              <a:t>script_IQSlidedeck.R | Date: 2021-03-09 17:50:28</a:t>
+              <a:t>script_IQSlidedeck.R | Date: 2021-04-26 10:13:04</a:t>
             </a:r>
           </a:p>
         </p:txBody>
